--- a/ML_Nevados/Informe final/Póster_Proyecto_JuanHernández.pptx
+++ b/ML_Nevados/Informe final/Póster_Proyecto_JuanHernández.pptx
@@ -246,29 +246,37 @@
       <p15:sldGuideLst xmlns:p15="http://schemas.microsoft.com/office/powerpoint/2012/main"/>
     </p:ext>
     <p:ext uri="http://customooxmlschemas.google.com/">
-      <go:slidesCustomData xmlns:mc="http://schemas.openxmlformats.org/markup-compatibility/2006" xmlns:mv="urn:schemas-microsoft-com:mac:vml" xmlns:c="http://schemas.openxmlformats.org/drawingml/2006/chart" xmlns:dgm="http://schemas.openxmlformats.org/drawingml/2006/diagram" xmlns:o="urn:schemas-microsoft-com:office:office" xmlns:v="urn:schemas-microsoft-com:vml" xmlns:pvml="urn:schemas-microsoft-com:office:powerpoint" xmlns:com="http://schemas.openxmlformats.org/drawingml/2006/compatibility" xmlns:p14="http://schemas.microsoft.com/office/powerpoint/2010/main" xmlns:p15="http://schemas.microsoft.com/office/powerpoint/2012/main" xmlns:ahyp="http://schemas.microsoft.com/office/drawing/2018/hyperlinkcolor" xmlns:go="http://customooxmlschemas.google.com/" xmlns="" r:id="rId6" roundtripDataSignature="AMtx7mgYeFaRXWvN86i/ZAnc2d6Oy6U+xA=="/>
+      <go:slidesCustomData xmlns="" xmlns:go="http://customooxmlschemas.google.com/" xmlns:ahyp="http://schemas.microsoft.com/office/drawing/2018/hyperlinkcolor" xmlns:p15="http://schemas.microsoft.com/office/powerpoint/2012/main" xmlns:p14="http://schemas.microsoft.com/office/powerpoint/2010/main" xmlns:com="http://schemas.openxmlformats.org/drawingml/2006/compatibility" xmlns:pvml="urn:schemas-microsoft-com:office:powerpoint" xmlns:v="urn:schemas-microsoft-com:vml" xmlns:o="urn:schemas-microsoft-com:office:office" xmlns:dgm="http://schemas.openxmlformats.org/drawingml/2006/diagram" xmlns:c="http://schemas.openxmlformats.org/drawingml/2006/chart" xmlns:mv="urn:schemas-microsoft-com:mac:vml" xmlns:mc="http://schemas.openxmlformats.org/markup-compatibility/2006" r:id="rId6" roundtripDataSignature="AMtx7mgYeFaRXWvN86i/ZAnc2d6Oy6U+xA=="/>
     </p:ext>
   </p:extLst>
 </p:presentation>
+</file>
+
+<file path=ppt/revisionInfo.xml><?xml version="1.0" encoding="utf-8"?>
+<p1510:revInfo xmlns:a="http://schemas.openxmlformats.org/drawingml/2006/main" xmlns:r="http://schemas.openxmlformats.org/officeDocument/2006/relationships" xmlns:p1510="http://schemas.microsoft.com/office/powerpoint/2015/10/main">
+  <p1510:revLst>
+    <p1510:client id="{15700346-AE44-46BD-9515-D057753CB318}" v="63" dt="2024-01-10T21:07:19.052"/>
+  </p1510:revLst>
+</p1510:revInfo>
 </file>
 
 <file path=ppt/changesInfos/changesInfo1.xml><?xml version="1.0" encoding="utf-8"?>
 <pc:chgInfo xmlns:a="http://schemas.openxmlformats.org/drawingml/2006/main" xmlns:r="http://schemas.openxmlformats.org/officeDocument/2006/relationships" xmlns:ac="http://schemas.microsoft.com/office/drawing/2013/main/command" xmlns:pc="http://schemas.microsoft.com/office/powerpoint/2013/main/command">
   <pc:docChgLst>
     <pc:chgData name="Juan Hernández" userId="268c9cf315a2b605" providerId="LiveId" clId="{15700346-AE44-46BD-9515-D057753CB318}"/>
-    <pc:docChg chg="modSld">
-      <pc:chgData name="Juan Hernández" userId="268c9cf315a2b605" providerId="LiveId" clId="{15700346-AE44-46BD-9515-D057753CB318}" dt="2024-01-10T13:36:45.766" v="254" actId="207"/>
+    <pc:docChg chg="undo custSel modSld">
+      <pc:chgData name="Juan Hernández" userId="268c9cf315a2b605" providerId="LiveId" clId="{15700346-AE44-46BD-9515-D057753CB318}" dt="2024-01-10T21:18:21.415" v="2028" actId="1076"/>
       <pc:docMkLst>
         <pc:docMk/>
       </pc:docMkLst>
-      <pc:sldChg chg="modSp mod">
-        <pc:chgData name="Juan Hernández" userId="268c9cf315a2b605" providerId="LiveId" clId="{15700346-AE44-46BD-9515-D057753CB318}" dt="2024-01-10T13:36:45.766" v="254" actId="207"/>
+      <pc:sldChg chg="addSp delSp modSp mod">
+        <pc:chgData name="Juan Hernández" userId="268c9cf315a2b605" providerId="LiveId" clId="{15700346-AE44-46BD-9515-D057753CB318}" dt="2024-01-10T21:18:21.415" v="2028" actId="1076"/>
         <pc:sldMkLst>
           <pc:docMk/>
           <pc:sldMk cId="0" sldId="256"/>
         </pc:sldMkLst>
         <pc:spChg chg="mod">
-          <ac:chgData name="Juan Hernández" userId="268c9cf315a2b605" providerId="LiveId" clId="{15700346-AE44-46BD-9515-D057753CB318}" dt="2024-01-10T13:33:46.762" v="230" actId="1076"/>
+          <ac:chgData name="Juan Hernández" userId="268c9cf315a2b605" providerId="LiveId" clId="{15700346-AE44-46BD-9515-D057753CB318}" dt="2024-01-10T20:57:56.352" v="786" actId="403"/>
           <ac:spMkLst>
             <pc:docMk/>
             <pc:sldMk cId="0" sldId="256"/>
@@ -283,8 +291,16 @@
             <ac:spMk id="4" creationId="{138FEE8B-17F5-95CD-2D12-A0178C662E94}"/>
           </ac:spMkLst>
         </pc:spChg>
+        <pc:spChg chg="del mod">
+          <ac:chgData name="Juan Hernández" userId="268c9cf315a2b605" providerId="LiveId" clId="{15700346-AE44-46BD-9515-D057753CB318}" dt="2024-01-10T20:46:03.120" v="697" actId="478"/>
+          <ac:spMkLst>
+            <pc:docMk/>
+            <pc:sldMk cId="0" sldId="256"/>
+            <ac:spMk id="6" creationId="{57C53717-41CF-CDC6-35E8-E4768673C10E}"/>
+          </ac:spMkLst>
+        </pc:spChg>
         <pc:spChg chg="mod">
-          <ac:chgData name="Juan Hernández" userId="268c9cf315a2b605" providerId="LiveId" clId="{15700346-AE44-46BD-9515-D057753CB318}" dt="2024-01-10T13:33:59.105" v="233" actId="255"/>
+          <ac:chgData name="Juan Hernández" userId="268c9cf315a2b605" providerId="LiveId" clId="{15700346-AE44-46BD-9515-D057753CB318}" dt="2024-01-10T20:57:08.303" v="783" actId="14100"/>
           <ac:spMkLst>
             <pc:docMk/>
             <pc:sldMk cId="0" sldId="256"/>
@@ -292,7 +308,31 @@
           </ac:spMkLst>
         </pc:spChg>
         <pc:spChg chg="mod">
-          <ac:chgData name="Juan Hernández" userId="268c9cf315a2b605" providerId="LiveId" clId="{15700346-AE44-46BD-9515-D057753CB318}" dt="2024-01-10T13:35:23.903" v="245" actId="1076"/>
+          <ac:chgData name="Juan Hernández" userId="268c9cf315a2b605" providerId="LiveId" clId="{15700346-AE44-46BD-9515-D057753CB318}" dt="2024-01-10T21:15:51.749" v="2000" actId="1076"/>
+          <ac:spMkLst>
+            <pc:docMk/>
+            <pc:sldMk cId="0" sldId="256"/>
+            <ac:spMk id="8" creationId="{E769AC8A-98FE-D162-FED8-AC3B059150AF}"/>
+          </ac:spMkLst>
+        </pc:spChg>
+        <pc:spChg chg="del mod">
+          <ac:chgData name="Juan Hernández" userId="268c9cf315a2b605" providerId="LiveId" clId="{15700346-AE44-46BD-9515-D057753CB318}" dt="2024-01-10T20:45:58.905" v="695" actId="478"/>
+          <ac:spMkLst>
+            <pc:docMk/>
+            <pc:sldMk cId="0" sldId="256"/>
+            <ac:spMk id="9" creationId="{A6C9441E-8F3C-9E00-139C-28A30FED2B6D}"/>
+          </ac:spMkLst>
+        </pc:spChg>
+        <pc:spChg chg="mod">
+          <ac:chgData name="Juan Hernández" userId="268c9cf315a2b605" providerId="LiveId" clId="{15700346-AE44-46BD-9515-D057753CB318}" dt="2024-01-10T21:18:18.216" v="2026" actId="1076"/>
+          <ac:spMkLst>
+            <pc:docMk/>
+            <pc:sldMk cId="0" sldId="256"/>
+            <ac:spMk id="11" creationId="{DB7E1D6F-EB6E-BF47-3115-4D1B2362AE58}"/>
+          </ac:spMkLst>
+        </pc:spChg>
+        <pc:spChg chg="mod">
+          <ac:chgData name="Juan Hernández" userId="268c9cf315a2b605" providerId="LiveId" clId="{15700346-AE44-46BD-9515-D057753CB318}" dt="2024-01-10T21:00:35.681" v="853" actId="1076"/>
           <ac:spMkLst>
             <pc:docMk/>
             <pc:sldMk cId="0" sldId="256"/>
@@ -305,6 +345,70 @@
             <pc:docMk/>
             <pc:sldMk cId="0" sldId="256"/>
             <ac:spMk id="14" creationId="{10E55887-1475-4F4F-998F-F9BBE34C6514}"/>
+          </ac:spMkLst>
+        </pc:spChg>
+        <pc:spChg chg="mod">
+          <ac:chgData name="Juan Hernández" userId="268c9cf315a2b605" providerId="LiveId" clId="{15700346-AE44-46BD-9515-D057753CB318}" dt="2024-01-10T21:17:51.657" v="2019" actId="1076"/>
+          <ac:spMkLst>
+            <pc:docMk/>
+            <pc:sldMk cId="0" sldId="256"/>
+            <ac:spMk id="16" creationId="{E20B5E1B-4538-7574-8953-76583577E212}"/>
+          </ac:spMkLst>
+        </pc:spChg>
+        <pc:spChg chg="add mod">
+          <ac:chgData name="Juan Hernández" userId="268c9cf315a2b605" providerId="LiveId" clId="{15700346-AE44-46BD-9515-D057753CB318}" dt="2024-01-10T21:05:56.322" v="1385" actId="1076"/>
+          <ac:spMkLst>
+            <pc:docMk/>
+            <pc:sldMk cId="0" sldId="256"/>
+            <ac:spMk id="18" creationId="{42A2F3C7-4E78-F00D-2954-9B3AF6D2D01B}"/>
+          </ac:spMkLst>
+        </pc:spChg>
+        <pc:spChg chg="add del mod">
+          <ac:chgData name="Juan Hernández" userId="268c9cf315a2b605" providerId="LiveId" clId="{15700346-AE44-46BD-9515-D057753CB318}" dt="2024-01-10T21:05:29.846" v="1377" actId="478"/>
+          <ac:spMkLst>
+            <pc:docMk/>
+            <pc:sldMk cId="0" sldId="256"/>
+            <ac:spMk id="21" creationId="{21ACE224-9AA8-DFB8-6838-FD9916B316C9}"/>
+          </ac:spMkLst>
+        </pc:spChg>
+        <pc:spChg chg="add mod">
+          <ac:chgData name="Juan Hernández" userId="268c9cf315a2b605" providerId="LiveId" clId="{15700346-AE44-46BD-9515-D057753CB318}" dt="2024-01-10T21:15:55.794" v="2002" actId="1076"/>
+          <ac:spMkLst>
+            <pc:docMk/>
+            <pc:sldMk cId="0" sldId="256"/>
+            <ac:spMk id="23" creationId="{948E0066-FE0D-6E07-C1B9-14B89884108E}"/>
+          </ac:spMkLst>
+        </pc:spChg>
+        <pc:spChg chg="add mod">
+          <ac:chgData name="Juan Hernández" userId="268c9cf315a2b605" providerId="LiveId" clId="{15700346-AE44-46BD-9515-D057753CB318}" dt="2024-01-10T21:15:59.204" v="2003" actId="1076"/>
+          <ac:spMkLst>
+            <pc:docMk/>
+            <pc:sldMk cId="0" sldId="256"/>
+            <ac:spMk id="24" creationId="{A56751BF-8695-1562-491C-777F17F19A2E}"/>
+          </ac:spMkLst>
+        </pc:spChg>
+        <pc:spChg chg="add mod">
+          <ac:chgData name="Juan Hernández" userId="268c9cf315a2b605" providerId="LiveId" clId="{15700346-AE44-46BD-9515-D057753CB318}" dt="2024-01-10T21:18:06.213" v="2024" actId="14100"/>
+          <ac:spMkLst>
+            <pc:docMk/>
+            <pc:sldMk cId="0" sldId="256"/>
+            <ac:spMk id="25" creationId="{0F782C98-0793-47F6-478A-3343FE3A740D}"/>
+          </ac:spMkLst>
+        </pc:spChg>
+        <pc:spChg chg="add mod">
+          <ac:chgData name="Juan Hernández" userId="268c9cf315a2b605" providerId="LiveId" clId="{15700346-AE44-46BD-9515-D057753CB318}" dt="2024-01-10T21:15:01.405" v="1993" actId="1076"/>
+          <ac:spMkLst>
+            <pc:docMk/>
+            <pc:sldMk cId="0" sldId="256"/>
+            <ac:spMk id="26" creationId="{AEB1C322-BCBA-99E6-4A8E-BFC988EAB655}"/>
+          </ac:spMkLst>
+        </pc:spChg>
+        <pc:spChg chg="add mod">
+          <ac:chgData name="Juan Hernández" userId="268c9cf315a2b605" providerId="LiveId" clId="{15700346-AE44-46BD-9515-D057753CB318}" dt="2024-01-10T21:18:09.248" v="2025" actId="1076"/>
+          <ac:spMkLst>
+            <pc:docMk/>
+            <pc:sldMk cId="0" sldId="256"/>
+            <ac:spMk id="28" creationId="{8955DC2B-8F8F-44C4-DD28-200DD3CD7861}"/>
           </ac:spMkLst>
         </pc:spChg>
         <pc:spChg chg="mod">
@@ -371,6 +475,62 @@
             <ac:spMk id="91" creationId="{00000000-0000-0000-0000-000000000000}"/>
           </ac:spMkLst>
         </pc:spChg>
+        <pc:graphicFrameChg chg="mod modGraphic">
+          <ac:chgData name="Juan Hernández" userId="268c9cf315a2b605" providerId="LiveId" clId="{15700346-AE44-46BD-9515-D057753CB318}" dt="2024-01-10T21:17:55.247" v="2020" actId="1076"/>
+          <ac:graphicFrameMkLst>
+            <pc:docMk/>
+            <pc:sldMk cId="0" sldId="256"/>
+            <ac:graphicFrameMk id="15" creationId="{6185C5B6-1BC3-C1B4-2B66-66264F7455F7}"/>
+          </ac:graphicFrameMkLst>
+        </pc:graphicFrameChg>
+        <pc:picChg chg="add mod">
+          <ac:chgData name="Juan Hernández" userId="268c9cf315a2b605" providerId="LiveId" clId="{15700346-AE44-46BD-9515-D057753CB318}" dt="2024-01-10T21:18:21.415" v="2028" actId="1076"/>
+          <ac:picMkLst>
+            <pc:docMk/>
+            <pc:sldMk cId="0" sldId="256"/>
+            <ac:picMk id="5" creationId="{E3AAF6B0-7217-4402-3A7D-042F06753E4B}"/>
+          </ac:picMkLst>
+        </pc:picChg>
+        <pc:picChg chg="del">
+          <ac:chgData name="Juan Hernández" userId="268c9cf315a2b605" providerId="LiveId" clId="{15700346-AE44-46BD-9515-D057753CB318}" dt="2024-01-10T20:18:48.479" v="612" actId="478"/>
+          <ac:picMkLst>
+            <pc:docMk/>
+            <pc:sldMk cId="0" sldId="256"/>
+            <ac:picMk id="12" creationId="{652F889F-6DED-AD5F-FE75-8D449A1C85F6}"/>
+          </ac:picMkLst>
+        </pc:picChg>
+        <pc:picChg chg="add mod">
+          <ac:chgData name="Juan Hernández" userId="268c9cf315a2b605" providerId="LiveId" clId="{15700346-AE44-46BD-9515-D057753CB318}" dt="2024-01-10T21:16:01.098" v="2004" actId="1076"/>
+          <ac:picMkLst>
+            <pc:docMk/>
+            <pc:sldMk cId="0" sldId="256"/>
+            <ac:picMk id="17" creationId="{CCCAF1ED-408C-011C-A6C4-8597E2447EB3}"/>
+          </ac:picMkLst>
+        </pc:picChg>
+        <pc:picChg chg="add del mod">
+          <ac:chgData name="Juan Hernández" userId="268c9cf315a2b605" providerId="LiveId" clId="{15700346-AE44-46BD-9515-D057753CB318}" dt="2024-01-10T20:54:09.062" v="766" actId="478"/>
+          <ac:picMkLst>
+            <pc:docMk/>
+            <pc:sldMk cId="0" sldId="256"/>
+            <ac:picMk id="20" creationId="{05F37E67-43C0-DBEB-6F2E-2C4D2920101B}"/>
+          </ac:picMkLst>
+        </pc:picChg>
+        <pc:picChg chg="add mod">
+          <ac:chgData name="Juan Hernández" userId="268c9cf315a2b605" providerId="LiveId" clId="{15700346-AE44-46BD-9515-D057753CB318}" dt="2024-01-10T21:15:53.323" v="2001" actId="1076"/>
+          <ac:picMkLst>
+            <pc:docMk/>
+            <pc:sldMk cId="0" sldId="256"/>
+            <ac:picMk id="22" creationId="{7CE12EB2-0CA3-7259-63A0-08BA22C9E09F}"/>
+          </ac:picMkLst>
+        </pc:picChg>
+        <pc:picChg chg="add del mod">
+          <ac:chgData name="Juan Hernández" userId="268c9cf315a2b605" providerId="LiveId" clId="{15700346-AE44-46BD-9515-D057753CB318}" dt="2024-01-10T21:05:29.846" v="1377" actId="478"/>
+          <ac:picMkLst>
+            <pc:docMk/>
+            <pc:sldMk cId="0" sldId="256"/>
+            <ac:picMk id="1026" creationId="{1CB57DCA-D669-0C56-B80E-735D6175825E}"/>
+          </ac:picMkLst>
+        </pc:picChg>
       </pc:sldChg>
     </pc:docChg>
   </pc:docChgLst>
@@ -16410,54 +16570,9 @@
             </a:pPr>
             <a:r>
               <a:rPr lang="es-ES" sz="2400" dirty="0"/>
-              <a:t>Evaluar y cuantificar con precisión el retroceso glaciar a lo largo del tiempo en las áreas de interés, utilizando datos </a:t>
-            </a:r>
-            <a:r>
-              <a:rPr lang="es-ES" sz="2000" dirty="0"/>
-              <a:t>históricos</a:t>
-            </a:r>
-            <a:r>
-              <a:rPr lang="es-ES" sz="2400" dirty="0"/>
-              <a:t> de Landsat, algoritmos de inteligencia artificial y métodos de procesamiento de imágenes, con el fin de comprender los patrones, tasas y causas del cambio en la extensión y morfología de los glaciares en estas regiones de importancia ecológica y socioeconómica.</a:t>
+              <a:t>Cuantificar el retroceso glaciar a lo largo del tiempo en las áreas de interés, utilizando datos históricos de Landsat, algoritmos de inteligencia artificial y métodos de procesamiento de imágenes, con el fin de comprender los patrones, tasas y causas del cambio en la extensión y morfología de los glaciares en estas regiones de importancia ecológica y socioeconómica.</a:t>
             </a:r>
             <a:endParaRPr lang="es-CO" sz="2400" dirty="0"/>
-          </a:p>
-        </p:txBody>
-      </p:sp>
-      <p:sp>
-        <p:nvSpPr>
-          <p:cNvPr id="6" name="CuadroTexto 5">
-            <a:extLst>
-              <a:ext uri="{FF2B5EF4-FFF2-40B4-BE49-F238E27FC236}">
-                <a16:creationId xmlns:a16="http://schemas.microsoft.com/office/drawing/2014/main" id="{57C53717-41CF-CDC6-35E8-E4768673C10E}"/>
-              </a:ext>
-            </a:extLst>
-          </p:cNvPr>
-          <p:cNvSpPr txBox="1"/>
-          <p:nvPr/>
-        </p:nvSpPr>
-        <p:spPr>
-          <a:xfrm>
-            <a:off x="7504478" y="15451634"/>
-            <a:ext cx="14506950" cy="615553"/>
-          </a:xfrm>
-          <a:prstGeom prst="rect">
-            <a:avLst/>
-          </a:prstGeom>
-          <a:noFill/>
-        </p:spPr>
-        <p:txBody>
-          <a:bodyPr wrap="square" lIns="91440" tIns="45720" rIns="91440" bIns="45720" rtlCol="0" anchor="t">
-            <a:spAutoFit/>
-          </a:bodyPr>
-          <a:lstStyle/>
-          <a:p>
-            <a:pPr algn="just"/>
-            <a:r>
-              <a:rPr lang="es-MX" sz="3400" dirty="0" err="1"/>
-              <a:t>xxxxxxxxxxx</a:t>
-            </a:r>
-            <a:endParaRPr lang="es-CO" sz="3400" dirty="0"/>
           </a:p>
         </p:txBody>
       </p:sp>
@@ -16475,8 +16590,8 @@
         </p:nvSpPr>
         <p:spPr>
           <a:xfrm>
-            <a:off x="7504478" y="16582307"/>
-            <a:ext cx="14506950" cy="1661993"/>
+            <a:off x="9728126" y="13692290"/>
+            <a:ext cx="22079594" cy="1384995"/>
           </a:xfrm>
           <a:prstGeom prst="rect">
             <a:avLst/>
@@ -16491,110 +16606,12 @@
           <a:p>
             <a:pPr algn="just"/>
             <a:r>
-              <a:rPr lang="es-MX" sz="3400" dirty="0" err="1"/>
-              <a:t>Xxxxxxxxxxxxxx</a:t>
-            </a:r>
-            <a:r>
-              <a:rPr lang="es-MX" sz="3400" dirty="0"/>
-              <a:t> (Fig. 1)</a:t>
-            </a:r>
-          </a:p>
-          <a:p>
-            <a:pPr algn="just"/>
-            <a:endParaRPr lang="es-MX" sz="3400" dirty="0"/>
-          </a:p>
-          <a:p>
-            <a:pPr algn="just"/>
-            <a:r>
-              <a:rPr lang="es-MX" sz="3400" dirty="0"/>
-              <a:t>En figura 1 se describe el medio de </a:t>
-            </a:r>
-            <a:r>
-              <a:rPr lang="es-MX" sz="3400" dirty="0" err="1"/>
-              <a:t>culvo</a:t>
-            </a:r>
-            <a:r>
-              <a:rPr lang="es-MX" sz="3400" dirty="0"/>
-              <a:t> para </a:t>
-            </a:r>
-            <a:r>
-              <a:rPr lang="es-MX" sz="3400" dirty="0" err="1"/>
-              <a:t>xxxxx</a:t>
+              <a:rPr lang="es-MX" sz="2800" dirty="0"/>
+              <a:t>En figura 1 se ilustra el comportamiento del Nevado del Cocuy en los años 2000, 2005, 2015, 2020 y 2023. En donde se logra evidenciar el retroceso glaciar que ha tenido dicho Nevado en el transcurso de 2 décadas. Esto se complementa con la Tabla 1, donde se identifica la reducción constante de la cobertura. Lo anterior presenta relación con el análisis de variabilidad de la temperatura (Figura 2). </a:t>
             </a:r>
           </a:p>
         </p:txBody>
       </p:sp>
-      <p:sp>
-        <p:nvSpPr>
-          <p:cNvPr id="9" name="CuadroTexto 8">
-            <a:extLst>
-              <a:ext uri="{FF2B5EF4-FFF2-40B4-BE49-F238E27FC236}">
-                <a16:creationId xmlns:a16="http://schemas.microsoft.com/office/drawing/2014/main" id="{A6C9441E-8F3C-9E00-139C-28A30FED2B6D}"/>
-              </a:ext>
-            </a:extLst>
-          </p:cNvPr>
-          <p:cNvSpPr txBox="1"/>
-          <p:nvPr/>
-        </p:nvSpPr>
-        <p:spPr>
-          <a:xfrm>
-            <a:off x="7504478" y="18654195"/>
-            <a:ext cx="14506950" cy="1138773"/>
-          </a:xfrm>
-          <a:prstGeom prst="rect">
-            <a:avLst/>
-          </a:prstGeom>
-          <a:noFill/>
-        </p:spPr>
-        <p:txBody>
-          <a:bodyPr wrap="square" lIns="91440" tIns="45720" rIns="91440" bIns="45720" rtlCol="0" anchor="t">
-            <a:spAutoFit/>
-          </a:bodyPr>
-          <a:lstStyle/>
-          <a:p>
-            <a:pPr algn="just"/>
-            <a:r>
-              <a:rPr lang="es-MX" sz="3400" dirty="0" err="1"/>
-              <a:t>Xxxxxxxxxxxxxxxxxxx</a:t>
-            </a:r>
-            <a:r>
-              <a:rPr lang="es-MX" sz="3400" dirty="0"/>
-              <a:t>. En la Tabla 1 se describe la estadística descriptiva de …..</a:t>
-            </a:r>
-            <a:endParaRPr lang="es-CO" sz="3400" dirty="0"/>
-          </a:p>
-        </p:txBody>
-      </p:sp>
-      <p:pic>
-        <p:nvPicPr>
-          <p:cNvPr id="12" name="Imagen 11">
-            <a:extLst>
-              <a:ext uri="{FF2B5EF4-FFF2-40B4-BE49-F238E27FC236}">
-                <a16:creationId xmlns:a16="http://schemas.microsoft.com/office/drawing/2014/main" id="{652F889F-6DED-AD5F-FE75-8D449A1C85F6}"/>
-              </a:ext>
-            </a:extLst>
-          </p:cNvPr>
-          <p:cNvPicPr>
-            <a:picLocks noChangeAspect="1"/>
-          </p:cNvPicPr>
-          <p:nvPr/>
-        </p:nvPicPr>
-        <p:blipFill>
-          <a:blip r:embed="rId4"/>
-          <a:stretch>
-            <a:fillRect/>
-          </a:stretch>
-        </p:blipFill>
-        <p:spPr>
-          <a:xfrm>
-            <a:off x="919483" y="15210032"/>
-            <a:ext cx="5591475" cy="5873512"/>
-          </a:xfrm>
-          <a:prstGeom prst="rect">
-            <a:avLst/>
-          </a:prstGeom>
-        </p:spPr>
-      </p:pic>
       <p:sp>
         <p:nvSpPr>
           <p:cNvPr id="13" name="CuadroTexto 12">
@@ -16609,8 +16626,8 @@
         </p:nvSpPr>
         <p:spPr>
           <a:xfrm>
-            <a:off x="18946566" y="38487522"/>
-            <a:ext cx="13251590" cy="1200329"/>
+            <a:off x="18663417" y="38524869"/>
+            <a:ext cx="13719471" cy="5016758"/>
           </a:xfrm>
           <a:prstGeom prst="rect">
             <a:avLst/>
@@ -16628,80 +16645,434 @@
               <a:buChar char="•"/>
             </a:pPr>
             <a:r>
-              <a:rPr lang="es-CO" sz="2400" b="0" i="0" dirty="0">
+              <a:rPr lang="es-CO" sz="2000" b="0" i="0" dirty="0">
                 <a:solidFill>
                   <a:srgbClr val="000000"/>
                 </a:solidFill>
                 <a:effectLst/>
                 <a:latin typeface="+mn-lt"/>
               </a:rPr>
-              <a:t>Apellidos </a:t>
+              <a:t>[1] J. Zapata-Paulini et al., «</a:t>
             </a:r>
             <a:r>
-              <a:rPr lang="es-CO" sz="2400" dirty="0">
-                <a:latin typeface="+mn-lt"/>
-              </a:rPr>
-              <a:t>y</a:t>
-            </a:r>
-            <a:r>
-              <a:rPr lang="es-CO" sz="2400" b="0" i="0" dirty="0">
+              <a:rPr lang="es-CO" sz="2000" b="0" i="0" dirty="0" err="1">
                 <a:solidFill>
                   <a:srgbClr val="000000"/>
                 </a:solidFill>
                 <a:effectLst/>
                 <a:latin typeface="+mn-lt"/>
               </a:rPr>
-              <a:t> nombres, Apellidos </a:t>
+              <a:t>Augmented</a:t>
             </a:r>
             <a:r>
-              <a:rPr lang="es-CO" sz="2400" dirty="0">
-                <a:latin typeface="+mn-lt"/>
-              </a:rPr>
-              <a:t>y</a:t>
-            </a:r>
-            <a:r>
-              <a:rPr lang="es-CO" sz="2400" b="0" i="0" dirty="0">
+              <a:rPr lang="es-CO" sz="2000" b="0" i="0" dirty="0">
                 <a:solidFill>
                   <a:srgbClr val="000000"/>
                 </a:solidFill>
                 <a:effectLst/>
-                <a:latin typeface="+mn-lt"/>
-              </a:rPr>
-              <a:t> nombres</a:t>
-            </a:r>
-            <a:r>
-              <a:rPr lang="es-CO" sz="2400" dirty="0">
-                <a:latin typeface="+mn-lt"/>
-              </a:rPr>
-              <a:t>. </a:t>
-            </a:r>
-            <a:r>
-              <a:rPr lang="es-CO" sz="2400" b="0" i="0" dirty="0">
-                <a:solidFill>
-                  <a:srgbClr val="000000"/>
-                </a:solidFill>
-                <a:effectLst/>
-                <a:latin typeface="+mn-lt"/>
-              </a:rPr>
-              <a:t>Títulos , revista, volumen, pp. paginas.</a:t>
-            </a:r>
-            <a:r>
-              <a:rPr lang="es-CO" sz="2400" dirty="0">
                 <a:latin typeface="+mn-lt"/>
               </a:rPr>
               <a:t> </a:t>
             </a:r>
             <a:r>
-              <a:rPr lang="es-CO" sz="2400" dirty="0" err="1">
+              <a:rPr lang="es-CO" sz="2000" b="0" i="0" dirty="0" err="1">
+                <a:solidFill>
+                  <a:srgbClr val="000000"/>
+                </a:solidFill>
+                <a:effectLst/>
                 <a:latin typeface="+mn-lt"/>
               </a:rPr>
-              <a:t>Doi</a:t>
+              <a:t>reality</a:t>
             </a:r>
             <a:r>
-              <a:rPr lang="es-CO" sz="2400" dirty="0">
+              <a:rPr lang="es-CO" sz="2000" b="0" i="0" dirty="0">
+                <a:solidFill>
+                  <a:srgbClr val="000000"/>
+                </a:solidFill>
+                <a:effectLst/>
                 <a:latin typeface="+mn-lt"/>
               </a:rPr>
-              <a:t>:</a:t>
+              <a:t> </a:t>
+            </a:r>
+            <a:r>
+              <a:rPr lang="es-CO" sz="2000" b="0" i="0" dirty="0" err="1">
+                <a:solidFill>
+                  <a:srgbClr val="000000"/>
+                </a:solidFill>
+                <a:effectLst/>
+                <a:latin typeface="+mn-lt"/>
+              </a:rPr>
+              <a:t>for</a:t>
+            </a:r>
+            <a:r>
+              <a:rPr lang="es-CO" sz="2000" b="0" i="0" dirty="0">
+                <a:solidFill>
+                  <a:srgbClr val="000000"/>
+                </a:solidFill>
+                <a:effectLst/>
+                <a:latin typeface="+mn-lt"/>
+              </a:rPr>
+              <a:t> </a:t>
+            </a:r>
+            <a:r>
+              <a:rPr lang="es-CO" sz="2000" b="0" i="0" dirty="0" err="1">
+                <a:solidFill>
+                  <a:srgbClr val="000000"/>
+                </a:solidFill>
+                <a:effectLst/>
+                <a:latin typeface="+mn-lt"/>
+              </a:rPr>
+              <a:t>innovation</a:t>
+            </a:r>
+            <a:r>
+              <a:rPr lang="es-CO" sz="2000" b="0" i="0" dirty="0">
+                <a:solidFill>
+                  <a:srgbClr val="000000"/>
+                </a:solidFill>
+                <a:effectLst/>
+                <a:latin typeface="+mn-lt"/>
+              </a:rPr>
+              <a:t>: </a:t>
+            </a:r>
+            <a:r>
+              <a:rPr lang="es-CO" sz="2000" b="0" i="0" dirty="0" err="1">
+                <a:solidFill>
+                  <a:srgbClr val="000000"/>
+                </a:solidFill>
+                <a:effectLst/>
+                <a:latin typeface="+mn-lt"/>
+              </a:rPr>
+              <a:t>Education</a:t>
+            </a:r>
+            <a:r>
+              <a:rPr lang="es-CO" sz="2000" b="0" i="0" dirty="0">
+                <a:solidFill>
+                  <a:srgbClr val="000000"/>
+                </a:solidFill>
+                <a:effectLst/>
+                <a:latin typeface="+mn-lt"/>
+              </a:rPr>
+              <a:t> and </a:t>
+            </a:r>
+            <a:r>
+              <a:rPr lang="es-CO" sz="2000" b="0" i="0" dirty="0" err="1">
+                <a:solidFill>
+                  <a:srgbClr val="000000"/>
+                </a:solidFill>
+                <a:effectLst/>
+                <a:latin typeface="+mn-lt"/>
+              </a:rPr>
+              <a:t>analysis</a:t>
+            </a:r>
+            <a:r>
+              <a:rPr lang="es-CO" sz="2000" b="0" i="0" dirty="0">
+                <a:solidFill>
+                  <a:srgbClr val="000000"/>
+                </a:solidFill>
+                <a:effectLst/>
+                <a:latin typeface="+mn-lt"/>
+              </a:rPr>
+              <a:t> </a:t>
+            </a:r>
+            <a:r>
+              <a:rPr lang="es-CO" sz="2000" b="0" i="0" dirty="0" err="1">
+                <a:solidFill>
+                  <a:srgbClr val="000000"/>
+                </a:solidFill>
+                <a:effectLst/>
+                <a:latin typeface="+mn-lt"/>
+              </a:rPr>
+              <a:t>of</a:t>
+            </a:r>
+            <a:r>
+              <a:rPr lang="es-CO" sz="2000" b="0" i="0" dirty="0">
+                <a:solidFill>
+                  <a:srgbClr val="000000"/>
+                </a:solidFill>
+                <a:effectLst/>
+                <a:latin typeface="+mn-lt"/>
+              </a:rPr>
+              <a:t> </a:t>
+            </a:r>
+            <a:r>
+              <a:rPr lang="es-CO" sz="2000" b="0" i="0" dirty="0" err="1">
+                <a:solidFill>
+                  <a:srgbClr val="000000"/>
+                </a:solidFill>
+                <a:effectLst/>
+                <a:latin typeface="+mn-lt"/>
+              </a:rPr>
+              <a:t>the</a:t>
+            </a:r>
+            <a:r>
+              <a:rPr lang="es-CO" sz="2000" b="0" i="0" dirty="0">
+                <a:solidFill>
+                  <a:srgbClr val="000000"/>
+                </a:solidFill>
+                <a:effectLst/>
+                <a:latin typeface="+mn-lt"/>
+              </a:rPr>
+              <a:t> glacial </a:t>
+            </a:r>
+            <a:r>
+              <a:rPr lang="es-CO" sz="2000" b="0" i="0" dirty="0" err="1">
+                <a:solidFill>
+                  <a:srgbClr val="000000"/>
+                </a:solidFill>
+                <a:effectLst/>
+                <a:latin typeface="+mn-lt"/>
+              </a:rPr>
+              <a:t>retreat</a:t>
+            </a:r>
+            <a:r>
+              <a:rPr lang="es-CO" sz="2000" b="0" i="0" dirty="0">
+                <a:solidFill>
+                  <a:srgbClr val="000000"/>
+                </a:solidFill>
+                <a:effectLst/>
+                <a:latin typeface="+mn-lt"/>
+              </a:rPr>
+              <a:t> </a:t>
+            </a:r>
+            <a:r>
+              <a:rPr lang="es-CO" sz="2000" b="0" i="0" dirty="0" err="1">
+                <a:solidFill>
+                  <a:srgbClr val="000000"/>
+                </a:solidFill>
+                <a:effectLst/>
+                <a:latin typeface="+mn-lt"/>
+              </a:rPr>
+              <a:t>of</a:t>
+            </a:r>
+            <a:r>
+              <a:rPr lang="es-CO" sz="2000" b="0" i="0" dirty="0">
+                <a:solidFill>
+                  <a:srgbClr val="000000"/>
+                </a:solidFill>
+                <a:effectLst/>
+                <a:latin typeface="+mn-lt"/>
+              </a:rPr>
+              <a:t> </a:t>
+            </a:r>
+            <a:r>
+              <a:rPr lang="es-CO" sz="2000" b="0" i="0" dirty="0" err="1">
+                <a:solidFill>
+                  <a:srgbClr val="000000"/>
+                </a:solidFill>
+                <a:effectLst/>
+                <a:latin typeface="+mn-lt"/>
+              </a:rPr>
+              <a:t>the</a:t>
+            </a:r>
+            <a:r>
+              <a:rPr lang="es-CO" sz="2000" b="0" i="0" dirty="0">
+                <a:solidFill>
+                  <a:srgbClr val="000000"/>
+                </a:solidFill>
+                <a:effectLst/>
+                <a:latin typeface="+mn-lt"/>
+              </a:rPr>
+              <a:t> Peruvian </a:t>
+            </a:r>
+            <a:r>
+              <a:rPr lang="es-CO" sz="2000" b="0" i="0" dirty="0" err="1">
+                <a:solidFill>
+                  <a:srgbClr val="000000"/>
+                </a:solidFill>
+                <a:effectLst/>
+                <a:latin typeface="+mn-lt"/>
+              </a:rPr>
+              <a:t>Andean</a:t>
+            </a:r>
+            <a:r>
+              <a:rPr lang="es-CO" sz="2000" b="0" i="0" dirty="0">
+                <a:solidFill>
+                  <a:srgbClr val="000000"/>
+                </a:solidFill>
+                <a:effectLst/>
+                <a:latin typeface="+mn-lt"/>
+              </a:rPr>
+              <a:t> </a:t>
+            </a:r>
+            <a:r>
+              <a:rPr lang="es-CO" sz="2000" b="0" i="0" dirty="0" err="1">
+                <a:solidFill>
+                  <a:srgbClr val="000000"/>
+                </a:solidFill>
+                <a:effectLst/>
+                <a:latin typeface="+mn-lt"/>
+              </a:rPr>
+              <a:t>snow-capped</a:t>
+            </a:r>
+            <a:r>
+              <a:rPr lang="es-CO" sz="2000" b="0" i="0" dirty="0">
+                <a:solidFill>
+                  <a:srgbClr val="000000"/>
+                </a:solidFill>
+                <a:effectLst/>
+                <a:latin typeface="+mn-lt"/>
+              </a:rPr>
+              <a:t> </a:t>
+            </a:r>
+            <a:r>
+              <a:rPr lang="es-CO" sz="2000" b="0" i="0" dirty="0" err="1">
+                <a:solidFill>
+                  <a:srgbClr val="000000"/>
+                </a:solidFill>
+                <a:effectLst/>
+                <a:latin typeface="+mn-lt"/>
+              </a:rPr>
+              <a:t>mountains</a:t>
+            </a:r>
+            <a:r>
+              <a:rPr lang="es-CO" sz="2000" b="0" i="0" dirty="0">
+                <a:solidFill>
+                  <a:srgbClr val="000000"/>
+                </a:solidFill>
+                <a:effectLst/>
+                <a:latin typeface="+mn-lt"/>
+              </a:rPr>
+              <a:t>», </a:t>
+            </a:r>
+            <a:r>
+              <a:rPr lang="es-CO" sz="2000" b="0" i="0" dirty="0" err="1">
+                <a:solidFill>
+                  <a:srgbClr val="000000"/>
+                </a:solidFill>
+                <a:effectLst/>
+                <a:latin typeface="+mn-lt"/>
+              </a:rPr>
+              <a:t>Journal</a:t>
+            </a:r>
+            <a:r>
+              <a:rPr lang="es-CO" sz="2000" b="0" i="0" dirty="0">
+                <a:solidFill>
+                  <a:srgbClr val="000000"/>
+                </a:solidFill>
+                <a:effectLst/>
+                <a:latin typeface="+mn-lt"/>
+              </a:rPr>
+              <a:t> </a:t>
+            </a:r>
+            <a:r>
+              <a:rPr lang="es-CO" sz="2000" b="0" i="0" dirty="0" err="1">
+                <a:solidFill>
+                  <a:srgbClr val="000000"/>
+                </a:solidFill>
+                <a:effectLst/>
+                <a:latin typeface="+mn-lt"/>
+              </a:rPr>
+              <a:t>of</a:t>
+            </a:r>
+            <a:r>
+              <a:rPr lang="es-CO" sz="2000" b="0" i="0" dirty="0">
+                <a:solidFill>
+                  <a:srgbClr val="000000"/>
+                </a:solidFill>
+                <a:effectLst/>
+                <a:latin typeface="+mn-lt"/>
+              </a:rPr>
+              <a:t> Open </a:t>
+            </a:r>
+            <a:r>
+              <a:rPr lang="es-CO" sz="2000" b="0" i="0" dirty="0" err="1">
+                <a:solidFill>
+                  <a:srgbClr val="000000"/>
+                </a:solidFill>
+                <a:effectLst/>
+                <a:latin typeface="+mn-lt"/>
+              </a:rPr>
+              <a:t>Innovation</a:t>
+            </a:r>
+            <a:r>
+              <a:rPr lang="es-CO" sz="2000" b="0" i="0" dirty="0">
+                <a:solidFill>
+                  <a:srgbClr val="000000"/>
+                </a:solidFill>
+                <a:effectLst/>
+                <a:latin typeface="+mn-lt"/>
+              </a:rPr>
+              <a:t>: </a:t>
+            </a:r>
+            <a:r>
+              <a:rPr lang="es-CO" sz="2000" b="0" i="0" dirty="0" err="1">
+                <a:solidFill>
+                  <a:srgbClr val="000000"/>
+                </a:solidFill>
+                <a:effectLst/>
+                <a:latin typeface="+mn-lt"/>
+              </a:rPr>
+              <a:t>Technology</a:t>
+            </a:r>
+            <a:r>
+              <a:rPr lang="es-CO" sz="2000" b="0" i="0" dirty="0">
+                <a:solidFill>
+                  <a:srgbClr val="000000"/>
+                </a:solidFill>
+                <a:effectLst/>
+                <a:latin typeface="+mn-lt"/>
+              </a:rPr>
+              <a:t>, </a:t>
+            </a:r>
+            <a:r>
+              <a:rPr lang="es-CO" sz="2000" b="0" i="0" dirty="0" err="1">
+                <a:solidFill>
+                  <a:srgbClr val="000000"/>
+                </a:solidFill>
+                <a:effectLst/>
+                <a:latin typeface="+mn-lt"/>
+              </a:rPr>
+              <a:t>Market</a:t>
+            </a:r>
+            <a:r>
+              <a:rPr lang="es-CO" sz="2000" b="0" i="0" dirty="0">
+                <a:solidFill>
+                  <a:srgbClr val="000000"/>
+                </a:solidFill>
+                <a:effectLst/>
+                <a:latin typeface="+mn-lt"/>
+              </a:rPr>
+              <a:t>, and </a:t>
+            </a:r>
+            <a:r>
+              <a:rPr lang="es-CO" sz="2000" b="0" i="0" dirty="0" err="1">
+                <a:solidFill>
+                  <a:srgbClr val="000000"/>
+                </a:solidFill>
+                <a:effectLst/>
+                <a:latin typeface="+mn-lt"/>
+              </a:rPr>
+              <a:t>Complexity</a:t>
+            </a:r>
+            <a:r>
+              <a:rPr lang="es-CO" sz="2000" b="0" i="0" dirty="0">
+                <a:solidFill>
+                  <a:srgbClr val="000000"/>
+                </a:solidFill>
+                <a:effectLst/>
+                <a:latin typeface="+mn-lt"/>
+              </a:rPr>
+              <a:t>, vol. 9, n.º 3, p. 100106, sep. 2023, </a:t>
+            </a:r>
+            <a:r>
+              <a:rPr lang="es-CO" sz="2000" b="0" i="0" dirty="0" err="1">
+                <a:solidFill>
+                  <a:srgbClr val="000000"/>
+                </a:solidFill>
+                <a:effectLst/>
+                <a:latin typeface="+mn-lt"/>
+              </a:rPr>
+              <a:t>doi</a:t>
+            </a:r>
+            <a:r>
+              <a:rPr lang="es-CO" sz="2000" b="0" i="0" dirty="0">
+                <a:solidFill>
+                  <a:srgbClr val="000000"/>
+                </a:solidFill>
+                <a:effectLst/>
+                <a:latin typeface="+mn-lt"/>
+              </a:rPr>
+              <a:t>: 10.1016/j.joitmc.2023.100106.</a:t>
             </a:r>
           </a:p>
           <a:p>
@@ -16709,26 +17080,1260 @@
               <a:buFont typeface="Arial" panose="020B0604020202020204" pitchFamily="34" charset="0"/>
               <a:buChar char="•"/>
             </a:pPr>
-            <a:endParaRPr lang="es-CO" sz="2400" b="0" i="0" dirty="0">
-              <a:solidFill>
-                <a:srgbClr val="000000"/>
-              </a:solidFill>
-              <a:effectLst/>
-              <a:latin typeface="+mn-lt"/>
-            </a:endParaRPr>
+            <a:r>
+              <a:rPr lang="es-CO" sz="2000" b="0" i="0" dirty="0">
+                <a:solidFill>
+                  <a:srgbClr val="000000"/>
+                </a:solidFill>
+                <a:effectLst/>
+                <a:latin typeface="+mn-lt"/>
+              </a:rPr>
+              <a:t>[2] R. L. Jones et al., «</a:t>
+            </a:r>
+            <a:r>
+              <a:rPr lang="es-CO" sz="2000" b="0" i="0" dirty="0" err="1">
+                <a:solidFill>
+                  <a:srgbClr val="000000"/>
+                </a:solidFill>
+                <a:effectLst/>
+                <a:latin typeface="+mn-lt"/>
+              </a:rPr>
+              <a:t>Continued</a:t>
+            </a:r>
+            <a:r>
+              <a:rPr lang="es-CO" sz="2000" b="0" i="0" dirty="0">
+                <a:solidFill>
+                  <a:srgbClr val="000000"/>
+                </a:solidFill>
+                <a:effectLst/>
+                <a:latin typeface="+mn-lt"/>
+              </a:rPr>
+              <a:t> glacial </a:t>
+            </a:r>
+            <a:r>
+              <a:rPr lang="es-CO" sz="2000" b="0" i="0" dirty="0" err="1">
+                <a:solidFill>
+                  <a:srgbClr val="000000"/>
+                </a:solidFill>
+                <a:effectLst/>
+                <a:latin typeface="+mn-lt"/>
+              </a:rPr>
+              <a:t>retreat</a:t>
+            </a:r>
+            <a:r>
+              <a:rPr lang="es-CO" sz="2000" b="0" i="0" dirty="0">
+                <a:solidFill>
+                  <a:srgbClr val="000000"/>
+                </a:solidFill>
+                <a:effectLst/>
+                <a:latin typeface="+mn-lt"/>
+              </a:rPr>
+              <a:t> </a:t>
+            </a:r>
+            <a:r>
+              <a:rPr lang="es-CO" sz="2000" b="0" i="0" dirty="0" err="1">
+                <a:solidFill>
+                  <a:srgbClr val="000000"/>
+                </a:solidFill>
+                <a:effectLst/>
+                <a:latin typeface="+mn-lt"/>
+              </a:rPr>
+              <a:t>linked</a:t>
+            </a:r>
+            <a:r>
+              <a:rPr lang="es-CO" sz="2000" b="0" i="0" dirty="0">
+                <a:solidFill>
+                  <a:srgbClr val="000000"/>
+                </a:solidFill>
+                <a:effectLst/>
+                <a:latin typeface="+mn-lt"/>
+              </a:rPr>
+              <a:t> </a:t>
+            </a:r>
+            <a:r>
+              <a:rPr lang="es-CO" sz="2000" b="0" i="0" dirty="0" err="1">
+                <a:solidFill>
+                  <a:srgbClr val="000000"/>
+                </a:solidFill>
+                <a:effectLst/>
+                <a:latin typeface="+mn-lt"/>
+              </a:rPr>
+              <a:t>to</a:t>
+            </a:r>
+            <a:r>
+              <a:rPr lang="es-CO" sz="2000" b="0" i="0" dirty="0">
+                <a:solidFill>
+                  <a:srgbClr val="000000"/>
+                </a:solidFill>
+                <a:effectLst/>
+                <a:latin typeface="+mn-lt"/>
+              </a:rPr>
+              <a:t> </a:t>
+            </a:r>
+            <a:r>
+              <a:rPr lang="es-CO" sz="2000" b="0" i="0" dirty="0" err="1">
+                <a:solidFill>
+                  <a:srgbClr val="000000"/>
+                </a:solidFill>
+                <a:effectLst/>
+                <a:latin typeface="+mn-lt"/>
+              </a:rPr>
+              <a:t>changing</a:t>
+            </a:r>
+            <a:r>
+              <a:rPr lang="es-CO" sz="2000" b="0" i="0" dirty="0">
+                <a:solidFill>
+                  <a:srgbClr val="000000"/>
+                </a:solidFill>
+                <a:effectLst/>
+                <a:latin typeface="+mn-lt"/>
+              </a:rPr>
+              <a:t> </a:t>
+            </a:r>
+            <a:r>
+              <a:rPr lang="es-CO" sz="2000" b="0" i="0" dirty="0" err="1">
+                <a:solidFill>
+                  <a:srgbClr val="000000"/>
+                </a:solidFill>
+                <a:effectLst/>
+                <a:latin typeface="+mn-lt"/>
+              </a:rPr>
+              <a:t>macronutrient</a:t>
+            </a:r>
+            <a:r>
+              <a:rPr lang="es-CO" sz="2000" b="0" i="0" dirty="0">
+                <a:solidFill>
+                  <a:srgbClr val="000000"/>
+                </a:solidFill>
+                <a:effectLst/>
+                <a:latin typeface="+mn-lt"/>
+              </a:rPr>
+              <a:t> </a:t>
+            </a:r>
+            <a:r>
+              <a:rPr lang="es-CO" sz="2000" b="0" i="0" dirty="0" err="1">
+                <a:solidFill>
+                  <a:srgbClr val="000000"/>
+                </a:solidFill>
+                <a:effectLst/>
+                <a:latin typeface="+mn-lt"/>
+              </a:rPr>
+              <a:t>supply</a:t>
+            </a:r>
+            <a:r>
+              <a:rPr lang="es-CO" sz="2000" b="0" i="0" dirty="0">
+                <a:solidFill>
+                  <a:srgbClr val="000000"/>
+                </a:solidFill>
+                <a:effectLst/>
+                <a:latin typeface="+mn-lt"/>
+              </a:rPr>
+              <a:t> </a:t>
+            </a:r>
+            <a:r>
+              <a:rPr lang="es-CO" sz="2000" b="0" i="0" dirty="0" err="1">
+                <a:solidFill>
+                  <a:srgbClr val="000000"/>
+                </a:solidFill>
+                <a:effectLst/>
+                <a:latin typeface="+mn-lt"/>
+              </a:rPr>
+              <a:t>along</a:t>
+            </a:r>
+            <a:r>
+              <a:rPr lang="es-CO" sz="2000" b="0" i="0" dirty="0">
+                <a:solidFill>
+                  <a:srgbClr val="000000"/>
+                </a:solidFill>
+                <a:effectLst/>
+                <a:latin typeface="+mn-lt"/>
+              </a:rPr>
+              <a:t> </a:t>
+            </a:r>
+            <a:r>
+              <a:rPr lang="es-CO" sz="2000" b="0" i="0" dirty="0" err="1">
+                <a:solidFill>
+                  <a:srgbClr val="000000"/>
+                </a:solidFill>
+                <a:effectLst/>
+                <a:latin typeface="+mn-lt"/>
+              </a:rPr>
+              <a:t>the</a:t>
+            </a:r>
+            <a:r>
+              <a:rPr lang="es-CO" sz="2000" b="0" i="0" dirty="0">
+                <a:solidFill>
+                  <a:srgbClr val="000000"/>
+                </a:solidFill>
+                <a:effectLst/>
+                <a:latin typeface="+mn-lt"/>
+              </a:rPr>
+              <a:t> West </a:t>
+            </a:r>
+            <a:r>
+              <a:rPr lang="es-CO" sz="2000" b="0" i="0" dirty="0" err="1">
+                <a:solidFill>
+                  <a:srgbClr val="000000"/>
+                </a:solidFill>
+                <a:effectLst/>
+                <a:latin typeface="+mn-lt"/>
+              </a:rPr>
+              <a:t>Antarctic</a:t>
+            </a:r>
+            <a:r>
+              <a:rPr lang="es-CO" sz="2000" b="0" i="0" dirty="0">
+                <a:solidFill>
+                  <a:srgbClr val="000000"/>
+                </a:solidFill>
+                <a:effectLst/>
+                <a:latin typeface="+mn-lt"/>
+              </a:rPr>
+              <a:t> </a:t>
+            </a:r>
+            <a:r>
+              <a:rPr lang="es-CO" sz="2000" b="0" i="0" dirty="0" err="1">
+                <a:solidFill>
+                  <a:srgbClr val="000000"/>
+                </a:solidFill>
+                <a:effectLst/>
+                <a:latin typeface="+mn-lt"/>
+              </a:rPr>
+              <a:t>Peninsula</a:t>
+            </a:r>
+            <a:r>
+              <a:rPr lang="es-CO" sz="2000" b="0" i="0" dirty="0">
+                <a:solidFill>
+                  <a:srgbClr val="000000"/>
+                </a:solidFill>
+                <a:effectLst/>
+                <a:latin typeface="+mn-lt"/>
+              </a:rPr>
+              <a:t>», Marine </a:t>
+            </a:r>
+            <a:r>
+              <a:rPr lang="es-CO" sz="2000" b="0" i="0" dirty="0" err="1">
+                <a:solidFill>
+                  <a:srgbClr val="000000"/>
+                </a:solidFill>
+                <a:effectLst/>
+                <a:latin typeface="+mn-lt"/>
+              </a:rPr>
+              <a:t>Chemistry</a:t>
+            </a:r>
+            <a:r>
+              <a:rPr lang="es-CO" sz="2000" b="0" i="0" dirty="0">
+                <a:solidFill>
+                  <a:srgbClr val="000000"/>
+                </a:solidFill>
+                <a:effectLst/>
+                <a:latin typeface="+mn-lt"/>
+              </a:rPr>
+              <a:t>, vol. 251, p. 104230, abr. 2023, </a:t>
+            </a:r>
+            <a:r>
+              <a:rPr lang="es-CO" sz="2000" b="0" i="0" dirty="0" err="1">
+                <a:solidFill>
+                  <a:srgbClr val="000000"/>
+                </a:solidFill>
+                <a:effectLst/>
+                <a:latin typeface="+mn-lt"/>
+              </a:rPr>
+              <a:t>doi</a:t>
+            </a:r>
+            <a:r>
+              <a:rPr lang="es-CO" sz="2000" b="0" i="0" dirty="0">
+                <a:solidFill>
+                  <a:srgbClr val="000000"/>
+                </a:solidFill>
+                <a:effectLst/>
+                <a:latin typeface="+mn-lt"/>
+              </a:rPr>
+              <a:t>: 10.1016/j.marchem.2023.104230.</a:t>
+            </a:r>
           </a:p>
           <a:p>
             <a:pPr marL="285750" indent="-285750">
               <a:buFont typeface="Arial" panose="020B0604020202020204" pitchFamily="34" charset="0"/>
               <a:buChar char="•"/>
             </a:pPr>
-            <a:endParaRPr lang="es-CO" sz="2400" b="0" i="0" dirty="0">
-              <a:solidFill>
-                <a:srgbClr val="000000"/>
-              </a:solidFill>
-              <a:effectLst/>
-              <a:latin typeface="+mn-lt"/>
-            </a:endParaRPr>
+            <a:r>
+              <a:rPr lang="es-CO" sz="2000" b="0" i="0" dirty="0">
+                <a:solidFill>
+                  <a:srgbClr val="000000"/>
+                </a:solidFill>
+                <a:effectLst/>
+                <a:latin typeface="+mn-lt"/>
+              </a:rPr>
+              <a:t>[3] T. Van Der Hammen, J. </a:t>
+            </a:r>
+            <a:r>
+              <a:rPr lang="es-CO" sz="2000" b="0" i="0" dirty="0" err="1">
+                <a:solidFill>
+                  <a:srgbClr val="000000"/>
+                </a:solidFill>
+                <a:effectLst/>
+                <a:latin typeface="+mn-lt"/>
+              </a:rPr>
+              <a:t>Barelds</a:t>
+            </a:r>
+            <a:r>
+              <a:rPr lang="es-CO" sz="2000" b="0" i="0" dirty="0">
+                <a:solidFill>
+                  <a:srgbClr val="000000"/>
+                </a:solidFill>
+                <a:effectLst/>
+                <a:latin typeface="+mn-lt"/>
+              </a:rPr>
+              <a:t>, H. De Jong, y A. A. De </a:t>
+            </a:r>
+            <a:r>
+              <a:rPr lang="es-CO" sz="2000" b="0" i="0" dirty="0" err="1">
+                <a:solidFill>
+                  <a:srgbClr val="000000"/>
+                </a:solidFill>
+                <a:effectLst/>
+                <a:latin typeface="+mn-lt"/>
+              </a:rPr>
+              <a:t>Veer</a:t>
+            </a:r>
+            <a:r>
+              <a:rPr lang="es-CO" sz="2000" b="0" i="0" dirty="0">
+                <a:solidFill>
+                  <a:srgbClr val="000000"/>
+                </a:solidFill>
+                <a:effectLst/>
+                <a:latin typeface="+mn-lt"/>
+              </a:rPr>
+              <a:t>, «Glacial </a:t>
+            </a:r>
+            <a:r>
+              <a:rPr lang="es-CO" sz="2000" b="0" i="0" dirty="0" err="1">
+                <a:solidFill>
+                  <a:srgbClr val="000000"/>
+                </a:solidFill>
+                <a:effectLst/>
+                <a:latin typeface="+mn-lt"/>
+              </a:rPr>
+              <a:t>sequence</a:t>
+            </a:r>
+            <a:r>
+              <a:rPr lang="es-CO" sz="2000" b="0" i="0" dirty="0">
+                <a:solidFill>
+                  <a:srgbClr val="000000"/>
+                </a:solidFill>
+                <a:effectLst/>
+                <a:latin typeface="+mn-lt"/>
+              </a:rPr>
+              <a:t> and </a:t>
+            </a:r>
+            <a:r>
+              <a:rPr lang="es-CO" sz="2000" b="0" i="0" dirty="0" err="1">
+                <a:solidFill>
+                  <a:srgbClr val="000000"/>
+                </a:solidFill>
+                <a:effectLst/>
+                <a:latin typeface="+mn-lt"/>
+              </a:rPr>
+              <a:t>environmental</a:t>
+            </a:r>
+            <a:r>
+              <a:rPr lang="es-CO" sz="2000" b="0" i="0" dirty="0">
+                <a:solidFill>
+                  <a:srgbClr val="000000"/>
+                </a:solidFill>
+                <a:effectLst/>
+                <a:latin typeface="+mn-lt"/>
+              </a:rPr>
+              <a:t> </a:t>
+            </a:r>
+            <a:r>
+              <a:rPr lang="es-CO" sz="2000" b="0" i="0" dirty="0" err="1">
+                <a:solidFill>
+                  <a:srgbClr val="000000"/>
+                </a:solidFill>
+                <a:effectLst/>
+                <a:latin typeface="+mn-lt"/>
+              </a:rPr>
+              <a:t>history</a:t>
+            </a:r>
+            <a:r>
+              <a:rPr lang="es-CO" sz="2000" b="0" i="0" dirty="0">
+                <a:solidFill>
+                  <a:srgbClr val="000000"/>
+                </a:solidFill>
+                <a:effectLst/>
+                <a:latin typeface="+mn-lt"/>
+              </a:rPr>
+              <a:t> in </a:t>
+            </a:r>
+            <a:r>
+              <a:rPr lang="es-CO" sz="2000" b="0" i="0" dirty="0" err="1">
+                <a:solidFill>
+                  <a:srgbClr val="000000"/>
+                </a:solidFill>
+                <a:effectLst/>
+                <a:latin typeface="+mn-lt"/>
+              </a:rPr>
+              <a:t>the</a:t>
+            </a:r>
+            <a:r>
+              <a:rPr lang="es-CO" sz="2000" b="0" i="0" dirty="0">
+                <a:solidFill>
+                  <a:srgbClr val="000000"/>
+                </a:solidFill>
+                <a:effectLst/>
+                <a:latin typeface="+mn-lt"/>
+              </a:rPr>
+              <a:t> Sierra Nevada del cocuy (Colombia)», </a:t>
+            </a:r>
+            <a:r>
+              <a:rPr lang="es-CO" sz="2000" b="0" i="0" dirty="0" err="1">
+                <a:solidFill>
+                  <a:srgbClr val="000000"/>
+                </a:solidFill>
+                <a:effectLst/>
+                <a:latin typeface="+mn-lt"/>
+              </a:rPr>
+              <a:t>Palaeogeography</a:t>
+            </a:r>
+            <a:r>
+              <a:rPr lang="es-CO" sz="2000" b="0" i="0" dirty="0">
+                <a:solidFill>
+                  <a:srgbClr val="000000"/>
+                </a:solidFill>
+                <a:effectLst/>
+                <a:latin typeface="+mn-lt"/>
+              </a:rPr>
+              <a:t>, </a:t>
+            </a:r>
+            <a:r>
+              <a:rPr lang="es-CO" sz="2000" b="0" i="0" dirty="0" err="1">
+                <a:solidFill>
+                  <a:srgbClr val="000000"/>
+                </a:solidFill>
+                <a:effectLst/>
+                <a:latin typeface="+mn-lt"/>
+              </a:rPr>
+              <a:t>Palaeoclimatology</a:t>
+            </a:r>
+            <a:r>
+              <a:rPr lang="es-CO" sz="2000" b="0" i="0" dirty="0">
+                <a:solidFill>
+                  <a:srgbClr val="000000"/>
+                </a:solidFill>
+                <a:effectLst/>
+                <a:latin typeface="+mn-lt"/>
+              </a:rPr>
+              <a:t>, </a:t>
+            </a:r>
+            <a:r>
+              <a:rPr lang="es-CO" sz="2000" b="0" i="0" dirty="0" err="1">
+                <a:solidFill>
+                  <a:srgbClr val="000000"/>
+                </a:solidFill>
+                <a:effectLst/>
+                <a:latin typeface="+mn-lt"/>
+              </a:rPr>
+              <a:t>Palaeoecology</a:t>
+            </a:r>
+            <a:r>
+              <a:rPr lang="es-CO" sz="2000" b="0" i="0" dirty="0">
+                <a:solidFill>
+                  <a:srgbClr val="000000"/>
+                </a:solidFill>
+                <a:effectLst/>
+                <a:latin typeface="+mn-lt"/>
+              </a:rPr>
+              <a:t>, vol. 32, pp. 247-340, ene. 1980, </a:t>
+            </a:r>
+            <a:r>
+              <a:rPr lang="es-CO" sz="2000" b="0" i="0" dirty="0" err="1">
+                <a:solidFill>
+                  <a:srgbClr val="000000"/>
+                </a:solidFill>
+                <a:effectLst/>
+                <a:latin typeface="+mn-lt"/>
+              </a:rPr>
+              <a:t>doi</a:t>
+            </a:r>
+            <a:r>
+              <a:rPr lang="es-CO" sz="2000" b="0" i="0" dirty="0">
+                <a:solidFill>
+                  <a:srgbClr val="000000"/>
+                </a:solidFill>
+                <a:effectLst/>
+                <a:latin typeface="+mn-lt"/>
+              </a:rPr>
+              <a:t>: 10.1016/0031-0182(80)90043-7.</a:t>
+            </a:r>
+          </a:p>
+          <a:p>
+            <a:pPr marL="285750" indent="-285750">
+              <a:buFont typeface="Arial" panose="020B0604020202020204" pitchFamily="34" charset="0"/>
+              <a:buChar char="•"/>
+            </a:pPr>
+            <a:r>
+              <a:rPr lang="es-CO" sz="2000" b="0" i="0" dirty="0">
+                <a:solidFill>
+                  <a:srgbClr val="000000"/>
+                </a:solidFill>
+                <a:effectLst/>
+                <a:latin typeface="+mn-lt"/>
+              </a:rPr>
+              <a:t>[4] X. Wang, Y. Huang, T. Liu, y W. Du, «</a:t>
+            </a:r>
+            <a:r>
+              <a:rPr lang="es-CO" sz="2000" b="0" i="0" dirty="0" err="1">
+                <a:solidFill>
+                  <a:srgbClr val="000000"/>
+                </a:solidFill>
+                <a:effectLst/>
+                <a:latin typeface="+mn-lt"/>
+              </a:rPr>
+              <a:t>Impacts</a:t>
+            </a:r>
+            <a:r>
+              <a:rPr lang="es-CO" sz="2000" b="0" i="0" dirty="0">
+                <a:solidFill>
+                  <a:srgbClr val="000000"/>
+                </a:solidFill>
+                <a:effectLst/>
+                <a:latin typeface="+mn-lt"/>
+              </a:rPr>
+              <a:t> </a:t>
+            </a:r>
+            <a:r>
+              <a:rPr lang="es-CO" sz="2000" b="0" i="0" dirty="0" err="1">
+                <a:solidFill>
+                  <a:srgbClr val="000000"/>
+                </a:solidFill>
+                <a:effectLst/>
+                <a:latin typeface="+mn-lt"/>
+              </a:rPr>
+              <a:t>of</a:t>
+            </a:r>
+            <a:r>
+              <a:rPr lang="es-CO" sz="2000" b="0" i="0" dirty="0">
+                <a:solidFill>
+                  <a:srgbClr val="000000"/>
+                </a:solidFill>
+                <a:effectLst/>
+                <a:latin typeface="+mn-lt"/>
+              </a:rPr>
+              <a:t> </a:t>
+            </a:r>
+            <a:r>
+              <a:rPr lang="es-CO" sz="2000" b="0" i="0" dirty="0" err="1">
+                <a:solidFill>
+                  <a:srgbClr val="000000"/>
+                </a:solidFill>
+                <a:effectLst/>
+                <a:latin typeface="+mn-lt"/>
+              </a:rPr>
+              <a:t>climate</a:t>
+            </a:r>
+            <a:r>
+              <a:rPr lang="es-CO" sz="2000" b="0" i="0" dirty="0">
+                <a:solidFill>
+                  <a:srgbClr val="000000"/>
+                </a:solidFill>
+                <a:effectLst/>
+                <a:latin typeface="+mn-lt"/>
+              </a:rPr>
+              <a:t> </a:t>
+            </a:r>
+            <a:r>
+              <a:rPr lang="es-CO" sz="2000" b="0" i="0" dirty="0" err="1">
+                <a:solidFill>
+                  <a:srgbClr val="000000"/>
+                </a:solidFill>
+                <a:effectLst/>
+                <a:latin typeface="+mn-lt"/>
+              </a:rPr>
+              <a:t>change</a:t>
+            </a:r>
+            <a:r>
+              <a:rPr lang="es-CO" sz="2000" b="0" i="0" dirty="0">
+                <a:solidFill>
+                  <a:srgbClr val="000000"/>
+                </a:solidFill>
+                <a:effectLst/>
+                <a:latin typeface="+mn-lt"/>
+              </a:rPr>
+              <a:t> </a:t>
+            </a:r>
+            <a:r>
+              <a:rPr lang="es-CO" sz="2000" b="0" i="0" dirty="0" err="1">
+                <a:solidFill>
+                  <a:srgbClr val="000000"/>
+                </a:solidFill>
+                <a:effectLst/>
+                <a:latin typeface="+mn-lt"/>
+              </a:rPr>
+              <a:t>on</a:t>
+            </a:r>
+            <a:r>
+              <a:rPr lang="es-CO" sz="2000" b="0" i="0" dirty="0">
+                <a:solidFill>
+                  <a:srgbClr val="000000"/>
+                </a:solidFill>
+                <a:effectLst/>
+                <a:latin typeface="+mn-lt"/>
+              </a:rPr>
+              <a:t> glacial </a:t>
+            </a:r>
+            <a:r>
+              <a:rPr lang="es-CO" sz="2000" b="0" i="0" dirty="0" err="1">
+                <a:solidFill>
+                  <a:srgbClr val="000000"/>
+                </a:solidFill>
+                <a:effectLst/>
+                <a:latin typeface="+mn-lt"/>
+              </a:rPr>
+              <a:t>retreat</a:t>
+            </a:r>
+            <a:r>
+              <a:rPr lang="es-CO" sz="2000" b="0" i="0" dirty="0">
+                <a:solidFill>
+                  <a:srgbClr val="000000"/>
+                </a:solidFill>
+                <a:effectLst/>
+                <a:latin typeface="+mn-lt"/>
+              </a:rPr>
+              <a:t> </a:t>
+            </a:r>
+            <a:r>
+              <a:rPr lang="es-CO" sz="2000" b="0" i="0" dirty="0" err="1">
+                <a:solidFill>
+                  <a:srgbClr val="000000"/>
+                </a:solidFill>
+                <a:effectLst/>
+                <a:latin typeface="+mn-lt"/>
+              </a:rPr>
+              <a:t>during</a:t>
+            </a:r>
+            <a:r>
+              <a:rPr lang="es-CO" sz="2000" b="0" i="0" dirty="0">
+                <a:solidFill>
+                  <a:srgbClr val="000000"/>
+                </a:solidFill>
+                <a:effectLst/>
+                <a:latin typeface="+mn-lt"/>
+              </a:rPr>
+              <a:t> 1990–2021 in </a:t>
+            </a:r>
+            <a:r>
+              <a:rPr lang="es-CO" sz="2000" b="0" i="0" dirty="0" err="1">
+                <a:solidFill>
+                  <a:srgbClr val="000000"/>
+                </a:solidFill>
+                <a:effectLst/>
+                <a:latin typeface="+mn-lt"/>
+              </a:rPr>
+              <a:t>the</a:t>
+            </a:r>
+            <a:r>
+              <a:rPr lang="es-CO" sz="2000" b="0" i="0" dirty="0">
+                <a:solidFill>
+                  <a:srgbClr val="000000"/>
+                </a:solidFill>
+                <a:effectLst/>
+                <a:latin typeface="+mn-lt"/>
+              </a:rPr>
+              <a:t> </a:t>
+            </a:r>
+            <a:r>
+              <a:rPr lang="es-CO" sz="2000" b="0" i="0" dirty="0" err="1">
+                <a:solidFill>
+                  <a:srgbClr val="000000"/>
+                </a:solidFill>
+                <a:effectLst/>
+                <a:latin typeface="+mn-lt"/>
+              </a:rPr>
+              <a:t>Chinese</a:t>
+            </a:r>
+            <a:r>
+              <a:rPr lang="es-CO" sz="2000" b="0" i="0" dirty="0">
+                <a:solidFill>
+                  <a:srgbClr val="000000"/>
+                </a:solidFill>
+                <a:effectLst/>
+                <a:latin typeface="+mn-lt"/>
+              </a:rPr>
+              <a:t> </a:t>
+            </a:r>
+            <a:r>
+              <a:rPr lang="es-CO" sz="2000" b="0" i="0" dirty="0" err="1">
+                <a:solidFill>
+                  <a:srgbClr val="000000"/>
+                </a:solidFill>
+                <a:effectLst/>
+                <a:latin typeface="+mn-lt"/>
+              </a:rPr>
+              <a:t>Altay</a:t>
+            </a:r>
+            <a:r>
+              <a:rPr lang="es-CO" sz="2000" b="0" i="0" dirty="0">
+                <a:solidFill>
+                  <a:srgbClr val="000000"/>
+                </a:solidFill>
+                <a:effectLst/>
+                <a:latin typeface="+mn-lt"/>
+              </a:rPr>
+              <a:t> </a:t>
+            </a:r>
+            <a:r>
+              <a:rPr lang="es-CO" sz="2000" b="0" i="0" dirty="0" err="1">
+                <a:solidFill>
+                  <a:srgbClr val="000000"/>
+                </a:solidFill>
+                <a:effectLst/>
+                <a:latin typeface="+mn-lt"/>
+              </a:rPr>
+              <a:t>Mountains</a:t>
+            </a:r>
+            <a:r>
+              <a:rPr lang="es-CO" sz="2000" b="0" i="0" dirty="0">
+                <a:solidFill>
+                  <a:srgbClr val="000000"/>
+                </a:solidFill>
+                <a:effectLst/>
+                <a:latin typeface="+mn-lt"/>
+              </a:rPr>
+              <a:t>», CATENA, vol. 228, p. 107156, jul. 2023, </a:t>
+            </a:r>
+            <a:r>
+              <a:rPr lang="es-CO" sz="2000" b="0" i="0" dirty="0" err="1">
+                <a:solidFill>
+                  <a:srgbClr val="000000"/>
+                </a:solidFill>
+                <a:effectLst/>
+                <a:latin typeface="+mn-lt"/>
+              </a:rPr>
+              <a:t>doi</a:t>
+            </a:r>
+            <a:r>
+              <a:rPr lang="es-CO" sz="2000" b="0" i="0" dirty="0">
+                <a:solidFill>
+                  <a:srgbClr val="000000"/>
+                </a:solidFill>
+                <a:effectLst/>
+                <a:latin typeface="+mn-lt"/>
+              </a:rPr>
+              <a:t>: 10.1016/j.catena.2023.107156.</a:t>
+            </a:r>
+          </a:p>
+          <a:p>
+            <a:pPr marL="285750" indent="-285750">
+              <a:buFont typeface="Arial" panose="020B0604020202020204" pitchFamily="34" charset="0"/>
+              <a:buChar char="•"/>
+            </a:pPr>
+            <a:r>
+              <a:rPr lang="es-CO" sz="2000" b="0" i="0" dirty="0">
+                <a:solidFill>
+                  <a:srgbClr val="000000"/>
+                </a:solidFill>
+                <a:effectLst/>
+                <a:latin typeface="+mn-lt"/>
+              </a:rPr>
+              <a:t>[5] J. I. López-Moreno et al., «</a:t>
+            </a:r>
+            <a:r>
+              <a:rPr lang="es-CO" sz="2000" b="0" i="0" dirty="0" err="1">
+                <a:solidFill>
+                  <a:srgbClr val="000000"/>
+                </a:solidFill>
+                <a:effectLst/>
+                <a:latin typeface="+mn-lt"/>
+              </a:rPr>
+              <a:t>Topographic</a:t>
+            </a:r>
+            <a:r>
+              <a:rPr lang="es-CO" sz="2000" b="0" i="0" dirty="0">
+                <a:solidFill>
+                  <a:srgbClr val="000000"/>
+                </a:solidFill>
+                <a:effectLst/>
+                <a:latin typeface="+mn-lt"/>
+              </a:rPr>
+              <a:t> control </a:t>
+            </a:r>
+            <a:r>
+              <a:rPr lang="es-CO" sz="2000" b="0" i="0" dirty="0" err="1">
+                <a:solidFill>
+                  <a:srgbClr val="000000"/>
+                </a:solidFill>
+                <a:effectLst/>
+                <a:latin typeface="+mn-lt"/>
+              </a:rPr>
+              <a:t>of</a:t>
+            </a:r>
+            <a:r>
+              <a:rPr lang="es-CO" sz="2000" b="0" i="0" dirty="0">
+                <a:solidFill>
+                  <a:srgbClr val="000000"/>
+                </a:solidFill>
+                <a:effectLst/>
+                <a:latin typeface="+mn-lt"/>
+              </a:rPr>
+              <a:t> </a:t>
+            </a:r>
+            <a:r>
+              <a:rPr lang="es-CO" sz="2000" b="0" i="0" dirty="0" err="1">
+                <a:solidFill>
+                  <a:srgbClr val="000000"/>
+                </a:solidFill>
+                <a:effectLst/>
+                <a:latin typeface="+mn-lt"/>
+              </a:rPr>
+              <a:t>glacier</a:t>
+            </a:r>
+            <a:r>
+              <a:rPr lang="es-CO" sz="2000" b="0" i="0" dirty="0">
+                <a:solidFill>
+                  <a:srgbClr val="000000"/>
+                </a:solidFill>
+                <a:effectLst/>
+                <a:latin typeface="+mn-lt"/>
+              </a:rPr>
+              <a:t> </a:t>
+            </a:r>
+            <a:r>
+              <a:rPr lang="es-CO" sz="2000" b="0" i="0" dirty="0" err="1">
+                <a:solidFill>
+                  <a:srgbClr val="000000"/>
+                </a:solidFill>
+                <a:effectLst/>
+                <a:latin typeface="+mn-lt"/>
+              </a:rPr>
+              <a:t>changes</a:t>
+            </a:r>
+            <a:r>
+              <a:rPr lang="es-CO" sz="2000" b="0" i="0" dirty="0">
+                <a:solidFill>
+                  <a:srgbClr val="000000"/>
+                </a:solidFill>
+                <a:effectLst/>
+                <a:latin typeface="+mn-lt"/>
+              </a:rPr>
+              <a:t> </a:t>
+            </a:r>
+            <a:r>
+              <a:rPr lang="es-CO" sz="2000" b="0" i="0" dirty="0" err="1">
+                <a:solidFill>
+                  <a:srgbClr val="000000"/>
+                </a:solidFill>
+                <a:effectLst/>
+                <a:latin typeface="+mn-lt"/>
+              </a:rPr>
+              <a:t>since</a:t>
+            </a:r>
+            <a:r>
+              <a:rPr lang="es-CO" sz="2000" b="0" i="0" dirty="0">
+                <a:solidFill>
+                  <a:srgbClr val="000000"/>
+                </a:solidFill>
+                <a:effectLst/>
+                <a:latin typeface="+mn-lt"/>
+              </a:rPr>
+              <a:t> </a:t>
+            </a:r>
+            <a:r>
+              <a:rPr lang="es-CO" sz="2000" b="0" i="0" dirty="0" err="1">
+                <a:solidFill>
+                  <a:srgbClr val="000000"/>
+                </a:solidFill>
+                <a:effectLst/>
+                <a:latin typeface="+mn-lt"/>
+              </a:rPr>
+              <a:t>the</a:t>
+            </a:r>
+            <a:r>
+              <a:rPr lang="es-CO" sz="2000" b="0" i="0" dirty="0">
+                <a:solidFill>
+                  <a:srgbClr val="000000"/>
+                </a:solidFill>
+                <a:effectLst/>
+                <a:latin typeface="+mn-lt"/>
+              </a:rPr>
+              <a:t> </a:t>
+            </a:r>
+            <a:r>
+              <a:rPr lang="es-CO" sz="2000" b="0" i="0" dirty="0" err="1">
+                <a:solidFill>
+                  <a:srgbClr val="000000"/>
+                </a:solidFill>
+                <a:effectLst/>
+                <a:latin typeface="+mn-lt"/>
+              </a:rPr>
+              <a:t>end</a:t>
+            </a:r>
+            <a:r>
+              <a:rPr lang="es-CO" sz="2000" b="0" i="0" dirty="0">
+                <a:solidFill>
+                  <a:srgbClr val="000000"/>
+                </a:solidFill>
+                <a:effectLst/>
+                <a:latin typeface="+mn-lt"/>
+              </a:rPr>
+              <a:t> </a:t>
+            </a:r>
+            <a:r>
+              <a:rPr lang="es-CO" sz="2000" b="0" i="0" dirty="0" err="1">
+                <a:solidFill>
+                  <a:srgbClr val="000000"/>
+                </a:solidFill>
+                <a:effectLst/>
+                <a:latin typeface="+mn-lt"/>
+              </a:rPr>
+              <a:t>of</a:t>
+            </a:r>
+            <a:r>
+              <a:rPr lang="es-CO" sz="2000" b="0" i="0" dirty="0">
+                <a:solidFill>
+                  <a:srgbClr val="000000"/>
+                </a:solidFill>
+                <a:effectLst/>
+                <a:latin typeface="+mn-lt"/>
+              </a:rPr>
+              <a:t> </a:t>
+            </a:r>
+            <a:r>
+              <a:rPr lang="es-CO" sz="2000" b="0" i="0" dirty="0" err="1">
+                <a:solidFill>
+                  <a:srgbClr val="000000"/>
+                </a:solidFill>
+                <a:effectLst/>
+                <a:latin typeface="+mn-lt"/>
+              </a:rPr>
+              <a:t>the</a:t>
+            </a:r>
+            <a:r>
+              <a:rPr lang="es-CO" sz="2000" b="0" i="0" dirty="0">
+                <a:solidFill>
+                  <a:srgbClr val="000000"/>
+                </a:solidFill>
+                <a:effectLst/>
+                <a:latin typeface="+mn-lt"/>
+              </a:rPr>
+              <a:t> Little Ice Age in </a:t>
+            </a:r>
+            <a:r>
+              <a:rPr lang="es-CO" sz="2000" b="0" i="0" dirty="0" err="1">
+                <a:solidFill>
+                  <a:srgbClr val="000000"/>
+                </a:solidFill>
+                <a:effectLst/>
+                <a:latin typeface="+mn-lt"/>
+              </a:rPr>
+              <a:t>the</a:t>
+            </a:r>
+            <a:r>
+              <a:rPr lang="es-CO" sz="2000" b="0" i="0" dirty="0">
+                <a:solidFill>
+                  <a:srgbClr val="000000"/>
+                </a:solidFill>
+                <a:effectLst/>
+                <a:latin typeface="+mn-lt"/>
+              </a:rPr>
+              <a:t> Sierra Nevada de Santa Marta </a:t>
+            </a:r>
+            <a:r>
+              <a:rPr lang="es-CO" sz="2000" b="0" i="0" dirty="0" err="1">
+                <a:solidFill>
+                  <a:srgbClr val="000000"/>
+                </a:solidFill>
+                <a:effectLst/>
+                <a:latin typeface="+mn-lt"/>
+              </a:rPr>
+              <a:t>mountains</a:t>
+            </a:r>
+            <a:r>
+              <a:rPr lang="es-CO" sz="2000" b="0" i="0" dirty="0">
+                <a:solidFill>
+                  <a:srgbClr val="000000"/>
+                </a:solidFill>
+                <a:effectLst/>
+                <a:latin typeface="+mn-lt"/>
+              </a:rPr>
+              <a:t>, Colombia», </a:t>
+            </a:r>
+            <a:r>
+              <a:rPr lang="es-CO" sz="2000" b="0" i="0" dirty="0" err="1">
+                <a:solidFill>
+                  <a:srgbClr val="000000"/>
+                </a:solidFill>
+                <a:effectLst/>
+                <a:latin typeface="+mn-lt"/>
+              </a:rPr>
+              <a:t>Journal</a:t>
+            </a:r>
+            <a:r>
+              <a:rPr lang="es-CO" sz="2000" b="0" i="0" dirty="0">
+                <a:solidFill>
+                  <a:srgbClr val="000000"/>
+                </a:solidFill>
+                <a:effectLst/>
+                <a:latin typeface="+mn-lt"/>
+              </a:rPr>
+              <a:t> </a:t>
+            </a:r>
+            <a:r>
+              <a:rPr lang="es-CO" sz="2000" b="0" i="0" dirty="0" err="1">
+                <a:solidFill>
+                  <a:srgbClr val="000000"/>
+                </a:solidFill>
+                <a:effectLst/>
+                <a:latin typeface="+mn-lt"/>
+              </a:rPr>
+              <a:t>of</a:t>
+            </a:r>
+            <a:r>
+              <a:rPr lang="es-CO" sz="2000" b="0" i="0" dirty="0">
+                <a:solidFill>
+                  <a:srgbClr val="000000"/>
+                </a:solidFill>
+                <a:effectLst/>
+                <a:latin typeface="+mn-lt"/>
+              </a:rPr>
+              <a:t> South American </a:t>
+            </a:r>
+            <a:r>
+              <a:rPr lang="es-CO" sz="2000" b="0" i="0" dirty="0" err="1">
+                <a:solidFill>
+                  <a:srgbClr val="000000"/>
+                </a:solidFill>
+                <a:effectLst/>
+                <a:latin typeface="+mn-lt"/>
+              </a:rPr>
+              <a:t>Earth</a:t>
+            </a:r>
+            <a:r>
+              <a:rPr lang="es-CO" sz="2000" b="0" i="0" dirty="0">
+                <a:solidFill>
+                  <a:srgbClr val="000000"/>
+                </a:solidFill>
+                <a:effectLst/>
+                <a:latin typeface="+mn-lt"/>
+              </a:rPr>
+              <a:t> </a:t>
+            </a:r>
+            <a:r>
+              <a:rPr lang="es-CO" sz="2000" b="0" i="0" dirty="0" err="1">
+                <a:solidFill>
+                  <a:srgbClr val="000000"/>
+                </a:solidFill>
+                <a:effectLst/>
+                <a:latin typeface="+mn-lt"/>
+              </a:rPr>
+              <a:t>Sciences</a:t>
+            </a:r>
+            <a:r>
+              <a:rPr lang="es-CO" sz="2000" b="0" i="0" dirty="0">
+                <a:solidFill>
+                  <a:srgbClr val="000000"/>
+                </a:solidFill>
+                <a:effectLst/>
+                <a:latin typeface="+mn-lt"/>
+              </a:rPr>
+              <a:t>, vol. 104, p. 102803, dic. 2020, </a:t>
+            </a:r>
+            <a:r>
+              <a:rPr lang="es-CO" sz="2000" b="0" i="0" dirty="0" err="1">
+                <a:solidFill>
+                  <a:srgbClr val="000000"/>
+                </a:solidFill>
+                <a:effectLst/>
+                <a:latin typeface="+mn-lt"/>
+              </a:rPr>
+              <a:t>doi</a:t>
+            </a:r>
+            <a:r>
+              <a:rPr lang="es-CO" sz="2000" b="0" i="0" dirty="0">
+                <a:solidFill>
+                  <a:srgbClr val="000000"/>
+                </a:solidFill>
+                <a:effectLst/>
+                <a:latin typeface="+mn-lt"/>
+              </a:rPr>
+              <a:t>: 10.1016/j.jsames.2020.102803.</a:t>
+            </a:r>
+          </a:p>
+          <a:p>
+            <a:pPr marL="285750" indent="-285750">
+              <a:buFont typeface="Arial" panose="020B0604020202020204" pitchFamily="34" charset="0"/>
+              <a:buChar char="•"/>
+            </a:pPr>
+            <a:r>
+              <a:rPr lang="es-CO" sz="2000" b="0" i="0" dirty="0">
+                <a:solidFill>
+                  <a:srgbClr val="000000"/>
+                </a:solidFill>
+                <a:effectLst/>
+                <a:latin typeface="+mn-lt"/>
+              </a:rPr>
+              <a:t>[6] «A timeline </a:t>
+            </a:r>
+            <a:r>
+              <a:rPr lang="es-CO" sz="2000" b="0" i="0" dirty="0" err="1">
+                <a:solidFill>
+                  <a:srgbClr val="000000"/>
+                </a:solidFill>
+                <a:effectLst/>
+                <a:latin typeface="+mn-lt"/>
+              </a:rPr>
+              <a:t>of</a:t>
+            </a:r>
+            <a:r>
+              <a:rPr lang="es-CO" sz="2000" b="0" i="0" dirty="0">
+                <a:solidFill>
+                  <a:srgbClr val="000000"/>
+                </a:solidFill>
+                <a:effectLst/>
+                <a:latin typeface="+mn-lt"/>
+              </a:rPr>
+              <a:t> Landsat </a:t>
+            </a:r>
+            <a:r>
+              <a:rPr lang="es-CO" sz="2000" b="0" i="0" dirty="0" err="1">
+                <a:solidFill>
+                  <a:srgbClr val="000000"/>
+                </a:solidFill>
+                <a:effectLst/>
+                <a:latin typeface="+mn-lt"/>
+              </a:rPr>
+              <a:t>satellites</a:t>
+            </a:r>
+            <a:r>
+              <a:rPr lang="es-CO" sz="2000" b="0" i="0" dirty="0">
+                <a:solidFill>
+                  <a:srgbClr val="000000"/>
+                </a:solidFill>
+                <a:effectLst/>
+                <a:latin typeface="+mn-lt"/>
+              </a:rPr>
+              <a:t> and </a:t>
+            </a:r>
+            <a:r>
+              <a:rPr lang="es-CO" sz="2000" b="0" i="0" dirty="0" err="1">
+                <a:solidFill>
+                  <a:srgbClr val="000000"/>
+                </a:solidFill>
+                <a:effectLst/>
+                <a:latin typeface="+mn-lt"/>
+              </a:rPr>
+              <a:t>sensors</a:t>
+            </a:r>
+            <a:r>
+              <a:rPr lang="es-CO" sz="2000" b="0" i="0" dirty="0">
+                <a:solidFill>
+                  <a:srgbClr val="000000"/>
+                </a:solidFill>
+                <a:effectLst/>
+                <a:latin typeface="+mn-lt"/>
+              </a:rPr>
+              <a:t>. Landsat 9 </a:t>
+            </a:r>
+            <a:r>
+              <a:rPr lang="es-CO" sz="2000" b="0" i="0" dirty="0" err="1">
+                <a:solidFill>
+                  <a:srgbClr val="000000"/>
+                </a:solidFill>
+                <a:effectLst/>
+                <a:latin typeface="+mn-lt"/>
+              </a:rPr>
+              <a:t>launch</a:t>
+            </a:r>
+            <a:r>
+              <a:rPr lang="es-CO" sz="2000" b="0" i="0" dirty="0">
+                <a:solidFill>
+                  <a:srgbClr val="000000"/>
+                </a:solidFill>
+                <a:effectLst/>
+                <a:latin typeface="+mn-lt"/>
+              </a:rPr>
+              <a:t> date </a:t>
+            </a:r>
+            <a:r>
+              <a:rPr lang="es-CO" sz="2000" b="0" i="0" dirty="0" err="1">
+                <a:solidFill>
+                  <a:srgbClr val="000000"/>
+                </a:solidFill>
+                <a:effectLst/>
+                <a:latin typeface="+mn-lt"/>
+              </a:rPr>
+              <a:t>is</a:t>
+            </a:r>
+            <a:r>
+              <a:rPr lang="es-CO" sz="2000" b="0" i="0" dirty="0">
+                <a:solidFill>
+                  <a:srgbClr val="000000"/>
+                </a:solidFill>
+                <a:effectLst/>
+                <a:latin typeface="+mn-lt"/>
+              </a:rPr>
+              <a:t>... | </a:t>
+            </a:r>
+            <a:r>
+              <a:rPr lang="es-CO" sz="2000" b="0" i="0" dirty="0" err="1">
+                <a:solidFill>
+                  <a:srgbClr val="000000"/>
+                </a:solidFill>
+                <a:effectLst/>
+                <a:latin typeface="+mn-lt"/>
+              </a:rPr>
+              <a:t>Download</a:t>
+            </a:r>
+            <a:r>
+              <a:rPr lang="es-CO" sz="2000" b="0" i="0" dirty="0">
+                <a:solidFill>
+                  <a:srgbClr val="000000"/>
+                </a:solidFill>
+                <a:effectLst/>
+                <a:latin typeface="+mn-lt"/>
+              </a:rPr>
+              <a:t> </a:t>
+            </a:r>
+            <a:r>
+              <a:rPr lang="es-CO" sz="2000" b="0" i="0" dirty="0" err="1">
+                <a:solidFill>
+                  <a:srgbClr val="000000"/>
+                </a:solidFill>
+                <a:effectLst/>
+                <a:latin typeface="+mn-lt"/>
+              </a:rPr>
+              <a:t>Scientific</a:t>
+            </a:r>
+            <a:r>
+              <a:rPr lang="es-CO" sz="2000" b="0" i="0" dirty="0">
+                <a:solidFill>
+                  <a:srgbClr val="000000"/>
+                </a:solidFill>
+                <a:effectLst/>
+                <a:latin typeface="+mn-lt"/>
+              </a:rPr>
+              <a:t> </a:t>
+            </a:r>
+            <a:r>
+              <a:rPr lang="es-CO" sz="2000" b="0" i="0" dirty="0" err="1">
+                <a:solidFill>
+                  <a:srgbClr val="000000"/>
+                </a:solidFill>
+                <a:effectLst/>
+                <a:latin typeface="+mn-lt"/>
+              </a:rPr>
+              <a:t>Diagram</a:t>
+            </a:r>
+            <a:r>
+              <a:rPr lang="es-CO" sz="2000" b="0" i="0" dirty="0">
+                <a:solidFill>
+                  <a:srgbClr val="000000"/>
+                </a:solidFill>
+                <a:effectLst/>
+                <a:latin typeface="+mn-lt"/>
+              </a:rPr>
+              <a:t>». Accedido: 10 de enero de 2024. [En línea]. Disponible en: https://www.researchgate.net/figure/A-timeline-of-Landsat-satellites-and-sensors-Landsat-9-launch-date-is-based-on-recent_fig1_312202874</a:t>
+            </a:r>
           </a:p>
         </p:txBody>
       </p:sp>
@@ -16869,8 +18474,8 @@
         </p:nvSpPr>
         <p:spPr>
           <a:xfrm>
-            <a:off x="17017460" y="4803513"/>
-            <a:ext cx="15365428" cy="4323184"/>
+            <a:off x="17017460" y="4803512"/>
+            <a:ext cx="15365428" cy="4866763"/>
           </a:xfrm>
           <a:prstGeom prst="rect">
             <a:avLst/>
@@ -16941,8 +18546,3542 @@
         </p:nvSpPr>
         <p:spPr>
           <a:xfrm>
-            <a:off x="1026989" y="21108560"/>
-            <a:ext cx="8662579" cy="615553"/>
+            <a:off x="616421" y="26418058"/>
+            <a:ext cx="8662579" cy="1138773"/>
+          </a:xfrm>
+          <a:prstGeom prst="rect">
+            <a:avLst/>
+          </a:prstGeom>
+          <a:noFill/>
+        </p:spPr>
+        <p:txBody>
+          <a:bodyPr wrap="square" lIns="91440" tIns="45720" rIns="91440" bIns="45720" rtlCol="0" anchor="t">
+            <a:spAutoFit/>
+          </a:bodyPr>
+          <a:lstStyle/>
+          <a:p>
+            <a:pPr algn="ctr"/>
+            <a:r>
+              <a:rPr lang="es-MX" sz="3400" dirty="0"/>
+              <a:t>Figura 1. Comportamiento del Nevado del Cocuy. Fuente: Elaboración propia (2024).</a:t>
+            </a:r>
+            <a:endParaRPr lang="es-CO" sz="3400" dirty="0"/>
+          </a:p>
+        </p:txBody>
+      </p:sp>
+      <mc:AlternateContent xmlns:mc="http://schemas.openxmlformats.org/markup-compatibility/2006">
+        <mc:Choice xmlns:a14="http://schemas.microsoft.com/office/drawing/2010/main" Requires="a14">
+          <p:graphicFrame>
+            <p:nvGraphicFramePr>
+              <p:cNvPr id="15" name="Tabla 15">
+                <a:extLst>
+                  <a:ext uri="{FF2B5EF4-FFF2-40B4-BE49-F238E27FC236}">
+                    <a16:creationId xmlns:a16="http://schemas.microsoft.com/office/drawing/2014/main" id="{6185C5B6-1BC3-C1B4-2B66-66264F7455F7}"/>
+                  </a:ext>
+                </a:extLst>
+              </p:cNvPr>
+              <p:cNvGraphicFramePr>
+                <a:graphicFrameLocks noGrp="1"/>
+              </p:cNvGraphicFramePr>
+              <p:nvPr>
+                <p:extLst>
+                  <p:ext uri="{D42A27DB-BD31-4B8C-83A1-F6EECF244321}">
+                    <p14:modId xmlns:p14="http://schemas.microsoft.com/office/powerpoint/2010/main" val="3340749368"/>
+                  </p:ext>
+                </p:extLst>
+              </p:nvPr>
+            </p:nvGraphicFramePr>
+            <p:xfrm>
+              <a:off x="760133" y="30828625"/>
+              <a:ext cx="17055090" cy="5491415"/>
+            </p:xfrm>
+            <a:graphic>
+              <a:graphicData uri="http://schemas.openxmlformats.org/drawingml/2006/table">
+                <a:tbl>
+                  <a:tblPr firstRow="1" bandRow="1">
+                    <a:tableStyleId>{5C22544A-7EE6-4342-B048-85BDC9FD1C3A}</a:tableStyleId>
+                  </a:tblPr>
+                  <a:tblGrid>
+                    <a:gridCol w="2184341">
+                      <a:extLst>
+                        <a:ext uri="{9D8B030D-6E8A-4147-A177-3AD203B41FA5}">
+                          <a16:colId xmlns:a16="http://schemas.microsoft.com/office/drawing/2014/main" val="1968373173"/>
+                        </a:ext>
+                      </a:extLst>
+                    </a:gridCol>
+                    <a:gridCol w="9185719">
+                      <a:extLst>
+                        <a:ext uri="{9D8B030D-6E8A-4147-A177-3AD203B41FA5}">
+                          <a16:colId xmlns:a16="http://schemas.microsoft.com/office/drawing/2014/main" val="4077059054"/>
+                        </a:ext>
+                      </a:extLst>
+                    </a:gridCol>
+                    <a:gridCol w="5685030">
+                      <a:extLst>
+                        <a:ext uri="{9D8B030D-6E8A-4147-A177-3AD203B41FA5}">
+                          <a16:colId xmlns:a16="http://schemas.microsoft.com/office/drawing/2014/main" val="3029900308"/>
+                        </a:ext>
+                      </a:extLst>
+                    </a:gridCol>
+                  </a:tblGrid>
+                  <a:tr h="381080">
+                    <a:tc rowSpan="2">
+                      <a:txBody>
+                        <a:bodyPr/>
+                        <a:lstStyle/>
+                        <a:p>
+                          <a:r>
+                            <a:rPr lang="es-ES" sz="2800" dirty="0">
+                              <a:solidFill>
+                                <a:schemeClr val="tx1"/>
+                              </a:solidFill>
+                            </a:rPr>
+                            <a:t>Año</a:t>
+                          </a:r>
+                          <a:endParaRPr lang="es-CO" sz="2800" dirty="0">
+                            <a:solidFill>
+                              <a:schemeClr val="tx1"/>
+                            </a:solidFill>
+                          </a:endParaRPr>
+                        </a:p>
+                      </a:txBody>
+                      <a:tcPr>
+                        <a:lnL w="12700" cap="flat" cmpd="sng" algn="ctr">
+                          <a:noFill/>
+                          <a:prstDash val="solid"/>
+                          <a:round/>
+                          <a:headEnd type="none" w="med" len="med"/>
+                          <a:tailEnd type="none" w="med" len="med"/>
+                        </a:lnL>
+                        <a:lnR w="12700" cap="flat" cmpd="sng" algn="ctr">
+                          <a:noFill/>
+                          <a:prstDash val="solid"/>
+                          <a:round/>
+                          <a:headEnd type="none" w="med" len="med"/>
+                          <a:tailEnd type="none" w="med" len="med"/>
+                        </a:lnR>
+                        <a:lnT w="12700" cap="flat" cmpd="sng" algn="ctr">
+                          <a:solidFill>
+                            <a:schemeClr val="tx1"/>
+                          </a:solidFill>
+                          <a:prstDash val="solid"/>
+                          <a:round/>
+                          <a:headEnd type="none" w="med" len="med"/>
+                          <a:tailEnd type="none" w="med" len="med"/>
+                        </a:lnT>
+                        <a:lnB w="12700" cap="flat" cmpd="sng" algn="ctr">
+                          <a:solidFill>
+                            <a:schemeClr val="tx1"/>
+                          </a:solidFill>
+                          <a:prstDash val="solid"/>
+                          <a:round/>
+                          <a:headEnd type="none" w="med" len="med"/>
+                          <a:tailEnd type="none" w="med" len="med"/>
+                        </a:lnB>
+                        <a:lnTlToBr w="12700" cmpd="sng">
+                          <a:noFill/>
+                          <a:prstDash val="solid"/>
+                        </a:lnTlToBr>
+                        <a:lnBlToTr w="12700" cmpd="sng">
+                          <a:noFill/>
+                          <a:prstDash val="solid"/>
+                        </a:lnBlToTr>
+                        <a:noFill/>
+                      </a:tcPr>
+                    </a:tc>
+                    <a:tc gridSpan="2">
+                      <a:txBody>
+                        <a:bodyPr/>
+                        <a:lstStyle/>
+                        <a:p>
+                          <a:pPr algn="ctr"/>
+                          <a:r>
+                            <a:rPr lang="es-ES" sz="2800" b="1" dirty="0">
+                              <a:solidFill>
+                                <a:schemeClr val="tx1"/>
+                              </a:solidFill>
+                            </a:rPr>
+                            <a:t>Área aproximada de cobertura de hielo detectada con algoritmo [</a:t>
+                          </a:r>
+                          <a14:m>
+                            <m:oMath xmlns:m="http://schemas.openxmlformats.org/officeDocument/2006/math">
+                              <m:sSup>
+                                <m:sSupPr>
+                                  <m:ctrlPr>
+                                    <a:rPr lang="es-ES" sz="2800" b="1" i="1" smtClean="0">
+                                      <a:solidFill>
+                                        <a:schemeClr val="tx1"/>
+                                      </a:solidFill>
+                                      <a:latin typeface="Cambria Math" panose="02040503050406030204" pitchFamily="18" charset="0"/>
+                                    </a:rPr>
+                                  </m:ctrlPr>
+                                </m:sSupPr>
+                                <m:e>
+                                  <m:r>
+                                    <a:rPr lang="es-ES" sz="2800" b="1" i="1" smtClean="0">
+                                      <a:solidFill>
+                                        <a:schemeClr val="tx1"/>
+                                      </a:solidFill>
+                                      <a:latin typeface="Cambria Math" panose="02040503050406030204" pitchFamily="18" charset="0"/>
+                                    </a:rPr>
+                                    <m:t>𝒌𝒎</m:t>
+                                  </m:r>
+                                </m:e>
+                                <m:sup>
+                                  <m:r>
+                                    <a:rPr lang="es-ES" sz="2800" b="1" i="1" smtClean="0">
+                                      <a:solidFill>
+                                        <a:schemeClr val="tx1"/>
+                                      </a:solidFill>
+                                      <a:latin typeface="Cambria Math" panose="02040503050406030204" pitchFamily="18" charset="0"/>
+                                    </a:rPr>
+                                    <m:t>𝟐</m:t>
+                                  </m:r>
+                                </m:sup>
+                              </m:sSup>
+                              <m:r>
+                                <a:rPr lang="es-ES" sz="2800" b="1" i="1" smtClean="0">
+                                  <a:solidFill>
+                                    <a:schemeClr val="tx1"/>
+                                  </a:solidFill>
+                                  <a:latin typeface="Cambria Math" panose="02040503050406030204" pitchFamily="18" charset="0"/>
+                                </a:rPr>
+                                <m:t>]</m:t>
+                              </m:r>
+                            </m:oMath>
+                          </a14:m>
+                          <a:endParaRPr lang="es-CO" sz="2800" b="1" dirty="0">
+                            <a:solidFill>
+                              <a:schemeClr val="tx1"/>
+                            </a:solidFill>
+                          </a:endParaRPr>
+                        </a:p>
+                      </a:txBody>
+                      <a:tcPr>
+                        <a:lnL w="12700" cap="flat" cmpd="sng" algn="ctr">
+                          <a:noFill/>
+                          <a:prstDash val="solid"/>
+                          <a:round/>
+                          <a:headEnd type="none" w="med" len="med"/>
+                          <a:tailEnd type="none" w="med" len="med"/>
+                        </a:lnL>
+                        <a:lnR w="12700" cap="flat" cmpd="sng" algn="ctr">
+                          <a:noFill/>
+                          <a:prstDash val="solid"/>
+                          <a:round/>
+                          <a:headEnd type="none" w="med" len="med"/>
+                          <a:tailEnd type="none" w="med" len="med"/>
+                        </a:lnR>
+                        <a:lnT w="12700" cap="flat" cmpd="sng" algn="ctr">
+                          <a:solidFill>
+                            <a:schemeClr val="tx1"/>
+                          </a:solidFill>
+                          <a:prstDash val="solid"/>
+                          <a:round/>
+                          <a:headEnd type="none" w="med" len="med"/>
+                          <a:tailEnd type="none" w="med" len="med"/>
+                        </a:lnT>
+                        <a:lnB w="12700" cap="flat" cmpd="sng" algn="ctr">
+                          <a:solidFill>
+                            <a:schemeClr val="tx1"/>
+                          </a:solidFill>
+                          <a:prstDash val="solid"/>
+                          <a:round/>
+                          <a:headEnd type="none" w="med" len="med"/>
+                          <a:tailEnd type="none" w="med" len="med"/>
+                        </a:lnB>
+                        <a:lnTlToBr w="12700" cmpd="sng">
+                          <a:noFill/>
+                          <a:prstDash val="solid"/>
+                        </a:lnTlToBr>
+                        <a:lnBlToTr w="12700" cmpd="sng">
+                          <a:noFill/>
+                          <a:prstDash val="solid"/>
+                        </a:lnBlToTr>
+                        <a:noFill/>
+                      </a:tcPr>
+                    </a:tc>
+                    <a:tc hMerge="1">
+                      <a:txBody>
+                        <a:bodyPr/>
+                        <a:lstStyle/>
+                        <a:p>
+                          <a:endParaRPr lang="es-CO" sz="2800" dirty="0">
+                            <a:solidFill>
+                              <a:schemeClr val="tx1"/>
+                            </a:solidFill>
+                          </a:endParaRPr>
+                        </a:p>
+                      </a:txBody>
+                      <a:tcPr>
+                        <a:lnL w="12700" cap="flat" cmpd="sng" algn="ctr">
+                          <a:noFill/>
+                          <a:prstDash val="solid"/>
+                          <a:round/>
+                          <a:headEnd type="none" w="med" len="med"/>
+                          <a:tailEnd type="none" w="med" len="med"/>
+                        </a:lnL>
+                        <a:lnR w="12700" cap="flat" cmpd="sng" algn="ctr">
+                          <a:noFill/>
+                          <a:prstDash val="solid"/>
+                          <a:round/>
+                          <a:headEnd type="none" w="med" len="med"/>
+                          <a:tailEnd type="none" w="med" len="med"/>
+                        </a:lnR>
+                        <a:lnT w="12700" cap="flat" cmpd="sng" algn="ctr">
+                          <a:solidFill>
+                            <a:schemeClr val="tx1"/>
+                          </a:solidFill>
+                          <a:prstDash val="solid"/>
+                          <a:round/>
+                          <a:headEnd type="none" w="med" len="med"/>
+                          <a:tailEnd type="none" w="med" len="med"/>
+                        </a:lnT>
+                        <a:lnB w="12700" cap="flat" cmpd="sng" algn="ctr">
+                          <a:solidFill>
+                            <a:schemeClr val="tx1"/>
+                          </a:solidFill>
+                          <a:prstDash val="solid"/>
+                          <a:round/>
+                          <a:headEnd type="none" w="med" len="med"/>
+                          <a:tailEnd type="none" w="med" len="med"/>
+                        </a:lnB>
+                        <a:lnTlToBr w="12700" cmpd="sng">
+                          <a:noFill/>
+                          <a:prstDash val="solid"/>
+                        </a:lnTlToBr>
+                        <a:lnBlToTr w="12700" cmpd="sng">
+                          <a:noFill/>
+                          <a:prstDash val="solid"/>
+                        </a:lnBlToTr>
+                        <a:noFill/>
+                      </a:tcPr>
+                    </a:tc>
+                    <a:extLst>
+                      <a:ext uri="{0D108BD9-81ED-4DB2-BD59-A6C34878D82A}">
+                        <a16:rowId xmlns:a16="http://schemas.microsoft.com/office/drawing/2014/main" val="3353754832"/>
+                      </a:ext>
+                    </a:extLst>
+                  </a:tr>
+                  <a:tr h="381080">
+                    <a:tc vMerge="1">
+                      <a:txBody>
+                        <a:bodyPr/>
+                        <a:lstStyle/>
+                        <a:p>
+                          <a:r>
+                            <a:rPr lang="es-ES" sz="2800" dirty="0">
+                              <a:solidFill>
+                                <a:schemeClr val="tx1"/>
+                              </a:solidFill>
+                            </a:rPr>
+                            <a:t>Año</a:t>
+                          </a:r>
+                          <a:endParaRPr lang="es-CO" sz="2800" dirty="0">
+                            <a:solidFill>
+                              <a:schemeClr val="tx1"/>
+                            </a:solidFill>
+                          </a:endParaRPr>
+                        </a:p>
+                      </a:txBody>
+                      <a:tcPr>
+                        <a:lnL w="12700" cap="flat" cmpd="sng" algn="ctr">
+                          <a:noFill/>
+                          <a:prstDash val="solid"/>
+                          <a:round/>
+                          <a:headEnd type="none" w="med" len="med"/>
+                          <a:tailEnd type="none" w="med" len="med"/>
+                        </a:lnL>
+                        <a:lnR w="12700" cap="flat" cmpd="sng" algn="ctr">
+                          <a:noFill/>
+                          <a:prstDash val="solid"/>
+                          <a:round/>
+                          <a:headEnd type="none" w="med" len="med"/>
+                          <a:tailEnd type="none" w="med" len="med"/>
+                        </a:lnR>
+                        <a:lnT w="12700" cap="flat" cmpd="sng" algn="ctr">
+                          <a:solidFill>
+                            <a:schemeClr val="tx1"/>
+                          </a:solidFill>
+                          <a:prstDash val="solid"/>
+                          <a:round/>
+                          <a:headEnd type="none" w="med" len="med"/>
+                          <a:tailEnd type="none" w="med" len="med"/>
+                        </a:lnT>
+                        <a:lnB w="12700" cap="flat" cmpd="sng" algn="ctr">
+                          <a:solidFill>
+                            <a:schemeClr val="tx1"/>
+                          </a:solidFill>
+                          <a:prstDash val="solid"/>
+                          <a:round/>
+                          <a:headEnd type="none" w="med" len="med"/>
+                          <a:tailEnd type="none" w="med" len="med"/>
+                        </a:lnB>
+                        <a:lnTlToBr w="12700" cmpd="sng">
+                          <a:noFill/>
+                          <a:prstDash val="solid"/>
+                        </a:lnTlToBr>
+                        <a:lnBlToTr w="12700" cmpd="sng">
+                          <a:noFill/>
+                          <a:prstDash val="solid"/>
+                        </a:lnBlToTr>
+                        <a:noFill/>
+                      </a:tcPr>
+                    </a:tc>
+                    <a:tc>
+                      <a:txBody>
+                        <a:bodyPr/>
+                        <a:lstStyle/>
+                        <a:p>
+                          <a:pPr algn="ctr"/>
+                          <a:r>
+                            <a:rPr lang="es-ES" sz="2800" b="1" dirty="0">
+                              <a:solidFill>
+                                <a:schemeClr val="tx1"/>
+                              </a:solidFill>
+                            </a:rPr>
+                            <a:t>S</a:t>
+                          </a:r>
+                          <a:r>
+                            <a:rPr lang="es-CO" sz="2800" b="1" dirty="0" err="1">
+                              <a:solidFill>
+                                <a:schemeClr val="tx1"/>
+                              </a:solidFill>
+                            </a:rPr>
+                            <a:t>ierra</a:t>
+                          </a:r>
+                          <a:r>
+                            <a:rPr lang="es-CO" sz="2800" b="1" dirty="0">
+                              <a:solidFill>
+                                <a:schemeClr val="tx1"/>
+                              </a:solidFill>
+                            </a:rPr>
+                            <a:t> Nevada de Santa Marta</a:t>
+                          </a:r>
+                        </a:p>
+                      </a:txBody>
+                      <a:tcPr>
+                        <a:lnL w="12700" cap="flat" cmpd="sng" algn="ctr">
+                          <a:noFill/>
+                          <a:prstDash val="solid"/>
+                          <a:round/>
+                          <a:headEnd type="none" w="med" len="med"/>
+                          <a:tailEnd type="none" w="med" len="med"/>
+                        </a:lnL>
+                        <a:lnR w="12700" cap="flat" cmpd="sng" algn="ctr">
+                          <a:noFill/>
+                          <a:prstDash val="solid"/>
+                          <a:round/>
+                          <a:headEnd type="none" w="med" len="med"/>
+                          <a:tailEnd type="none" w="med" len="med"/>
+                        </a:lnR>
+                        <a:lnT w="12700" cap="flat" cmpd="sng" algn="ctr">
+                          <a:solidFill>
+                            <a:schemeClr val="tx1"/>
+                          </a:solidFill>
+                          <a:prstDash val="solid"/>
+                          <a:round/>
+                          <a:headEnd type="none" w="med" len="med"/>
+                          <a:tailEnd type="none" w="med" len="med"/>
+                        </a:lnT>
+                        <a:lnB w="12700" cap="flat" cmpd="sng" algn="ctr">
+                          <a:solidFill>
+                            <a:schemeClr val="tx1"/>
+                          </a:solidFill>
+                          <a:prstDash val="solid"/>
+                          <a:round/>
+                          <a:headEnd type="none" w="med" len="med"/>
+                          <a:tailEnd type="none" w="med" len="med"/>
+                        </a:lnB>
+                        <a:lnTlToBr w="12700" cmpd="sng">
+                          <a:noFill/>
+                          <a:prstDash val="solid"/>
+                        </a:lnTlToBr>
+                        <a:lnBlToTr w="12700" cmpd="sng">
+                          <a:noFill/>
+                          <a:prstDash val="solid"/>
+                        </a:lnBlToTr>
+                        <a:noFill/>
+                      </a:tcPr>
+                    </a:tc>
+                    <a:tc>
+                      <a:txBody>
+                        <a:bodyPr/>
+                        <a:lstStyle/>
+                        <a:p>
+                          <a:pPr algn="ctr"/>
+                          <a:r>
+                            <a:rPr lang="es-CO" sz="2800" b="1" dirty="0">
+                              <a:solidFill>
+                                <a:schemeClr val="tx1"/>
+                              </a:solidFill>
+                            </a:rPr>
+                            <a:t>Nevado del Cocuy</a:t>
+                          </a:r>
+                        </a:p>
+                      </a:txBody>
+                      <a:tcPr>
+                        <a:lnL w="12700" cap="flat" cmpd="sng" algn="ctr">
+                          <a:noFill/>
+                          <a:prstDash val="solid"/>
+                          <a:round/>
+                          <a:headEnd type="none" w="med" len="med"/>
+                          <a:tailEnd type="none" w="med" len="med"/>
+                        </a:lnL>
+                        <a:lnR w="12700" cap="flat" cmpd="sng" algn="ctr">
+                          <a:noFill/>
+                          <a:prstDash val="solid"/>
+                          <a:round/>
+                          <a:headEnd type="none" w="med" len="med"/>
+                          <a:tailEnd type="none" w="med" len="med"/>
+                        </a:lnR>
+                        <a:lnT w="12700" cap="flat" cmpd="sng" algn="ctr">
+                          <a:solidFill>
+                            <a:schemeClr val="tx1"/>
+                          </a:solidFill>
+                          <a:prstDash val="solid"/>
+                          <a:round/>
+                          <a:headEnd type="none" w="med" len="med"/>
+                          <a:tailEnd type="none" w="med" len="med"/>
+                        </a:lnT>
+                        <a:lnB w="12700" cap="flat" cmpd="sng" algn="ctr">
+                          <a:solidFill>
+                            <a:schemeClr val="tx1"/>
+                          </a:solidFill>
+                          <a:prstDash val="solid"/>
+                          <a:round/>
+                          <a:headEnd type="none" w="med" len="med"/>
+                          <a:tailEnd type="none" w="med" len="med"/>
+                        </a:lnB>
+                        <a:lnTlToBr w="12700" cmpd="sng">
+                          <a:noFill/>
+                          <a:prstDash val="solid"/>
+                        </a:lnTlToBr>
+                        <a:lnBlToTr w="12700" cmpd="sng">
+                          <a:noFill/>
+                          <a:prstDash val="solid"/>
+                        </a:lnBlToTr>
+                        <a:noFill/>
+                      </a:tcPr>
+                    </a:tc>
+                    <a:extLst>
+                      <a:ext uri="{0D108BD9-81ED-4DB2-BD59-A6C34878D82A}">
+                        <a16:rowId xmlns:a16="http://schemas.microsoft.com/office/drawing/2014/main" val="800405218"/>
+                      </a:ext>
+                    </a:extLst>
+                  </a:tr>
+                  <a:tr h="605782">
+                    <a:tc>
+                      <a:txBody>
+                        <a:bodyPr/>
+                        <a:lstStyle/>
+                        <a:p>
+                          <a:r>
+                            <a:rPr lang="es-ES" sz="2800" dirty="0">
+                              <a:solidFill>
+                                <a:schemeClr val="tx1"/>
+                              </a:solidFill>
+                            </a:rPr>
+                            <a:t>1990</a:t>
+                          </a:r>
+                          <a:endParaRPr lang="es-CO" sz="2800" dirty="0">
+                            <a:solidFill>
+                              <a:schemeClr val="tx1"/>
+                            </a:solidFill>
+                          </a:endParaRPr>
+                        </a:p>
+                      </a:txBody>
+                      <a:tcPr>
+                        <a:lnL w="12700" cap="flat" cmpd="sng" algn="ctr">
+                          <a:noFill/>
+                          <a:prstDash val="solid"/>
+                          <a:round/>
+                          <a:headEnd type="none" w="med" len="med"/>
+                          <a:tailEnd type="none" w="med" len="med"/>
+                        </a:lnL>
+                        <a:lnR w="12700" cap="flat" cmpd="sng" algn="ctr">
+                          <a:noFill/>
+                          <a:prstDash val="solid"/>
+                          <a:round/>
+                          <a:headEnd type="none" w="med" len="med"/>
+                          <a:tailEnd type="none" w="med" len="med"/>
+                        </a:lnR>
+                        <a:lnT w="12700" cap="flat" cmpd="sng" algn="ctr">
+                          <a:solidFill>
+                            <a:schemeClr val="tx1"/>
+                          </a:solidFill>
+                          <a:prstDash val="solid"/>
+                          <a:round/>
+                          <a:headEnd type="none" w="med" len="med"/>
+                          <a:tailEnd type="none" w="med" len="med"/>
+                        </a:lnT>
+                        <a:lnB w="12700" cap="flat" cmpd="sng" algn="ctr">
+                          <a:noFill/>
+                          <a:prstDash val="solid"/>
+                          <a:round/>
+                          <a:headEnd type="none" w="med" len="med"/>
+                          <a:tailEnd type="none" w="med" len="med"/>
+                        </a:lnB>
+                        <a:lnTlToBr w="12700" cmpd="sng">
+                          <a:noFill/>
+                          <a:prstDash val="solid"/>
+                        </a:lnTlToBr>
+                        <a:lnBlToTr w="12700" cmpd="sng">
+                          <a:noFill/>
+                          <a:prstDash val="solid"/>
+                        </a:lnBlToTr>
+                        <a:noFill/>
+                      </a:tcPr>
+                    </a:tc>
+                    <a:tc>
+                      <a:txBody>
+                        <a:bodyPr/>
+                        <a:lstStyle/>
+                        <a:p>
+                          <a:pPr algn="ctr"/>
+                          <a:r>
+                            <a:rPr lang="es-CO" sz="2800" dirty="0">
+                              <a:solidFill>
+                                <a:schemeClr val="tx1"/>
+                              </a:solidFill>
+                            </a:rPr>
+                            <a:t>30,81107</a:t>
+                          </a:r>
+                        </a:p>
+                      </a:txBody>
+                      <a:tcPr>
+                        <a:lnL w="12700" cap="flat" cmpd="sng" algn="ctr">
+                          <a:noFill/>
+                          <a:prstDash val="solid"/>
+                          <a:round/>
+                          <a:headEnd type="none" w="med" len="med"/>
+                          <a:tailEnd type="none" w="med" len="med"/>
+                        </a:lnL>
+                        <a:lnR w="12700" cap="flat" cmpd="sng" algn="ctr">
+                          <a:noFill/>
+                          <a:prstDash val="solid"/>
+                          <a:round/>
+                          <a:headEnd type="none" w="med" len="med"/>
+                          <a:tailEnd type="none" w="med" len="med"/>
+                        </a:lnR>
+                        <a:lnT w="12700" cap="flat" cmpd="sng" algn="ctr">
+                          <a:solidFill>
+                            <a:schemeClr val="tx1"/>
+                          </a:solidFill>
+                          <a:prstDash val="solid"/>
+                          <a:round/>
+                          <a:headEnd type="none" w="med" len="med"/>
+                          <a:tailEnd type="none" w="med" len="med"/>
+                        </a:lnT>
+                        <a:lnB w="12700" cap="flat" cmpd="sng" algn="ctr">
+                          <a:noFill/>
+                          <a:prstDash val="solid"/>
+                          <a:round/>
+                          <a:headEnd type="none" w="med" len="med"/>
+                          <a:tailEnd type="none" w="med" len="med"/>
+                        </a:lnB>
+                        <a:lnTlToBr w="12700" cmpd="sng">
+                          <a:noFill/>
+                          <a:prstDash val="solid"/>
+                        </a:lnTlToBr>
+                        <a:lnBlToTr w="12700" cmpd="sng">
+                          <a:noFill/>
+                          <a:prstDash val="solid"/>
+                        </a:lnBlToTr>
+                        <a:noFill/>
+                      </a:tcPr>
+                    </a:tc>
+                    <a:tc>
+                      <a:txBody>
+                        <a:bodyPr/>
+                        <a:lstStyle/>
+                        <a:p>
+                          <a:pPr algn="ctr"/>
+                          <a:r>
+                            <a:rPr lang="es-ES" sz="2800" dirty="0">
+                              <a:solidFill>
+                                <a:schemeClr val="tx1"/>
+                              </a:solidFill>
+                            </a:rPr>
+                            <a:t>-</a:t>
+                          </a:r>
+                          <a:endParaRPr lang="es-CO" sz="2800" dirty="0">
+                            <a:solidFill>
+                              <a:schemeClr val="tx1"/>
+                            </a:solidFill>
+                          </a:endParaRPr>
+                        </a:p>
+                      </a:txBody>
+                      <a:tcPr>
+                        <a:lnL w="12700" cap="flat" cmpd="sng" algn="ctr">
+                          <a:noFill/>
+                          <a:prstDash val="solid"/>
+                          <a:round/>
+                          <a:headEnd type="none" w="med" len="med"/>
+                          <a:tailEnd type="none" w="med" len="med"/>
+                        </a:lnL>
+                        <a:lnR w="12700" cap="flat" cmpd="sng" algn="ctr">
+                          <a:noFill/>
+                          <a:prstDash val="solid"/>
+                          <a:round/>
+                          <a:headEnd type="none" w="med" len="med"/>
+                          <a:tailEnd type="none" w="med" len="med"/>
+                        </a:lnR>
+                        <a:lnT w="12700" cap="flat" cmpd="sng" algn="ctr">
+                          <a:solidFill>
+                            <a:schemeClr val="tx1"/>
+                          </a:solidFill>
+                          <a:prstDash val="solid"/>
+                          <a:round/>
+                          <a:headEnd type="none" w="med" len="med"/>
+                          <a:tailEnd type="none" w="med" len="med"/>
+                        </a:lnT>
+                        <a:lnB w="12700" cap="flat" cmpd="sng" algn="ctr">
+                          <a:noFill/>
+                          <a:prstDash val="solid"/>
+                          <a:round/>
+                          <a:headEnd type="none" w="med" len="med"/>
+                          <a:tailEnd type="none" w="med" len="med"/>
+                        </a:lnB>
+                        <a:lnTlToBr w="12700" cmpd="sng">
+                          <a:noFill/>
+                          <a:prstDash val="solid"/>
+                        </a:lnTlToBr>
+                        <a:lnBlToTr w="12700" cmpd="sng">
+                          <a:noFill/>
+                          <a:prstDash val="solid"/>
+                        </a:lnBlToTr>
+                        <a:noFill/>
+                      </a:tcPr>
+                    </a:tc>
+                    <a:extLst>
+                      <a:ext uri="{0D108BD9-81ED-4DB2-BD59-A6C34878D82A}">
+                        <a16:rowId xmlns:a16="http://schemas.microsoft.com/office/drawing/2014/main" val="4156057461"/>
+                      </a:ext>
+                    </a:extLst>
+                  </a:tr>
+                  <a:tr h="605782">
+                    <a:tc>
+                      <a:txBody>
+                        <a:bodyPr/>
+                        <a:lstStyle/>
+                        <a:p>
+                          <a:r>
+                            <a:rPr lang="es-CO" sz="2800" dirty="0">
+                              <a:solidFill>
+                                <a:schemeClr val="tx1"/>
+                              </a:solidFill>
+                            </a:rPr>
+                            <a:t>1995</a:t>
+                          </a:r>
+                        </a:p>
+                      </a:txBody>
+                      <a:tcPr>
+                        <a:lnL w="12700" cap="flat" cmpd="sng" algn="ctr">
+                          <a:noFill/>
+                          <a:prstDash val="solid"/>
+                          <a:round/>
+                          <a:headEnd type="none" w="med" len="med"/>
+                          <a:tailEnd type="none" w="med" len="med"/>
+                        </a:lnL>
+                        <a:lnR w="12700" cap="flat" cmpd="sng" algn="ctr">
+                          <a:noFill/>
+                          <a:prstDash val="solid"/>
+                          <a:round/>
+                          <a:headEnd type="none" w="med" len="med"/>
+                          <a:tailEnd type="none" w="med" len="med"/>
+                        </a:lnR>
+                        <a:lnT w="12700" cap="flat" cmpd="sng" algn="ctr">
+                          <a:noFill/>
+                          <a:prstDash val="solid"/>
+                          <a:round/>
+                          <a:headEnd type="none" w="med" len="med"/>
+                          <a:tailEnd type="none" w="med" len="med"/>
+                        </a:lnT>
+                        <a:lnB w="12700" cap="flat" cmpd="sng" algn="ctr">
+                          <a:noFill/>
+                          <a:prstDash val="solid"/>
+                          <a:round/>
+                          <a:headEnd type="none" w="med" len="med"/>
+                          <a:tailEnd type="none" w="med" len="med"/>
+                        </a:lnB>
+                        <a:lnTlToBr w="12700" cmpd="sng">
+                          <a:noFill/>
+                          <a:prstDash val="solid"/>
+                        </a:lnTlToBr>
+                        <a:lnBlToTr w="12700" cmpd="sng">
+                          <a:noFill/>
+                          <a:prstDash val="solid"/>
+                        </a:lnBlToTr>
+                        <a:noFill/>
+                      </a:tcPr>
+                    </a:tc>
+                    <a:tc>
+                      <a:txBody>
+                        <a:bodyPr/>
+                        <a:lstStyle/>
+                        <a:p>
+                          <a:pPr algn="ctr"/>
+                          <a:r>
+                            <a:rPr lang="es-CO" sz="2800" dirty="0">
+                              <a:solidFill>
+                                <a:schemeClr val="tx1"/>
+                              </a:solidFill>
+                            </a:rPr>
+                            <a:t>32,22735</a:t>
+                          </a:r>
+                        </a:p>
+                      </a:txBody>
+                      <a:tcPr>
+                        <a:lnL w="12700" cap="flat" cmpd="sng" algn="ctr">
+                          <a:noFill/>
+                          <a:prstDash val="solid"/>
+                          <a:round/>
+                          <a:headEnd type="none" w="med" len="med"/>
+                          <a:tailEnd type="none" w="med" len="med"/>
+                        </a:lnL>
+                        <a:lnR w="12700" cap="flat" cmpd="sng" algn="ctr">
+                          <a:noFill/>
+                          <a:prstDash val="solid"/>
+                          <a:round/>
+                          <a:headEnd type="none" w="med" len="med"/>
+                          <a:tailEnd type="none" w="med" len="med"/>
+                        </a:lnR>
+                        <a:lnT w="12700" cap="flat" cmpd="sng" algn="ctr">
+                          <a:noFill/>
+                          <a:prstDash val="solid"/>
+                          <a:round/>
+                          <a:headEnd type="none" w="med" len="med"/>
+                          <a:tailEnd type="none" w="med" len="med"/>
+                        </a:lnT>
+                        <a:lnB w="12700" cap="flat" cmpd="sng" algn="ctr">
+                          <a:noFill/>
+                          <a:prstDash val="solid"/>
+                          <a:round/>
+                          <a:headEnd type="none" w="med" len="med"/>
+                          <a:tailEnd type="none" w="med" len="med"/>
+                        </a:lnB>
+                        <a:lnTlToBr w="12700" cmpd="sng">
+                          <a:noFill/>
+                          <a:prstDash val="solid"/>
+                        </a:lnTlToBr>
+                        <a:lnBlToTr w="12700" cmpd="sng">
+                          <a:noFill/>
+                          <a:prstDash val="solid"/>
+                        </a:lnBlToTr>
+                        <a:noFill/>
+                      </a:tcPr>
+                    </a:tc>
+                    <a:tc>
+                      <a:txBody>
+                        <a:bodyPr/>
+                        <a:lstStyle/>
+                        <a:p>
+                          <a:pPr algn="ctr"/>
+                          <a:r>
+                            <a:rPr lang="es-ES" sz="2800" dirty="0">
+                              <a:solidFill>
+                                <a:schemeClr val="tx1"/>
+                              </a:solidFill>
+                            </a:rPr>
+                            <a:t>-</a:t>
+                          </a:r>
+                          <a:endParaRPr lang="es-CO" sz="2800" dirty="0">
+                            <a:solidFill>
+                              <a:schemeClr val="tx1"/>
+                            </a:solidFill>
+                          </a:endParaRPr>
+                        </a:p>
+                      </a:txBody>
+                      <a:tcPr>
+                        <a:lnL w="12700" cap="flat" cmpd="sng" algn="ctr">
+                          <a:noFill/>
+                          <a:prstDash val="solid"/>
+                          <a:round/>
+                          <a:headEnd type="none" w="med" len="med"/>
+                          <a:tailEnd type="none" w="med" len="med"/>
+                        </a:lnL>
+                        <a:lnR w="12700" cap="flat" cmpd="sng" algn="ctr">
+                          <a:noFill/>
+                          <a:prstDash val="solid"/>
+                          <a:round/>
+                          <a:headEnd type="none" w="med" len="med"/>
+                          <a:tailEnd type="none" w="med" len="med"/>
+                        </a:lnR>
+                        <a:lnT w="12700" cap="flat" cmpd="sng" algn="ctr">
+                          <a:noFill/>
+                          <a:prstDash val="solid"/>
+                          <a:round/>
+                          <a:headEnd type="none" w="med" len="med"/>
+                          <a:tailEnd type="none" w="med" len="med"/>
+                        </a:lnT>
+                        <a:lnB w="12700" cap="flat" cmpd="sng" algn="ctr">
+                          <a:noFill/>
+                          <a:prstDash val="solid"/>
+                          <a:round/>
+                          <a:headEnd type="none" w="med" len="med"/>
+                          <a:tailEnd type="none" w="med" len="med"/>
+                        </a:lnB>
+                        <a:lnTlToBr w="12700" cmpd="sng">
+                          <a:noFill/>
+                          <a:prstDash val="solid"/>
+                        </a:lnTlToBr>
+                        <a:lnBlToTr w="12700" cmpd="sng">
+                          <a:noFill/>
+                          <a:prstDash val="solid"/>
+                        </a:lnBlToTr>
+                        <a:noFill/>
+                      </a:tcPr>
+                    </a:tc>
+                    <a:extLst>
+                      <a:ext uri="{0D108BD9-81ED-4DB2-BD59-A6C34878D82A}">
+                        <a16:rowId xmlns:a16="http://schemas.microsoft.com/office/drawing/2014/main" val="1505560932"/>
+                      </a:ext>
+                    </a:extLst>
+                  </a:tr>
+                  <a:tr h="605782">
+                    <a:tc>
+                      <a:txBody>
+                        <a:bodyPr/>
+                        <a:lstStyle/>
+                        <a:p>
+                          <a:r>
+                            <a:rPr lang="es-ES" sz="2800" dirty="0">
+                              <a:solidFill>
+                                <a:schemeClr val="tx1"/>
+                              </a:solidFill>
+                            </a:rPr>
+                            <a:t>2000</a:t>
+                          </a:r>
+                          <a:endParaRPr lang="es-CO" sz="2800" dirty="0">
+                            <a:solidFill>
+                              <a:schemeClr val="tx1"/>
+                            </a:solidFill>
+                          </a:endParaRPr>
+                        </a:p>
+                      </a:txBody>
+                      <a:tcPr>
+                        <a:lnL w="12700" cap="flat" cmpd="sng" algn="ctr">
+                          <a:noFill/>
+                          <a:prstDash val="solid"/>
+                          <a:round/>
+                          <a:headEnd type="none" w="med" len="med"/>
+                          <a:tailEnd type="none" w="med" len="med"/>
+                        </a:lnL>
+                        <a:lnR w="12700" cap="flat" cmpd="sng" algn="ctr">
+                          <a:noFill/>
+                          <a:prstDash val="solid"/>
+                          <a:round/>
+                          <a:headEnd type="none" w="med" len="med"/>
+                          <a:tailEnd type="none" w="med" len="med"/>
+                        </a:lnR>
+                        <a:lnT w="12700" cap="flat" cmpd="sng" algn="ctr">
+                          <a:noFill/>
+                          <a:prstDash val="solid"/>
+                          <a:round/>
+                          <a:headEnd type="none" w="med" len="med"/>
+                          <a:tailEnd type="none" w="med" len="med"/>
+                        </a:lnT>
+                        <a:lnB w="12700" cap="flat" cmpd="sng" algn="ctr">
+                          <a:noFill/>
+                          <a:prstDash val="solid"/>
+                          <a:round/>
+                          <a:headEnd type="none" w="med" len="med"/>
+                          <a:tailEnd type="none" w="med" len="med"/>
+                        </a:lnB>
+                        <a:lnTlToBr w="12700" cmpd="sng">
+                          <a:noFill/>
+                          <a:prstDash val="solid"/>
+                        </a:lnTlToBr>
+                        <a:lnBlToTr w="12700" cmpd="sng">
+                          <a:noFill/>
+                          <a:prstDash val="solid"/>
+                        </a:lnBlToTr>
+                        <a:noFill/>
+                      </a:tcPr>
+                    </a:tc>
+                    <a:tc>
+                      <a:txBody>
+                        <a:bodyPr/>
+                        <a:lstStyle/>
+                        <a:p>
+                          <a:pPr algn="ctr"/>
+                          <a:r>
+                            <a:rPr lang="es-CO" sz="2800" dirty="0">
+                              <a:solidFill>
+                                <a:schemeClr val="tx1"/>
+                              </a:solidFill>
+                            </a:rPr>
+                            <a:t>31,275</a:t>
+                          </a:r>
+                        </a:p>
+                      </a:txBody>
+                      <a:tcPr>
+                        <a:lnL w="12700" cap="flat" cmpd="sng" algn="ctr">
+                          <a:noFill/>
+                          <a:prstDash val="solid"/>
+                          <a:round/>
+                          <a:headEnd type="none" w="med" len="med"/>
+                          <a:tailEnd type="none" w="med" len="med"/>
+                        </a:lnL>
+                        <a:lnR w="12700" cap="flat" cmpd="sng" algn="ctr">
+                          <a:noFill/>
+                          <a:prstDash val="solid"/>
+                          <a:round/>
+                          <a:headEnd type="none" w="med" len="med"/>
+                          <a:tailEnd type="none" w="med" len="med"/>
+                        </a:lnR>
+                        <a:lnT w="12700" cap="flat" cmpd="sng" algn="ctr">
+                          <a:noFill/>
+                          <a:prstDash val="solid"/>
+                          <a:round/>
+                          <a:headEnd type="none" w="med" len="med"/>
+                          <a:tailEnd type="none" w="med" len="med"/>
+                        </a:lnT>
+                        <a:lnB w="12700" cap="flat" cmpd="sng" algn="ctr">
+                          <a:noFill/>
+                          <a:prstDash val="solid"/>
+                          <a:round/>
+                          <a:headEnd type="none" w="med" len="med"/>
+                          <a:tailEnd type="none" w="med" len="med"/>
+                        </a:lnB>
+                        <a:lnTlToBr w="12700" cmpd="sng">
+                          <a:noFill/>
+                          <a:prstDash val="solid"/>
+                        </a:lnTlToBr>
+                        <a:lnBlToTr w="12700" cmpd="sng">
+                          <a:noFill/>
+                          <a:prstDash val="solid"/>
+                        </a:lnBlToTr>
+                        <a:noFill/>
+                      </a:tcPr>
+                    </a:tc>
+                    <a:tc>
+                      <a:txBody>
+                        <a:bodyPr/>
+                        <a:lstStyle/>
+                        <a:p>
+                          <a:pPr algn="ctr"/>
+                          <a:r>
+                            <a:rPr lang="es-CO" sz="2800" dirty="0">
+                              <a:solidFill>
+                                <a:schemeClr val="tx1"/>
+                              </a:solidFill>
+                            </a:rPr>
+                            <a:t>36,6155</a:t>
+                          </a:r>
+                        </a:p>
+                      </a:txBody>
+                      <a:tcPr>
+                        <a:lnL w="12700" cap="flat" cmpd="sng" algn="ctr">
+                          <a:noFill/>
+                          <a:prstDash val="solid"/>
+                          <a:round/>
+                          <a:headEnd type="none" w="med" len="med"/>
+                          <a:tailEnd type="none" w="med" len="med"/>
+                        </a:lnL>
+                        <a:lnR w="12700" cap="flat" cmpd="sng" algn="ctr">
+                          <a:noFill/>
+                          <a:prstDash val="solid"/>
+                          <a:round/>
+                          <a:headEnd type="none" w="med" len="med"/>
+                          <a:tailEnd type="none" w="med" len="med"/>
+                        </a:lnR>
+                        <a:lnT w="12700" cap="flat" cmpd="sng" algn="ctr">
+                          <a:noFill/>
+                          <a:prstDash val="solid"/>
+                          <a:round/>
+                          <a:headEnd type="none" w="med" len="med"/>
+                          <a:tailEnd type="none" w="med" len="med"/>
+                        </a:lnT>
+                        <a:lnB w="12700" cap="flat" cmpd="sng" algn="ctr">
+                          <a:noFill/>
+                          <a:prstDash val="solid"/>
+                          <a:round/>
+                          <a:headEnd type="none" w="med" len="med"/>
+                          <a:tailEnd type="none" w="med" len="med"/>
+                        </a:lnB>
+                        <a:lnTlToBr w="12700" cmpd="sng">
+                          <a:noFill/>
+                          <a:prstDash val="solid"/>
+                        </a:lnTlToBr>
+                        <a:lnBlToTr w="12700" cmpd="sng">
+                          <a:noFill/>
+                          <a:prstDash val="solid"/>
+                        </a:lnBlToTr>
+                        <a:noFill/>
+                      </a:tcPr>
+                    </a:tc>
+                    <a:extLst>
+                      <a:ext uri="{0D108BD9-81ED-4DB2-BD59-A6C34878D82A}">
+                        <a16:rowId xmlns:a16="http://schemas.microsoft.com/office/drawing/2014/main" val="2354040788"/>
+                      </a:ext>
+                    </a:extLst>
+                  </a:tr>
+                  <a:tr h="605782">
+                    <a:tc>
+                      <a:txBody>
+                        <a:bodyPr/>
+                        <a:lstStyle/>
+                        <a:p>
+                          <a:r>
+                            <a:rPr lang="es-ES" sz="2800" dirty="0">
+                              <a:solidFill>
+                                <a:schemeClr val="tx1"/>
+                              </a:solidFill>
+                            </a:rPr>
+                            <a:t>2005</a:t>
+                          </a:r>
+                          <a:endParaRPr lang="es-CO" sz="2800" dirty="0">
+                            <a:solidFill>
+                              <a:schemeClr val="tx1"/>
+                            </a:solidFill>
+                          </a:endParaRPr>
+                        </a:p>
+                      </a:txBody>
+                      <a:tcPr>
+                        <a:lnL w="12700" cap="flat" cmpd="sng" algn="ctr">
+                          <a:noFill/>
+                          <a:prstDash val="solid"/>
+                          <a:round/>
+                          <a:headEnd type="none" w="med" len="med"/>
+                          <a:tailEnd type="none" w="med" len="med"/>
+                        </a:lnL>
+                        <a:lnR w="12700" cap="flat" cmpd="sng" algn="ctr">
+                          <a:noFill/>
+                          <a:prstDash val="solid"/>
+                          <a:round/>
+                          <a:headEnd type="none" w="med" len="med"/>
+                          <a:tailEnd type="none" w="med" len="med"/>
+                        </a:lnR>
+                        <a:lnT w="12700" cap="flat" cmpd="sng" algn="ctr">
+                          <a:noFill/>
+                          <a:prstDash val="solid"/>
+                          <a:round/>
+                          <a:headEnd type="none" w="med" len="med"/>
+                          <a:tailEnd type="none" w="med" len="med"/>
+                        </a:lnT>
+                        <a:lnB w="12700" cap="flat" cmpd="sng" algn="ctr">
+                          <a:noFill/>
+                          <a:prstDash val="solid"/>
+                          <a:round/>
+                          <a:headEnd type="none" w="med" len="med"/>
+                          <a:tailEnd type="none" w="med" len="med"/>
+                        </a:lnB>
+                        <a:lnTlToBr w="12700" cmpd="sng">
+                          <a:noFill/>
+                          <a:prstDash val="solid"/>
+                        </a:lnTlToBr>
+                        <a:lnBlToTr w="12700" cmpd="sng">
+                          <a:noFill/>
+                          <a:prstDash val="solid"/>
+                        </a:lnBlToTr>
+                        <a:noFill/>
+                      </a:tcPr>
+                    </a:tc>
+                    <a:tc>
+                      <a:txBody>
+                        <a:bodyPr/>
+                        <a:lstStyle/>
+                        <a:p>
+                          <a:pPr algn="ctr"/>
+                          <a:r>
+                            <a:rPr lang="es-CO" sz="2800" dirty="0">
+                              <a:solidFill>
+                                <a:schemeClr val="tx1"/>
+                              </a:solidFill>
+                            </a:rPr>
+                            <a:t>9,5244</a:t>
+                          </a:r>
+                        </a:p>
+                      </a:txBody>
+                      <a:tcPr>
+                        <a:lnL w="12700" cap="flat" cmpd="sng" algn="ctr">
+                          <a:noFill/>
+                          <a:prstDash val="solid"/>
+                          <a:round/>
+                          <a:headEnd type="none" w="med" len="med"/>
+                          <a:tailEnd type="none" w="med" len="med"/>
+                        </a:lnL>
+                        <a:lnR w="12700" cap="flat" cmpd="sng" algn="ctr">
+                          <a:noFill/>
+                          <a:prstDash val="solid"/>
+                          <a:round/>
+                          <a:headEnd type="none" w="med" len="med"/>
+                          <a:tailEnd type="none" w="med" len="med"/>
+                        </a:lnR>
+                        <a:lnT w="12700" cap="flat" cmpd="sng" algn="ctr">
+                          <a:noFill/>
+                          <a:prstDash val="solid"/>
+                          <a:round/>
+                          <a:headEnd type="none" w="med" len="med"/>
+                          <a:tailEnd type="none" w="med" len="med"/>
+                        </a:lnT>
+                        <a:lnB w="12700" cap="flat" cmpd="sng" algn="ctr">
+                          <a:noFill/>
+                          <a:prstDash val="solid"/>
+                          <a:round/>
+                          <a:headEnd type="none" w="med" len="med"/>
+                          <a:tailEnd type="none" w="med" len="med"/>
+                        </a:lnB>
+                        <a:lnTlToBr w="12700" cmpd="sng">
+                          <a:noFill/>
+                          <a:prstDash val="solid"/>
+                        </a:lnTlToBr>
+                        <a:lnBlToTr w="12700" cmpd="sng">
+                          <a:noFill/>
+                          <a:prstDash val="solid"/>
+                        </a:lnBlToTr>
+                        <a:noFill/>
+                      </a:tcPr>
+                    </a:tc>
+                    <a:tc>
+                      <a:txBody>
+                        <a:bodyPr/>
+                        <a:lstStyle/>
+                        <a:p>
+                          <a:pPr algn="ctr"/>
+                          <a:r>
+                            <a:rPr lang="es-ES" sz="2800" dirty="0">
+                              <a:solidFill>
+                                <a:schemeClr val="tx1"/>
+                              </a:solidFill>
+                            </a:rPr>
+                            <a:t>-</a:t>
+                          </a:r>
+                          <a:endParaRPr lang="es-CO" sz="2800" dirty="0">
+                            <a:solidFill>
+                              <a:schemeClr val="tx1"/>
+                            </a:solidFill>
+                          </a:endParaRPr>
+                        </a:p>
+                      </a:txBody>
+                      <a:tcPr>
+                        <a:lnL w="12700" cap="flat" cmpd="sng" algn="ctr">
+                          <a:noFill/>
+                          <a:prstDash val="solid"/>
+                          <a:round/>
+                          <a:headEnd type="none" w="med" len="med"/>
+                          <a:tailEnd type="none" w="med" len="med"/>
+                        </a:lnL>
+                        <a:lnR w="12700" cap="flat" cmpd="sng" algn="ctr">
+                          <a:noFill/>
+                          <a:prstDash val="solid"/>
+                          <a:round/>
+                          <a:headEnd type="none" w="med" len="med"/>
+                          <a:tailEnd type="none" w="med" len="med"/>
+                        </a:lnR>
+                        <a:lnT w="12700" cap="flat" cmpd="sng" algn="ctr">
+                          <a:noFill/>
+                          <a:prstDash val="solid"/>
+                          <a:round/>
+                          <a:headEnd type="none" w="med" len="med"/>
+                          <a:tailEnd type="none" w="med" len="med"/>
+                        </a:lnT>
+                        <a:lnB w="12700" cap="flat" cmpd="sng" algn="ctr">
+                          <a:noFill/>
+                          <a:prstDash val="solid"/>
+                          <a:round/>
+                          <a:headEnd type="none" w="med" len="med"/>
+                          <a:tailEnd type="none" w="med" len="med"/>
+                        </a:lnB>
+                        <a:lnTlToBr w="12700" cmpd="sng">
+                          <a:noFill/>
+                          <a:prstDash val="solid"/>
+                        </a:lnTlToBr>
+                        <a:lnBlToTr w="12700" cmpd="sng">
+                          <a:noFill/>
+                          <a:prstDash val="solid"/>
+                        </a:lnBlToTr>
+                        <a:noFill/>
+                      </a:tcPr>
+                    </a:tc>
+                    <a:extLst>
+                      <a:ext uri="{0D108BD9-81ED-4DB2-BD59-A6C34878D82A}">
+                        <a16:rowId xmlns:a16="http://schemas.microsoft.com/office/drawing/2014/main" val="10226221"/>
+                      </a:ext>
+                    </a:extLst>
+                  </a:tr>
+                  <a:tr h="605782">
+                    <a:tc>
+                      <a:txBody>
+                        <a:bodyPr/>
+                        <a:lstStyle/>
+                        <a:p>
+                          <a:r>
+                            <a:rPr lang="es-ES" sz="2800" dirty="0">
+                              <a:solidFill>
+                                <a:schemeClr val="tx1"/>
+                              </a:solidFill>
+                            </a:rPr>
+                            <a:t>2015</a:t>
+                          </a:r>
+                          <a:endParaRPr lang="es-CO" sz="2800" dirty="0">
+                            <a:solidFill>
+                              <a:schemeClr val="tx1"/>
+                            </a:solidFill>
+                          </a:endParaRPr>
+                        </a:p>
+                      </a:txBody>
+                      <a:tcPr>
+                        <a:lnL w="12700" cap="flat" cmpd="sng" algn="ctr">
+                          <a:noFill/>
+                          <a:prstDash val="solid"/>
+                          <a:round/>
+                          <a:headEnd type="none" w="med" len="med"/>
+                          <a:tailEnd type="none" w="med" len="med"/>
+                        </a:lnL>
+                        <a:lnR w="12700" cap="flat" cmpd="sng" algn="ctr">
+                          <a:noFill/>
+                          <a:prstDash val="solid"/>
+                          <a:round/>
+                          <a:headEnd type="none" w="med" len="med"/>
+                          <a:tailEnd type="none" w="med" len="med"/>
+                        </a:lnR>
+                        <a:lnT w="12700" cap="flat" cmpd="sng" algn="ctr">
+                          <a:noFill/>
+                          <a:prstDash val="solid"/>
+                          <a:round/>
+                          <a:headEnd type="none" w="med" len="med"/>
+                          <a:tailEnd type="none" w="med" len="med"/>
+                        </a:lnT>
+                        <a:lnB w="12700" cap="flat" cmpd="sng" algn="ctr">
+                          <a:noFill/>
+                          <a:prstDash val="solid"/>
+                          <a:round/>
+                          <a:headEnd type="none" w="med" len="med"/>
+                          <a:tailEnd type="none" w="med" len="med"/>
+                        </a:lnB>
+                        <a:lnTlToBr w="12700" cmpd="sng">
+                          <a:noFill/>
+                          <a:prstDash val="solid"/>
+                        </a:lnTlToBr>
+                        <a:lnBlToTr w="12700" cmpd="sng">
+                          <a:noFill/>
+                          <a:prstDash val="solid"/>
+                        </a:lnBlToTr>
+                        <a:noFill/>
+                      </a:tcPr>
+                    </a:tc>
+                    <a:tc>
+                      <a:txBody>
+                        <a:bodyPr/>
+                        <a:lstStyle/>
+                        <a:p>
+                          <a:pPr algn="ctr"/>
+                          <a:r>
+                            <a:rPr lang="es-CO" sz="2800" dirty="0">
+                              <a:solidFill>
+                                <a:schemeClr val="tx1"/>
+                              </a:solidFill>
+                            </a:rPr>
+                            <a:t>8,55459</a:t>
+                          </a:r>
+                        </a:p>
+                      </a:txBody>
+                      <a:tcPr>
+                        <a:lnL w="12700" cap="flat" cmpd="sng" algn="ctr">
+                          <a:noFill/>
+                          <a:prstDash val="solid"/>
+                          <a:round/>
+                          <a:headEnd type="none" w="med" len="med"/>
+                          <a:tailEnd type="none" w="med" len="med"/>
+                        </a:lnL>
+                        <a:lnR w="12700" cap="flat" cmpd="sng" algn="ctr">
+                          <a:noFill/>
+                          <a:prstDash val="solid"/>
+                          <a:round/>
+                          <a:headEnd type="none" w="med" len="med"/>
+                          <a:tailEnd type="none" w="med" len="med"/>
+                        </a:lnR>
+                        <a:lnT w="12700" cap="flat" cmpd="sng" algn="ctr">
+                          <a:noFill/>
+                          <a:prstDash val="solid"/>
+                          <a:round/>
+                          <a:headEnd type="none" w="med" len="med"/>
+                          <a:tailEnd type="none" w="med" len="med"/>
+                        </a:lnT>
+                        <a:lnB w="12700" cap="flat" cmpd="sng" algn="ctr">
+                          <a:noFill/>
+                          <a:prstDash val="solid"/>
+                          <a:round/>
+                          <a:headEnd type="none" w="med" len="med"/>
+                          <a:tailEnd type="none" w="med" len="med"/>
+                        </a:lnB>
+                        <a:lnTlToBr w="12700" cmpd="sng">
+                          <a:noFill/>
+                          <a:prstDash val="solid"/>
+                        </a:lnTlToBr>
+                        <a:lnBlToTr w="12700" cmpd="sng">
+                          <a:noFill/>
+                          <a:prstDash val="solid"/>
+                        </a:lnBlToTr>
+                        <a:noFill/>
+                      </a:tcPr>
+                    </a:tc>
+                    <a:tc>
+                      <a:txBody>
+                        <a:bodyPr/>
+                        <a:lstStyle/>
+                        <a:p>
+                          <a:pPr algn="ctr"/>
+                          <a:r>
+                            <a:rPr lang="es-CO" sz="2800" dirty="0">
+                              <a:solidFill>
+                                <a:schemeClr val="tx1"/>
+                              </a:solidFill>
+                            </a:rPr>
+                            <a:t>29,14878</a:t>
+                          </a:r>
+                        </a:p>
+                      </a:txBody>
+                      <a:tcPr>
+                        <a:lnL w="12700" cap="flat" cmpd="sng" algn="ctr">
+                          <a:noFill/>
+                          <a:prstDash val="solid"/>
+                          <a:round/>
+                          <a:headEnd type="none" w="med" len="med"/>
+                          <a:tailEnd type="none" w="med" len="med"/>
+                        </a:lnL>
+                        <a:lnR w="12700" cap="flat" cmpd="sng" algn="ctr">
+                          <a:noFill/>
+                          <a:prstDash val="solid"/>
+                          <a:round/>
+                          <a:headEnd type="none" w="med" len="med"/>
+                          <a:tailEnd type="none" w="med" len="med"/>
+                        </a:lnR>
+                        <a:lnT w="12700" cap="flat" cmpd="sng" algn="ctr">
+                          <a:noFill/>
+                          <a:prstDash val="solid"/>
+                          <a:round/>
+                          <a:headEnd type="none" w="med" len="med"/>
+                          <a:tailEnd type="none" w="med" len="med"/>
+                        </a:lnT>
+                        <a:lnB w="12700" cap="flat" cmpd="sng" algn="ctr">
+                          <a:noFill/>
+                          <a:prstDash val="solid"/>
+                          <a:round/>
+                          <a:headEnd type="none" w="med" len="med"/>
+                          <a:tailEnd type="none" w="med" len="med"/>
+                        </a:lnB>
+                        <a:lnTlToBr w="12700" cmpd="sng">
+                          <a:noFill/>
+                          <a:prstDash val="solid"/>
+                        </a:lnTlToBr>
+                        <a:lnBlToTr w="12700" cmpd="sng">
+                          <a:noFill/>
+                          <a:prstDash val="solid"/>
+                        </a:lnBlToTr>
+                        <a:noFill/>
+                      </a:tcPr>
+                    </a:tc>
+                    <a:extLst>
+                      <a:ext uri="{0D108BD9-81ED-4DB2-BD59-A6C34878D82A}">
+                        <a16:rowId xmlns:a16="http://schemas.microsoft.com/office/drawing/2014/main" val="3430069668"/>
+                      </a:ext>
+                    </a:extLst>
+                  </a:tr>
+                  <a:tr h="810243">
+                    <a:tc>
+                      <a:txBody>
+                        <a:bodyPr/>
+                        <a:lstStyle/>
+                        <a:p>
+                          <a:r>
+                            <a:rPr lang="es-ES" sz="2800" dirty="0">
+                              <a:solidFill>
+                                <a:schemeClr val="tx1"/>
+                              </a:solidFill>
+                            </a:rPr>
+                            <a:t>2020</a:t>
+                          </a:r>
+                          <a:endParaRPr lang="es-CO" sz="2800" dirty="0">
+                            <a:solidFill>
+                              <a:schemeClr val="tx1"/>
+                            </a:solidFill>
+                          </a:endParaRPr>
+                        </a:p>
+                      </a:txBody>
+                      <a:tcPr>
+                        <a:lnL w="12700" cap="flat" cmpd="sng" algn="ctr">
+                          <a:noFill/>
+                          <a:prstDash val="solid"/>
+                          <a:round/>
+                          <a:headEnd type="none" w="med" len="med"/>
+                          <a:tailEnd type="none" w="med" len="med"/>
+                        </a:lnL>
+                        <a:lnR w="12700" cap="flat" cmpd="sng" algn="ctr">
+                          <a:noFill/>
+                          <a:prstDash val="solid"/>
+                          <a:round/>
+                          <a:headEnd type="none" w="med" len="med"/>
+                          <a:tailEnd type="none" w="med" len="med"/>
+                        </a:lnR>
+                        <a:lnT w="12700" cap="flat" cmpd="sng" algn="ctr">
+                          <a:noFill/>
+                          <a:prstDash val="solid"/>
+                          <a:round/>
+                          <a:headEnd type="none" w="med" len="med"/>
+                          <a:tailEnd type="none" w="med" len="med"/>
+                        </a:lnT>
+                        <a:lnB w="12700" cap="flat" cmpd="sng" algn="ctr">
+                          <a:noFill/>
+                          <a:prstDash val="solid"/>
+                          <a:round/>
+                          <a:headEnd type="none" w="med" len="med"/>
+                          <a:tailEnd type="none" w="med" len="med"/>
+                        </a:lnB>
+                        <a:lnTlToBr w="12700" cmpd="sng">
+                          <a:noFill/>
+                          <a:prstDash val="solid"/>
+                        </a:lnTlToBr>
+                        <a:lnBlToTr w="12700" cmpd="sng">
+                          <a:noFill/>
+                          <a:prstDash val="solid"/>
+                        </a:lnBlToTr>
+                        <a:noFill/>
+                      </a:tcPr>
+                    </a:tc>
+                    <a:tc>
+                      <a:txBody>
+                        <a:bodyPr/>
+                        <a:lstStyle/>
+                        <a:p>
+                          <a:pPr algn="ctr"/>
+                          <a:r>
+                            <a:rPr lang="es-CO" sz="2800" dirty="0">
+                              <a:solidFill>
+                                <a:schemeClr val="tx1"/>
+                              </a:solidFill>
+                            </a:rPr>
+                            <a:t>10,64378</a:t>
+                          </a:r>
+                        </a:p>
+                      </a:txBody>
+                      <a:tcPr>
+                        <a:lnL w="12700" cap="flat" cmpd="sng" algn="ctr">
+                          <a:noFill/>
+                          <a:prstDash val="solid"/>
+                          <a:round/>
+                          <a:headEnd type="none" w="med" len="med"/>
+                          <a:tailEnd type="none" w="med" len="med"/>
+                        </a:lnL>
+                        <a:lnR w="12700" cap="flat" cmpd="sng" algn="ctr">
+                          <a:noFill/>
+                          <a:prstDash val="solid"/>
+                          <a:round/>
+                          <a:headEnd type="none" w="med" len="med"/>
+                          <a:tailEnd type="none" w="med" len="med"/>
+                        </a:lnR>
+                        <a:lnT w="12700" cap="flat" cmpd="sng" algn="ctr">
+                          <a:noFill/>
+                          <a:prstDash val="solid"/>
+                          <a:round/>
+                          <a:headEnd type="none" w="med" len="med"/>
+                          <a:tailEnd type="none" w="med" len="med"/>
+                        </a:lnT>
+                        <a:lnB w="12700" cap="flat" cmpd="sng" algn="ctr">
+                          <a:noFill/>
+                          <a:prstDash val="solid"/>
+                          <a:round/>
+                          <a:headEnd type="none" w="med" len="med"/>
+                          <a:tailEnd type="none" w="med" len="med"/>
+                        </a:lnB>
+                        <a:lnTlToBr w="12700" cmpd="sng">
+                          <a:noFill/>
+                          <a:prstDash val="solid"/>
+                        </a:lnTlToBr>
+                        <a:lnBlToTr w="12700" cmpd="sng">
+                          <a:noFill/>
+                          <a:prstDash val="solid"/>
+                        </a:lnBlToTr>
+                        <a:noFill/>
+                      </a:tcPr>
+                    </a:tc>
+                    <a:tc>
+                      <a:txBody>
+                        <a:bodyPr/>
+                        <a:lstStyle/>
+                        <a:p>
+                          <a:pPr algn="ctr"/>
+                          <a:r>
+                            <a:rPr lang="es-CO" sz="2800" dirty="0">
+                              <a:solidFill>
+                                <a:schemeClr val="tx1"/>
+                              </a:solidFill>
+                            </a:rPr>
+                            <a:t>24,9807</a:t>
+                          </a:r>
+                        </a:p>
+                      </a:txBody>
+                      <a:tcPr>
+                        <a:lnL w="12700" cap="flat" cmpd="sng" algn="ctr">
+                          <a:noFill/>
+                          <a:prstDash val="solid"/>
+                          <a:round/>
+                          <a:headEnd type="none" w="med" len="med"/>
+                          <a:tailEnd type="none" w="med" len="med"/>
+                        </a:lnL>
+                        <a:lnR w="12700" cap="flat" cmpd="sng" algn="ctr">
+                          <a:noFill/>
+                          <a:prstDash val="solid"/>
+                          <a:round/>
+                          <a:headEnd type="none" w="med" len="med"/>
+                          <a:tailEnd type="none" w="med" len="med"/>
+                        </a:lnR>
+                        <a:lnT w="12700" cap="flat" cmpd="sng" algn="ctr">
+                          <a:noFill/>
+                          <a:prstDash val="solid"/>
+                          <a:round/>
+                          <a:headEnd type="none" w="med" len="med"/>
+                          <a:tailEnd type="none" w="med" len="med"/>
+                        </a:lnT>
+                        <a:lnB w="12700" cap="flat" cmpd="sng" algn="ctr">
+                          <a:noFill/>
+                          <a:prstDash val="solid"/>
+                          <a:round/>
+                          <a:headEnd type="none" w="med" len="med"/>
+                          <a:tailEnd type="none" w="med" len="med"/>
+                        </a:lnB>
+                        <a:lnTlToBr w="12700" cmpd="sng">
+                          <a:noFill/>
+                          <a:prstDash val="solid"/>
+                        </a:lnTlToBr>
+                        <a:lnBlToTr w="12700" cmpd="sng">
+                          <a:noFill/>
+                          <a:prstDash val="solid"/>
+                        </a:lnBlToTr>
+                        <a:noFill/>
+                      </a:tcPr>
+                    </a:tc>
+                    <a:extLst>
+                      <a:ext uri="{0D108BD9-81ED-4DB2-BD59-A6C34878D82A}">
+                        <a16:rowId xmlns:a16="http://schemas.microsoft.com/office/drawing/2014/main" val="3379194494"/>
+                      </a:ext>
+                    </a:extLst>
+                  </a:tr>
+                  <a:tr h="605782">
+                    <a:tc>
+                      <a:txBody>
+                        <a:bodyPr/>
+                        <a:lstStyle/>
+                        <a:p>
+                          <a:r>
+                            <a:rPr lang="es-CO" sz="2800" dirty="0">
+                              <a:solidFill>
+                                <a:schemeClr val="tx1"/>
+                              </a:solidFill>
+                            </a:rPr>
+                            <a:t>2023</a:t>
+                          </a:r>
+                        </a:p>
+                      </a:txBody>
+                      <a:tcPr>
+                        <a:lnL w="12700" cap="flat" cmpd="sng" algn="ctr">
+                          <a:noFill/>
+                          <a:prstDash val="solid"/>
+                          <a:round/>
+                          <a:headEnd type="none" w="med" len="med"/>
+                          <a:tailEnd type="none" w="med" len="med"/>
+                        </a:lnL>
+                        <a:lnR w="12700" cap="flat" cmpd="sng" algn="ctr">
+                          <a:noFill/>
+                          <a:prstDash val="solid"/>
+                          <a:round/>
+                          <a:headEnd type="none" w="med" len="med"/>
+                          <a:tailEnd type="none" w="med" len="med"/>
+                        </a:lnR>
+                        <a:lnT w="12700" cap="flat" cmpd="sng" algn="ctr">
+                          <a:noFill/>
+                          <a:prstDash val="solid"/>
+                          <a:round/>
+                          <a:headEnd type="none" w="med" len="med"/>
+                          <a:tailEnd type="none" w="med" len="med"/>
+                        </a:lnT>
+                        <a:lnB w="12700" cap="flat" cmpd="sng" algn="ctr">
+                          <a:solidFill>
+                            <a:schemeClr val="tx1"/>
+                          </a:solidFill>
+                          <a:prstDash val="solid"/>
+                          <a:round/>
+                          <a:headEnd type="none" w="med" len="med"/>
+                          <a:tailEnd type="none" w="med" len="med"/>
+                        </a:lnB>
+                        <a:lnTlToBr w="12700" cmpd="sng">
+                          <a:noFill/>
+                          <a:prstDash val="solid"/>
+                        </a:lnTlToBr>
+                        <a:lnBlToTr w="12700" cmpd="sng">
+                          <a:noFill/>
+                          <a:prstDash val="solid"/>
+                        </a:lnBlToTr>
+                        <a:noFill/>
+                      </a:tcPr>
+                    </a:tc>
+                    <a:tc>
+                      <a:txBody>
+                        <a:bodyPr/>
+                        <a:lstStyle/>
+                        <a:p>
+                          <a:pPr algn="ctr"/>
+                          <a:r>
+                            <a:rPr lang="es-CO" sz="2800" dirty="0">
+                              <a:solidFill>
+                                <a:schemeClr val="tx1"/>
+                              </a:solidFill>
+                            </a:rPr>
+                            <a:t>5,934</a:t>
+                          </a:r>
+                        </a:p>
+                      </a:txBody>
+                      <a:tcPr>
+                        <a:lnL w="12700" cap="flat" cmpd="sng" algn="ctr">
+                          <a:noFill/>
+                          <a:prstDash val="solid"/>
+                          <a:round/>
+                          <a:headEnd type="none" w="med" len="med"/>
+                          <a:tailEnd type="none" w="med" len="med"/>
+                        </a:lnL>
+                        <a:lnR w="12700" cap="flat" cmpd="sng" algn="ctr">
+                          <a:noFill/>
+                          <a:prstDash val="solid"/>
+                          <a:round/>
+                          <a:headEnd type="none" w="med" len="med"/>
+                          <a:tailEnd type="none" w="med" len="med"/>
+                        </a:lnR>
+                        <a:lnT w="12700" cap="flat" cmpd="sng" algn="ctr">
+                          <a:noFill/>
+                          <a:prstDash val="solid"/>
+                          <a:round/>
+                          <a:headEnd type="none" w="med" len="med"/>
+                          <a:tailEnd type="none" w="med" len="med"/>
+                        </a:lnT>
+                        <a:lnB w="12700" cap="flat" cmpd="sng" algn="ctr">
+                          <a:solidFill>
+                            <a:schemeClr val="tx1"/>
+                          </a:solidFill>
+                          <a:prstDash val="solid"/>
+                          <a:round/>
+                          <a:headEnd type="none" w="med" len="med"/>
+                          <a:tailEnd type="none" w="med" len="med"/>
+                        </a:lnB>
+                        <a:lnTlToBr w="12700" cmpd="sng">
+                          <a:noFill/>
+                          <a:prstDash val="solid"/>
+                        </a:lnTlToBr>
+                        <a:lnBlToTr w="12700" cmpd="sng">
+                          <a:noFill/>
+                          <a:prstDash val="solid"/>
+                        </a:lnBlToTr>
+                        <a:noFill/>
+                      </a:tcPr>
+                    </a:tc>
+                    <a:tc>
+                      <a:txBody>
+                        <a:bodyPr/>
+                        <a:lstStyle/>
+                        <a:p>
+                          <a:pPr algn="ctr"/>
+                          <a:r>
+                            <a:rPr lang="es-CO" sz="2800" dirty="0">
+                              <a:solidFill>
+                                <a:schemeClr val="tx1"/>
+                              </a:solidFill>
+                            </a:rPr>
+                            <a:t>23,29683</a:t>
+                          </a:r>
+                        </a:p>
+                      </a:txBody>
+                      <a:tcPr>
+                        <a:lnL w="12700" cap="flat" cmpd="sng" algn="ctr">
+                          <a:noFill/>
+                          <a:prstDash val="solid"/>
+                          <a:round/>
+                          <a:headEnd type="none" w="med" len="med"/>
+                          <a:tailEnd type="none" w="med" len="med"/>
+                        </a:lnL>
+                        <a:lnR w="12700" cap="flat" cmpd="sng" algn="ctr">
+                          <a:noFill/>
+                          <a:prstDash val="solid"/>
+                          <a:round/>
+                          <a:headEnd type="none" w="med" len="med"/>
+                          <a:tailEnd type="none" w="med" len="med"/>
+                        </a:lnR>
+                        <a:lnT w="12700" cap="flat" cmpd="sng" algn="ctr">
+                          <a:noFill/>
+                          <a:prstDash val="solid"/>
+                          <a:round/>
+                          <a:headEnd type="none" w="med" len="med"/>
+                          <a:tailEnd type="none" w="med" len="med"/>
+                        </a:lnT>
+                        <a:lnB w="12700" cap="flat" cmpd="sng" algn="ctr">
+                          <a:solidFill>
+                            <a:schemeClr val="tx1"/>
+                          </a:solidFill>
+                          <a:prstDash val="solid"/>
+                          <a:round/>
+                          <a:headEnd type="none" w="med" len="med"/>
+                          <a:tailEnd type="none" w="med" len="med"/>
+                        </a:lnB>
+                        <a:lnTlToBr w="12700" cmpd="sng">
+                          <a:noFill/>
+                          <a:prstDash val="solid"/>
+                        </a:lnTlToBr>
+                        <a:lnBlToTr w="12700" cmpd="sng">
+                          <a:noFill/>
+                          <a:prstDash val="solid"/>
+                        </a:lnBlToTr>
+                        <a:noFill/>
+                      </a:tcPr>
+                    </a:tc>
+                    <a:extLst>
+                      <a:ext uri="{0D108BD9-81ED-4DB2-BD59-A6C34878D82A}">
+                        <a16:rowId xmlns:a16="http://schemas.microsoft.com/office/drawing/2014/main" val="3280955987"/>
+                      </a:ext>
+                    </a:extLst>
+                  </a:tr>
+                </a:tbl>
+              </a:graphicData>
+            </a:graphic>
+          </p:graphicFrame>
+        </mc:Choice>
+        <mc:Fallback>
+          <p:graphicFrame>
+            <p:nvGraphicFramePr>
+              <p:cNvPr id="15" name="Tabla 15">
+                <a:extLst>
+                  <a:ext uri="{FF2B5EF4-FFF2-40B4-BE49-F238E27FC236}">
+                    <a16:creationId xmlns:a16="http://schemas.microsoft.com/office/drawing/2014/main" id="{6185C5B6-1BC3-C1B4-2B66-66264F7455F7}"/>
+                  </a:ext>
+                </a:extLst>
+              </p:cNvPr>
+              <p:cNvGraphicFramePr>
+                <a:graphicFrameLocks noGrp="1"/>
+              </p:cNvGraphicFramePr>
+              <p:nvPr>
+                <p:extLst>
+                  <p:ext uri="{D42A27DB-BD31-4B8C-83A1-F6EECF244321}">
+                    <p14:modId xmlns:p14="http://schemas.microsoft.com/office/powerpoint/2010/main" val="3340749368"/>
+                  </p:ext>
+                </p:extLst>
+              </p:nvPr>
+            </p:nvGraphicFramePr>
+            <p:xfrm>
+              <a:off x="760133" y="30828625"/>
+              <a:ext cx="17055090" cy="5491415"/>
+            </p:xfrm>
+            <a:graphic>
+              <a:graphicData uri="http://schemas.openxmlformats.org/drawingml/2006/table">
+                <a:tbl>
+                  <a:tblPr firstRow="1" bandRow="1">
+                    <a:tableStyleId>{5C22544A-7EE6-4342-B048-85BDC9FD1C3A}</a:tableStyleId>
+                  </a:tblPr>
+                  <a:tblGrid>
+                    <a:gridCol w="2184341">
+                      <a:extLst>
+                        <a:ext uri="{9D8B030D-6E8A-4147-A177-3AD203B41FA5}">
+                          <a16:colId xmlns:a16="http://schemas.microsoft.com/office/drawing/2014/main" val="1968373173"/>
+                        </a:ext>
+                      </a:extLst>
+                    </a:gridCol>
+                    <a:gridCol w="9185719">
+                      <a:extLst>
+                        <a:ext uri="{9D8B030D-6E8A-4147-A177-3AD203B41FA5}">
+                          <a16:colId xmlns:a16="http://schemas.microsoft.com/office/drawing/2014/main" val="4077059054"/>
+                        </a:ext>
+                      </a:extLst>
+                    </a:gridCol>
+                    <a:gridCol w="5685030">
+                      <a:extLst>
+                        <a:ext uri="{9D8B030D-6E8A-4147-A177-3AD203B41FA5}">
+                          <a16:colId xmlns:a16="http://schemas.microsoft.com/office/drawing/2014/main" val="3029900308"/>
+                        </a:ext>
+                      </a:extLst>
+                    </a:gridCol>
+                  </a:tblGrid>
+                  <a:tr h="528320">
+                    <a:tc rowSpan="2">
+                      <a:txBody>
+                        <a:bodyPr/>
+                        <a:lstStyle/>
+                        <a:p>
+                          <a:r>
+                            <a:rPr lang="es-ES" sz="2800" dirty="0">
+                              <a:solidFill>
+                                <a:schemeClr val="tx1"/>
+                              </a:solidFill>
+                            </a:rPr>
+                            <a:t>Año</a:t>
+                          </a:r>
+                          <a:endParaRPr lang="es-CO" sz="2800" dirty="0">
+                            <a:solidFill>
+                              <a:schemeClr val="tx1"/>
+                            </a:solidFill>
+                          </a:endParaRPr>
+                        </a:p>
+                      </a:txBody>
+                      <a:tcPr>
+                        <a:lnL w="12700" cap="flat" cmpd="sng" algn="ctr">
+                          <a:noFill/>
+                          <a:prstDash val="solid"/>
+                          <a:round/>
+                          <a:headEnd type="none" w="med" len="med"/>
+                          <a:tailEnd type="none" w="med" len="med"/>
+                        </a:lnL>
+                        <a:lnR w="12700" cap="flat" cmpd="sng" algn="ctr">
+                          <a:noFill/>
+                          <a:prstDash val="solid"/>
+                          <a:round/>
+                          <a:headEnd type="none" w="med" len="med"/>
+                          <a:tailEnd type="none" w="med" len="med"/>
+                        </a:lnR>
+                        <a:lnT w="12700" cap="flat" cmpd="sng" algn="ctr">
+                          <a:solidFill>
+                            <a:schemeClr val="tx1"/>
+                          </a:solidFill>
+                          <a:prstDash val="solid"/>
+                          <a:round/>
+                          <a:headEnd type="none" w="med" len="med"/>
+                          <a:tailEnd type="none" w="med" len="med"/>
+                        </a:lnT>
+                        <a:lnB w="12700" cap="flat" cmpd="sng" algn="ctr">
+                          <a:solidFill>
+                            <a:schemeClr val="tx1"/>
+                          </a:solidFill>
+                          <a:prstDash val="solid"/>
+                          <a:round/>
+                          <a:headEnd type="none" w="med" len="med"/>
+                          <a:tailEnd type="none" w="med" len="med"/>
+                        </a:lnB>
+                        <a:lnTlToBr w="12700" cmpd="sng">
+                          <a:noFill/>
+                          <a:prstDash val="solid"/>
+                        </a:lnTlToBr>
+                        <a:lnBlToTr w="12700" cmpd="sng">
+                          <a:noFill/>
+                          <a:prstDash val="solid"/>
+                        </a:lnBlToTr>
+                        <a:noFill/>
+                      </a:tcPr>
+                    </a:tc>
+                    <a:tc gridSpan="2">
+                      <a:txBody>
+                        <a:bodyPr/>
+                        <a:lstStyle/>
+                        <a:p>
+                          <a:endParaRPr lang="es-CO"/>
+                        </a:p>
+                      </a:txBody>
+                      <a:tcPr>
+                        <a:lnL w="12700" cap="flat" cmpd="sng" algn="ctr">
+                          <a:noFill/>
+                          <a:prstDash val="solid"/>
+                          <a:round/>
+                          <a:headEnd type="none" w="med" len="med"/>
+                          <a:tailEnd type="none" w="med" len="med"/>
+                        </a:lnL>
+                        <a:lnR w="12700" cap="flat" cmpd="sng" algn="ctr">
+                          <a:noFill/>
+                          <a:prstDash val="solid"/>
+                          <a:round/>
+                          <a:headEnd type="none" w="med" len="med"/>
+                          <a:tailEnd type="none" w="med" len="med"/>
+                        </a:lnR>
+                        <a:lnT w="12700" cap="flat" cmpd="sng" algn="ctr">
+                          <a:solidFill>
+                            <a:schemeClr val="tx1"/>
+                          </a:solidFill>
+                          <a:prstDash val="solid"/>
+                          <a:round/>
+                          <a:headEnd type="none" w="med" len="med"/>
+                          <a:tailEnd type="none" w="med" len="med"/>
+                        </a:lnT>
+                        <a:lnB w="12700" cap="flat" cmpd="sng" algn="ctr">
+                          <a:solidFill>
+                            <a:schemeClr val="tx1"/>
+                          </a:solidFill>
+                          <a:prstDash val="solid"/>
+                          <a:round/>
+                          <a:headEnd type="none" w="med" len="med"/>
+                          <a:tailEnd type="none" w="med" len="med"/>
+                        </a:lnB>
+                        <a:lnTlToBr w="12700" cmpd="sng">
+                          <a:noFill/>
+                          <a:prstDash val="solid"/>
+                        </a:lnTlToBr>
+                        <a:lnBlToTr w="12700" cmpd="sng">
+                          <a:noFill/>
+                          <a:prstDash val="solid"/>
+                        </a:lnBlToTr>
+                        <a:blipFill>
+                          <a:blip r:embed="rId4"/>
+                          <a:stretch>
+                            <a:fillRect l="-14666" t="-11494" r="-41" b="-951724"/>
+                          </a:stretch>
+                        </a:blipFill>
+                      </a:tcPr>
+                    </a:tc>
+                    <a:tc hMerge="1">
+                      <a:txBody>
+                        <a:bodyPr/>
+                        <a:lstStyle/>
+                        <a:p>
+                          <a:endParaRPr lang="es-CO" sz="2800" dirty="0">
+                            <a:solidFill>
+                              <a:schemeClr val="tx1"/>
+                            </a:solidFill>
+                          </a:endParaRPr>
+                        </a:p>
+                      </a:txBody>
+                      <a:tcPr>
+                        <a:lnL w="12700" cap="flat" cmpd="sng" algn="ctr">
+                          <a:noFill/>
+                          <a:prstDash val="solid"/>
+                          <a:round/>
+                          <a:headEnd type="none" w="med" len="med"/>
+                          <a:tailEnd type="none" w="med" len="med"/>
+                        </a:lnL>
+                        <a:lnR w="12700" cap="flat" cmpd="sng" algn="ctr">
+                          <a:noFill/>
+                          <a:prstDash val="solid"/>
+                          <a:round/>
+                          <a:headEnd type="none" w="med" len="med"/>
+                          <a:tailEnd type="none" w="med" len="med"/>
+                        </a:lnR>
+                        <a:lnT w="12700" cap="flat" cmpd="sng" algn="ctr">
+                          <a:solidFill>
+                            <a:schemeClr val="tx1"/>
+                          </a:solidFill>
+                          <a:prstDash val="solid"/>
+                          <a:round/>
+                          <a:headEnd type="none" w="med" len="med"/>
+                          <a:tailEnd type="none" w="med" len="med"/>
+                        </a:lnT>
+                        <a:lnB w="12700" cap="flat" cmpd="sng" algn="ctr">
+                          <a:solidFill>
+                            <a:schemeClr val="tx1"/>
+                          </a:solidFill>
+                          <a:prstDash val="solid"/>
+                          <a:round/>
+                          <a:headEnd type="none" w="med" len="med"/>
+                          <a:tailEnd type="none" w="med" len="med"/>
+                        </a:lnB>
+                        <a:lnTlToBr w="12700" cmpd="sng">
+                          <a:noFill/>
+                          <a:prstDash val="solid"/>
+                        </a:lnTlToBr>
+                        <a:lnBlToTr w="12700" cmpd="sng">
+                          <a:noFill/>
+                          <a:prstDash val="solid"/>
+                        </a:lnBlToTr>
+                        <a:noFill/>
+                      </a:tcPr>
+                    </a:tc>
+                    <a:extLst>
+                      <a:ext uri="{0D108BD9-81ED-4DB2-BD59-A6C34878D82A}">
+                        <a16:rowId xmlns:a16="http://schemas.microsoft.com/office/drawing/2014/main" val="3353754832"/>
+                      </a:ext>
+                    </a:extLst>
+                  </a:tr>
+                  <a:tr h="518160">
+                    <a:tc vMerge="1">
+                      <a:txBody>
+                        <a:bodyPr/>
+                        <a:lstStyle/>
+                        <a:p>
+                          <a:r>
+                            <a:rPr lang="es-ES" sz="2800" dirty="0">
+                              <a:solidFill>
+                                <a:schemeClr val="tx1"/>
+                              </a:solidFill>
+                            </a:rPr>
+                            <a:t>Año</a:t>
+                          </a:r>
+                          <a:endParaRPr lang="es-CO" sz="2800" dirty="0">
+                            <a:solidFill>
+                              <a:schemeClr val="tx1"/>
+                            </a:solidFill>
+                          </a:endParaRPr>
+                        </a:p>
+                      </a:txBody>
+                      <a:tcPr>
+                        <a:lnL w="12700" cap="flat" cmpd="sng" algn="ctr">
+                          <a:noFill/>
+                          <a:prstDash val="solid"/>
+                          <a:round/>
+                          <a:headEnd type="none" w="med" len="med"/>
+                          <a:tailEnd type="none" w="med" len="med"/>
+                        </a:lnL>
+                        <a:lnR w="12700" cap="flat" cmpd="sng" algn="ctr">
+                          <a:noFill/>
+                          <a:prstDash val="solid"/>
+                          <a:round/>
+                          <a:headEnd type="none" w="med" len="med"/>
+                          <a:tailEnd type="none" w="med" len="med"/>
+                        </a:lnR>
+                        <a:lnT w="12700" cap="flat" cmpd="sng" algn="ctr">
+                          <a:solidFill>
+                            <a:schemeClr val="tx1"/>
+                          </a:solidFill>
+                          <a:prstDash val="solid"/>
+                          <a:round/>
+                          <a:headEnd type="none" w="med" len="med"/>
+                          <a:tailEnd type="none" w="med" len="med"/>
+                        </a:lnT>
+                        <a:lnB w="12700" cap="flat" cmpd="sng" algn="ctr">
+                          <a:solidFill>
+                            <a:schemeClr val="tx1"/>
+                          </a:solidFill>
+                          <a:prstDash val="solid"/>
+                          <a:round/>
+                          <a:headEnd type="none" w="med" len="med"/>
+                          <a:tailEnd type="none" w="med" len="med"/>
+                        </a:lnB>
+                        <a:lnTlToBr w="12700" cmpd="sng">
+                          <a:noFill/>
+                          <a:prstDash val="solid"/>
+                        </a:lnTlToBr>
+                        <a:lnBlToTr w="12700" cmpd="sng">
+                          <a:noFill/>
+                          <a:prstDash val="solid"/>
+                        </a:lnBlToTr>
+                        <a:noFill/>
+                      </a:tcPr>
+                    </a:tc>
+                    <a:tc>
+                      <a:txBody>
+                        <a:bodyPr/>
+                        <a:lstStyle/>
+                        <a:p>
+                          <a:pPr algn="ctr"/>
+                          <a:r>
+                            <a:rPr lang="es-ES" sz="2800" b="1" dirty="0">
+                              <a:solidFill>
+                                <a:schemeClr val="tx1"/>
+                              </a:solidFill>
+                            </a:rPr>
+                            <a:t>S</a:t>
+                          </a:r>
+                          <a:r>
+                            <a:rPr lang="es-CO" sz="2800" b="1" dirty="0" err="1">
+                              <a:solidFill>
+                                <a:schemeClr val="tx1"/>
+                              </a:solidFill>
+                            </a:rPr>
+                            <a:t>ierra</a:t>
+                          </a:r>
+                          <a:r>
+                            <a:rPr lang="es-CO" sz="2800" b="1" dirty="0">
+                              <a:solidFill>
+                                <a:schemeClr val="tx1"/>
+                              </a:solidFill>
+                            </a:rPr>
+                            <a:t> Nevada de Santa Marta</a:t>
+                          </a:r>
+                        </a:p>
+                      </a:txBody>
+                      <a:tcPr>
+                        <a:lnL w="12700" cap="flat" cmpd="sng" algn="ctr">
+                          <a:noFill/>
+                          <a:prstDash val="solid"/>
+                          <a:round/>
+                          <a:headEnd type="none" w="med" len="med"/>
+                          <a:tailEnd type="none" w="med" len="med"/>
+                        </a:lnL>
+                        <a:lnR w="12700" cap="flat" cmpd="sng" algn="ctr">
+                          <a:noFill/>
+                          <a:prstDash val="solid"/>
+                          <a:round/>
+                          <a:headEnd type="none" w="med" len="med"/>
+                          <a:tailEnd type="none" w="med" len="med"/>
+                        </a:lnR>
+                        <a:lnT w="12700" cap="flat" cmpd="sng" algn="ctr">
+                          <a:solidFill>
+                            <a:schemeClr val="tx1"/>
+                          </a:solidFill>
+                          <a:prstDash val="solid"/>
+                          <a:round/>
+                          <a:headEnd type="none" w="med" len="med"/>
+                          <a:tailEnd type="none" w="med" len="med"/>
+                        </a:lnT>
+                        <a:lnB w="12700" cap="flat" cmpd="sng" algn="ctr">
+                          <a:solidFill>
+                            <a:schemeClr val="tx1"/>
+                          </a:solidFill>
+                          <a:prstDash val="solid"/>
+                          <a:round/>
+                          <a:headEnd type="none" w="med" len="med"/>
+                          <a:tailEnd type="none" w="med" len="med"/>
+                        </a:lnB>
+                        <a:lnTlToBr w="12700" cmpd="sng">
+                          <a:noFill/>
+                          <a:prstDash val="solid"/>
+                        </a:lnTlToBr>
+                        <a:lnBlToTr w="12700" cmpd="sng">
+                          <a:noFill/>
+                          <a:prstDash val="solid"/>
+                        </a:lnBlToTr>
+                        <a:noFill/>
+                      </a:tcPr>
+                    </a:tc>
+                    <a:tc>
+                      <a:txBody>
+                        <a:bodyPr/>
+                        <a:lstStyle/>
+                        <a:p>
+                          <a:pPr algn="ctr"/>
+                          <a:r>
+                            <a:rPr lang="es-CO" sz="2800" b="1" dirty="0">
+                              <a:solidFill>
+                                <a:schemeClr val="tx1"/>
+                              </a:solidFill>
+                            </a:rPr>
+                            <a:t>Nevado del Cocuy</a:t>
+                          </a:r>
+                        </a:p>
+                      </a:txBody>
+                      <a:tcPr>
+                        <a:lnL w="12700" cap="flat" cmpd="sng" algn="ctr">
+                          <a:noFill/>
+                          <a:prstDash val="solid"/>
+                          <a:round/>
+                          <a:headEnd type="none" w="med" len="med"/>
+                          <a:tailEnd type="none" w="med" len="med"/>
+                        </a:lnL>
+                        <a:lnR w="12700" cap="flat" cmpd="sng" algn="ctr">
+                          <a:noFill/>
+                          <a:prstDash val="solid"/>
+                          <a:round/>
+                          <a:headEnd type="none" w="med" len="med"/>
+                          <a:tailEnd type="none" w="med" len="med"/>
+                        </a:lnR>
+                        <a:lnT w="12700" cap="flat" cmpd="sng" algn="ctr">
+                          <a:solidFill>
+                            <a:schemeClr val="tx1"/>
+                          </a:solidFill>
+                          <a:prstDash val="solid"/>
+                          <a:round/>
+                          <a:headEnd type="none" w="med" len="med"/>
+                          <a:tailEnd type="none" w="med" len="med"/>
+                        </a:lnT>
+                        <a:lnB w="12700" cap="flat" cmpd="sng" algn="ctr">
+                          <a:solidFill>
+                            <a:schemeClr val="tx1"/>
+                          </a:solidFill>
+                          <a:prstDash val="solid"/>
+                          <a:round/>
+                          <a:headEnd type="none" w="med" len="med"/>
+                          <a:tailEnd type="none" w="med" len="med"/>
+                        </a:lnB>
+                        <a:lnTlToBr w="12700" cmpd="sng">
+                          <a:noFill/>
+                          <a:prstDash val="solid"/>
+                        </a:lnTlToBr>
+                        <a:lnBlToTr w="12700" cmpd="sng">
+                          <a:noFill/>
+                          <a:prstDash val="solid"/>
+                        </a:lnBlToTr>
+                        <a:noFill/>
+                      </a:tcPr>
+                    </a:tc>
+                    <a:extLst>
+                      <a:ext uri="{0D108BD9-81ED-4DB2-BD59-A6C34878D82A}">
+                        <a16:rowId xmlns:a16="http://schemas.microsoft.com/office/drawing/2014/main" val="800405218"/>
+                      </a:ext>
+                    </a:extLst>
+                  </a:tr>
+                  <a:tr h="605782">
+                    <a:tc>
+                      <a:txBody>
+                        <a:bodyPr/>
+                        <a:lstStyle/>
+                        <a:p>
+                          <a:r>
+                            <a:rPr lang="es-ES" sz="2800" dirty="0">
+                              <a:solidFill>
+                                <a:schemeClr val="tx1"/>
+                              </a:solidFill>
+                            </a:rPr>
+                            <a:t>1990</a:t>
+                          </a:r>
+                          <a:endParaRPr lang="es-CO" sz="2800" dirty="0">
+                            <a:solidFill>
+                              <a:schemeClr val="tx1"/>
+                            </a:solidFill>
+                          </a:endParaRPr>
+                        </a:p>
+                      </a:txBody>
+                      <a:tcPr>
+                        <a:lnL w="12700" cap="flat" cmpd="sng" algn="ctr">
+                          <a:noFill/>
+                          <a:prstDash val="solid"/>
+                          <a:round/>
+                          <a:headEnd type="none" w="med" len="med"/>
+                          <a:tailEnd type="none" w="med" len="med"/>
+                        </a:lnL>
+                        <a:lnR w="12700" cap="flat" cmpd="sng" algn="ctr">
+                          <a:noFill/>
+                          <a:prstDash val="solid"/>
+                          <a:round/>
+                          <a:headEnd type="none" w="med" len="med"/>
+                          <a:tailEnd type="none" w="med" len="med"/>
+                        </a:lnR>
+                        <a:lnT w="12700" cap="flat" cmpd="sng" algn="ctr">
+                          <a:solidFill>
+                            <a:schemeClr val="tx1"/>
+                          </a:solidFill>
+                          <a:prstDash val="solid"/>
+                          <a:round/>
+                          <a:headEnd type="none" w="med" len="med"/>
+                          <a:tailEnd type="none" w="med" len="med"/>
+                        </a:lnT>
+                        <a:lnB w="12700" cap="flat" cmpd="sng" algn="ctr">
+                          <a:noFill/>
+                          <a:prstDash val="solid"/>
+                          <a:round/>
+                          <a:headEnd type="none" w="med" len="med"/>
+                          <a:tailEnd type="none" w="med" len="med"/>
+                        </a:lnB>
+                        <a:lnTlToBr w="12700" cmpd="sng">
+                          <a:noFill/>
+                          <a:prstDash val="solid"/>
+                        </a:lnTlToBr>
+                        <a:lnBlToTr w="12700" cmpd="sng">
+                          <a:noFill/>
+                          <a:prstDash val="solid"/>
+                        </a:lnBlToTr>
+                        <a:noFill/>
+                      </a:tcPr>
+                    </a:tc>
+                    <a:tc>
+                      <a:txBody>
+                        <a:bodyPr/>
+                        <a:lstStyle/>
+                        <a:p>
+                          <a:pPr algn="ctr"/>
+                          <a:r>
+                            <a:rPr lang="es-CO" sz="2800" dirty="0">
+                              <a:solidFill>
+                                <a:schemeClr val="tx1"/>
+                              </a:solidFill>
+                            </a:rPr>
+                            <a:t>30,81107</a:t>
+                          </a:r>
+                        </a:p>
+                      </a:txBody>
+                      <a:tcPr>
+                        <a:lnL w="12700" cap="flat" cmpd="sng" algn="ctr">
+                          <a:noFill/>
+                          <a:prstDash val="solid"/>
+                          <a:round/>
+                          <a:headEnd type="none" w="med" len="med"/>
+                          <a:tailEnd type="none" w="med" len="med"/>
+                        </a:lnL>
+                        <a:lnR w="12700" cap="flat" cmpd="sng" algn="ctr">
+                          <a:noFill/>
+                          <a:prstDash val="solid"/>
+                          <a:round/>
+                          <a:headEnd type="none" w="med" len="med"/>
+                          <a:tailEnd type="none" w="med" len="med"/>
+                        </a:lnR>
+                        <a:lnT w="12700" cap="flat" cmpd="sng" algn="ctr">
+                          <a:solidFill>
+                            <a:schemeClr val="tx1"/>
+                          </a:solidFill>
+                          <a:prstDash val="solid"/>
+                          <a:round/>
+                          <a:headEnd type="none" w="med" len="med"/>
+                          <a:tailEnd type="none" w="med" len="med"/>
+                        </a:lnT>
+                        <a:lnB w="12700" cap="flat" cmpd="sng" algn="ctr">
+                          <a:noFill/>
+                          <a:prstDash val="solid"/>
+                          <a:round/>
+                          <a:headEnd type="none" w="med" len="med"/>
+                          <a:tailEnd type="none" w="med" len="med"/>
+                        </a:lnB>
+                        <a:lnTlToBr w="12700" cmpd="sng">
+                          <a:noFill/>
+                          <a:prstDash val="solid"/>
+                        </a:lnTlToBr>
+                        <a:lnBlToTr w="12700" cmpd="sng">
+                          <a:noFill/>
+                          <a:prstDash val="solid"/>
+                        </a:lnBlToTr>
+                        <a:noFill/>
+                      </a:tcPr>
+                    </a:tc>
+                    <a:tc>
+                      <a:txBody>
+                        <a:bodyPr/>
+                        <a:lstStyle/>
+                        <a:p>
+                          <a:pPr algn="ctr"/>
+                          <a:r>
+                            <a:rPr lang="es-ES" sz="2800" dirty="0">
+                              <a:solidFill>
+                                <a:schemeClr val="tx1"/>
+                              </a:solidFill>
+                            </a:rPr>
+                            <a:t>-</a:t>
+                          </a:r>
+                          <a:endParaRPr lang="es-CO" sz="2800" dirty="0">
+                            <a:solidFill>
+                              <a:schemeClr val="tx1"/>
+                            </a:solidFill>
+                          </a:endParaRPr>
+                        </a:p>
+                      </a:txBody>
+                      <a:tcPr>
+                        <a:lnL w="12700" cap="flat" cmpd="sng" algn="ctr">
+                          <a:noFill/>
+                          <a:prstDash val="solid"/>
+                          <a:round/>
+                          <a:headEnd type="none" w="med" len="med"/>
+                          <a:tailEnd type="none" w="med" len="med"/>
+                        </a:lnL>
+                        <a:lnR w="12700" cap="flat" cmpd="sng" algn="ctr">
+                          <a:noFill/>
+                          <a:prstDash val="solid"/>
+                          <a:round/>
+                          <a:headEnd type="none" w="med" len="med"/>
+                          <a:tailEnd type="none" w="med" len="med"/>
+                        </a:lnR>
+                        <a:lnT w="12700" cap="flat" cmpd="sng" algn="ctr">
+                          <a:solidFill>
+                            <a:schemeClr val="tx1"/>
+                          </a:solidFill>
+                          <a:prstDash val="solid"/>
+                          <a:round/>
+                          <a:headEnd type="none" w="med" len="med"/>
+                          <a:tailEnd type="none" w="med" len="med"/>
+                        </a:lnT>
+                        <a:lnB w="12700" cap="flat" cmpd="sng" algn="ctr">
+                          <a:noFill/>
+                          <a:prstDash val="solid"/>
+                          <a:round/>
+                          <a:headEnd type="none" w="med" len="med"/>
+                          <a:tailEnd type="none" w="med" len="med"/>
+                        </a:lnB>
+                        <a:lnTlToBr w="12700" cmpd="sng">
+                          <a:noFill/>
+                          <a:prstDash val="solid"/>
+                        </a:lnTlToBr>
+                        <a:lnBlToTr w="12700" cmpd="sng">
+                          <a:noFill/>
+                          <a:prstDash val="solid"/>
+                        </a:lnBlToTr>
+                        <a:noFill/>
+                      </a:tcPr>
+                    </a:tc>
+                    <a:extLst>
+                      <a:ext uri="{0D108BD9-81ED-4DB2-BD59-A6C34878D82A}">
+                        <a16:rowId xmlns:a16="http://schemas.microsoft.com/office/drawing/2014/main" val="4156057461"/>
+                      </a:ext>
+                    </a:extLst>
+                  </a:tr>
+                  <a:tr h="605782">
+                    <a:tc>
+                      <a:txBody>
+                        <a:bodyPr/>
+                        <a:lstStyle/>
+                        <a:p>
+                          <a:r>
+                            <a:rPr lang="es-CO" sz="2800" dirty="0">
+                              <a:solidFill>
+                                <a:schemeClr val="tx1"/>
+                              </a:solidFill>
+                            </a:rPr>
+                            <a:t>1995</a:t>
+                          </a:r>
+                        </a:p>
+                      </a:txBody>
+                      <a:tcPr>
+                        <a:lnL w="12700" cap="flat" cmpd="sng" algn="ctr">
+                          <a:noFill/>
+                          <a:prstDash val="solid"/>
+                          <a:round/>
+                          <a:headEnd type="none" w="med" len="med"/>
+                          <a:tailEnd type="none" w="med" len="med"/>
+                        </a:lnL>
+                        <a:lnR w="12700" cap="flat" cmpd="sng" algn="ctr">
+                          <a:noFill/>
+                          <a:prstDash val="solid"/>
+                          <a:round/>
+                          <a:headEnd type="none" w="med" len="med"/>
+                          <a:tailEnd type="none" w="med" len="med"/>
+                        </a:lnR>
+                        <a:lnT w="12700" cap="flat" cmpd="sng" algn="ctr">
+                          <a:noFill/>
+                          <a:prstDash val="solid"/>
+                          <a:round/>
+                          <a:headEnd type="none" w="med" len="med"/>
+                          <a:tailEnd type="none" w="med" len="med"/>
+                        </a:lnT>
+                        <a:lnB w="12700" cap="flat" cmpd="sng" algn="ctr">
+                          <a:noFill/>
+                          <a:prstDash val="solid"/>
+                          <a:round/>
+                          <a:headEnd type="none" w="med" len="med"/>
+                          <a:tailEnd type="none" w="med" len="med"/>
+                        </a:lnB>
+                        <a:lnTlToBr w="12700" cmpd="sng">
+                          <a:noFill/>
+                          <a:prstDash val="solid"/>
+                        </a:lnTlToBr>
+                        <a:lnBlToTr w="12700" cmpd="sng">
+                          <a:noFill/>
+                          <a:prstDash val="solid"/>
+                        </a:lnBlToTr>
+                        <a:noFill/>
+                      </a:tcPr>
+                    </a:tc>
+                    <a:tc>
+                      <a:txBody>
+                        <a:bodyPr/>
+                        <a:lstStyle/>
+                        <a:p>
+                          <a:pPr algn="ctr"/>
+                          <a:r>
+                            <a:rPr lang="es-CO" sz="2800" dirty="0">
+                              <a:solidFill>
+                                <a:schemeClr val="tx1"/>
+                              </a:solidFill>
+                            </a:rPr>
+                            <a:t>32,22735</a:t>
+                          </a:r>
+                        </a:p>
+                      </a:txBody>
+                      <a:tcPr>
+                        <a:lnL w="12700" cap="flat" cmpd="sng" algn="ctr">
+                          <a:noFill/>
+                          <a:prstDash val="solid"/>
+                          <a:round/>
+                          <a:headEnd type="none" w="med" len="med"/>
+                          <a:tailEnd type="none" w="med" len="med"/>
+                        </a:lnL>
+                        <a:lnR w="12700" cap="flat" cmpd="sng" algn="ctr">
+                          <a:noFill/>
+                          <a:prstDash val="solid"/>
+                          <a:round/>
+                          <a:headEnd type="none" w="med" len="med"/>
+                          <a:tailEnd type="none" w="med" len="med"/>
+                        </a:lnR>
+                        <a:lnT w="12700" cap="flat" cmpd="sng" algn="ctr">
+                          <a:noFill/>
+                          <a:prstDash val="solid"/>
+                          <a:round/>
+                          <a:headEnd type="none" w="med" len="med"/>
+                          <a:tailEnd type="none" w="med" len="med"/>
+                        </a:lnT>
+                        <a:lnB w="12700" cap="flat" cmpd="sng" algn="ctr">
+                          <a:noFill/>
+                          <a:prstDash val="solid"/>
+                          <a:round/>
+                          <a:headEnd type="none" w="med" len="med"/>
+                          <a:tailEnd type="none" w="med" len="med"/>
+                        </a:lnB>
+                        <a:lnTlToBr w="12700" cmpd="sng">
+                          <a:noFill/>
+                          <a:prstDash val="solid"/>
+                        </a:lnTlToBr>
+                        <a:lnBlToTr w="12700" cmpd="sng">
+                          <a:noFill/>
+                          <a:prstDash val="solid"/>
+                        </a:lnBlToTr>
+                        <a:noFill/>
+                      </a:tcPr>
+                    </a:tc>
+                    <a:tc>
+                      <a:txBody>
+                        <a:bodyPr/>
+                        <a:lstStyle/>
+                        <a:p>
+                          <a:pPr algn="ctr"/>
+                          <a:r>
+                            <a:rPr lang="es-ES" sz="2800" dirty="0">
+                              <a:solidFill>
+                                <a:schemeClr val="tx1"/>
+                              </a:solidFill>
+                            </a:rPr>
+                            <a:t>-</a:t>
+                          </a:r>
+                          <a:endParaRPr lang="es-CO" sz="2800" dirty="0">
+                            <a:solidFill>
+                              <a:schemeClr val="tx1"/>
+                            </a:solidFill>
+                          </a:endParaRPr>
+                        </a:p>
+                      </a:txBody>
+                      <a:tcPr>
+                        <a:lnL w="12700" cap="flat" cmpd="sng" algn="ctr">
+                          <a:noFill/>
+                          <a:prstDash val="solid"/>
+                          <a:round/>
+                          <a:headEnd type="none" w="med" len="med"/>
+                          <a:tailEnd type="none" w="med" len="med"/>
+                        </a:lnL>
+                        <a:lnR w="12700" cap="flat" cmpd="sng" algn="ctr">
+                          <a:noFill/>
+                          <a:prstDash val="solid"/>
+                          <a:round/>
+                          <a:headEnd type="none" w="med" len="med"/>
+                          <a:tailEnd type="none" w="med" len="med"/>
+                        </a:lnR>
+                        <a:lnT w="12700" cap="flat" cmpd="sng" algn="ctr">
+                          <a:noFill/>
+                          <a:prstDash val="solid"/>
+                          <a:round/>
+                          <a:headEnd type="none" w="med" len="med"/>
+                          <a:tailEnd type="none" w="med" len="med"/>
+                        </a:lnT>
+                        <a:lnB w="12700" cap="flat" cmpd="sng" algn="ctr">
+                          <a:noFill/>
+                          <a:prstDash val="solid"/>
+                          <a:round/>
+                          <a:headEnd type="none" w="med" len="med"/>
+                          <a:tailEnd type="none" w="med" len="med"/>
+                        </a:lnB>
+                        <a:lnTlToBr w="12700" cmpd="sng">
+                          <a:noFill/>
+                          <a:prstDash val="solid"/>
+                        </a:lnTlToBr>
+                        <a:lnBlToTr w="12700" cmpd="sng">
+                          <a:noFill/>
+                          <a:prstDash val="solid"/>
+                        </a:lnBlToTr>
+                        <a:noFill/>
+                      </a:tcPr>
+                    </a:tc>
+                    <a:extLst>
+                      <a:ext uri="{0D108BD9-81ED-4DB2-BD59-A6C34878D82A}">
+                        <a16:rowId xmlns:a16="http://schemas.microsoft.com/office/drawing/2014/main" val="1505560932"/>
+                      </a:ext>
+                    </a:extLst>
+                  </a:tr>
+                  <a:tr h="605782">
+                    <a:tc>
+                      <a:txBody>
+                        <a:bodyPr/>
+                        <a:lstStyle/>
+                        <a:p>
+                          <a:r>
+                            <a:rPr lang="es-ES" sz="2800" dirty="0">
+                              <a:solidFill>
+                                <a:schemeClr val="tx1"/>
+                              </a:solidFill>
+                            </a:rPr>
+                            <a:t>2000</a:t>
+                          </a:r>
+                          <a:endParaRPr lang="es-CO" sz="2800" dirty="0">
+                            <a:solidFill>
+                              <a:schemeClr val="tx1"/>
+                            </a:solidFill>
+                          </a:endParaRPr>
+                        </a:p>
+                      </a:txBody>
+                      <a:tcPr>
+                        <a:lnL w="12700" cap="flat" cmpd="sng" algn="ctr">
+                          <a:noFill/>
+                          <a:prstDash val="solid"/>
+                          <a:round/>
+                          <a:headEnd type="none" w="med" len="med"/>
+                          <a:tailEnd type="none" w="med" len="med"/>
+                        </a:lnL>
+                        <a:lnR w="12700" cap="flat" cmpd="sng" algn="ctr">
+                          <a:noFill/>
+                          <a:prstDash val="solid"/>
+                          <a:round/>
+                          <a:headEnd type="none" w="med" len="med"/>
+                          <a:tailEnd type="none" w="med" len="med"/>
+                        </a:lnR>
+                        <a:lnT w="12700" cap="flat" cmpd="sng" algn="ctr">
+                          <a:noFill/>
+                          <a:prstDash val="solid"/>
+                          <a:round/>
+                          <a:headEnd type="none" w="med" len="med"/>
+                          <a:tailEnd type="none" w="med" len="med"/>
+                        </a:lnT>
+                        <a:lnB w="12700" cap="flat" cmpd="sng" algn="ctr">
+                          <a:noFill/>
+                          <a:prstDash val="solid"/>
+                          <a:round/>
+                          <a:headEnd type="none" w="med" len="med"/>
+                          <a:tailEnd type="none" w="med" len="med"/>
+                        </a:lnB>
+                        <a:lnTlToBr w="12700" cmpd="sng">
+                          <a:noFill/>
+                          <a:prstDash val="solid"/>
+                        </a:lnTlToBr>
+                        <a:lnBlToTr w="12700" cmpd="sng">
+                          <a:noFill/>
+                          <a:prstDash val="solid"/>
+                        </a:lnBlToTr>
+                        <a:noFill/>
+                      </a:tcPr>
+                    </a:tc>
+                    <a:tc>
+                      <a:txBody>
+                        <a:bodyPr/>
+                        <a:lstStyle/>
+                        <a:p>
+                          <a:pPr algn="ctr"/>
+                          <a:r>
+                            <a:rPr lang="es-CO" sz="2800" dirty="0">
+                              <a:solidFill>
+                                <a:schemeClr val="tx1"/>
+                              </a:solidFill>
+                            </a:rPr>
+                            <a:t>31,275</a:t>
+                          </a:r>
+                        </a:p>
+                      </a:txBody>
+                      <a:tcPr>
+                        <a:lnL w="12700" cap="flat" cmpd="sng" algn="ctr">
+                          <a:noFill/>
+                          <a:prstDash val="solid"/>
+                          <a:round/>
+                          <a:headEnd type="none" w="med" len="med"/>
+                          <a:tailEnd type="none" w="med" len="med"/>
+                        </a:lnL>
+                        <a:lnR w="12700" cap="flat" cmpd="sng" algn="ctr">
+                          <a:noFill/>
+                          <a:prstDash val="solid"/>
+                          <a:round/>
+                          <a:headEnd type="none" w="med" len="med"/>
+                          <a:tailEnd type="none" w="med" len="med"/>
+                        </a:lnR>
+                        <a:lnT w="12700" cap="flat" cmpd="sng" algn="ctr">
+                          <a:noFill/>
+                          <a:prstDash val="solid"/>
+                          <a:round/>
+                          <a:headEnd type="none" w="med" len="med"/>
+                          <a:tailEnd type="none" w="med" len="med"/>
+                        </a:lnT>
+                        <a:lnB w="12700" cap="flat" cmpd="sng" algn="ctr">
+                          <a:noFill/>
+                          <a:prstDash val="solid"/>
+                          <a:round/>
+                          <a:headEnd type="none" w="med" len="med"/>
+                          <a:tailEnd type="none" w="med" len="med"/>
+                        </a:lnB>
+                        <a:lnTlToBr w="12700" cmpd="sng">
+                          <a:noFill/>
+                          <a:prstDash val="solid"/>
+                        </a:lnTlToBr>
+                        <a:lnBlToTr w="12700" cmpd="sng">
+                          <a:noFill/>
+                          <a:prstDash val="solid"/>
+                        </a:lnBlToTr>
+                        <a:noFill/>
+                      </a:tcPr>
+                    </a:tc>
+                    <a:tc>
+                      <a:txBody>
+                        <a:bodyPr/>
+                        <a:lstStyle/>
+                        <a:p>
+                          <a:pPr algn="ctr"/>
+                          <a:r>
+                            <a:rPr lang="es-CO" sz="2800" dirty="0">
+                              <a:solidFill>
+                                <a:schemeClr val="tx1"/>
+                              </a:solidFill>
+                            </a:rPr>
+                            <a:t>36,6155</a:t>
+                          </a:r>
+                        </a:p>
+                      </a:txBody>
+                      <a:tcPr>
+                        <a:lnL w="12700" cap="flat" cmpd="sng" algn="ctr">
+                          <a:noFill/>
+                          <a:prstDash val="solid"/>
+                          <a:round/>
+                          <a:headEnd type="none" w="med" len="med"/>
+                          <a:tailEnd type="none" w="med" len="med"/>
+                        </a:lnL>
+                        <a:lnR w="12700" cap="flat" cmpd="sng" algn="ctr">
+                          <a:noFill/>
+                          <a:prstDash val="solid"/>
+                          <a:round/>
+                          <a:headEnd type="none" w="med" len="med"/>
+                          <a:tailEnd type="none" w="med" len="med"/>
+                        </a:lnR>
+                        <a:lnT w="12700" cap="flat" cmpd="sng" algn="ctr">
+                          <a:noFill/>
+                          <a:prstDash val="solid"/>
+                          <a:round/>
+                          <a:headEnd type="none" w="med" len="med"/>
+                          <a:tailEnd type="none" w="med" len="med"/>
+                        </a:lnT>
+                        <a:lnB w="12700" cap="flat" cmpd="sng" algn="ctr">
+                          <a:noFill/>
+                          <a:prstDash val="solid"/>
+                          <a:round/>
+                          <a:headEnd type="none" w="med" len="med"/>
+                          <a:tailEnd type="none" w="med" len="med"/>
+                        </a:lnB>
+                        <a:lnTlToBr w="12700" cmpd="sng">
+                          <a:noFill/>
+                          <a:prstDash val="solid"/>
+                        </a:lnTlToBr>
+                        <a:lnBlToTr w="12700" cmpd="sng">
+                          <a:noFill/>
+                          <a:prstDash val="solid"/>
+                        </a:lnBlToTr>
+                        <a:noFill/>
+                      </a:tcPr>
+                    </a:tc>
+                    <a:extLst>
+                      <a:ext uri="{0D108BD9-81ED-4DB2-BD59-A6C34878D82A}">
+                        <a16:rowId xmlns:a16="http://schemas.microsoft.com/office/drawing/2014/main" val="2354040788"/>
+                      </a:ext>
+                    </a:extLst>
+                  </a:tr>
+                  <a:tr h="605782">
+                    <a:tc>
+                      <a:txBody>
+                        <a:bodyPr/>
+                        <a:lstStyle/>
+                        <a:p>
+                          <a:r>
+                            <a:rPr lang="es-ES" sz="2800" dirty="0">
+                              <a:solidFill>
+                                <a:schemeClr val="tx1"/>
+                              </a:solidFill>
+                            </a:rPr>
+                            <a:t>2005</a:t>
+                          </a:r>
+                          <a:endParaRPr lang="es-CO" sz="2800" dirty="0">
+                            <a:solidFill>
+                              <a:schemeClr val="tx1"/>
+                            </a:solidFill>
+                          </a:endParaRPr>
+                        </a:p>
+                      </a:txBody>
+                      <a:tcPr>
+                        <a:lnL w="12700" cap="flat" cmpd="sng" algn="ctr">
+                          <a:noFill/>
+                          <a:prstDash val="solid"/>
+                          <a:round/>
+                          <a:headEnd type="none" w="med" len="med"/>
+                          <a:tailEnd type="none" w="med" len="med"/>
+                        </a:lnL>
+                        <a:lnR w="12700" cap="flat" cmpd="sng" algn="ctr">
+                          <a:noFill/>
+                          <a:prstDash val="solid"/>
+                          <a:round/>
+                          <a:headEnd type="none" w="med" len="med"/>
+                          <a:tailEnd type="none" w="med" len="med"/>
+                        </a:lnR>
+                        <a:lnT w="12700" cap="flat" cmpd="sng" algn="ctr">
+                          <a:noFill/>
+                          <a:prstDash val="solid"/>
+                          <a:round/>
+                          <a:headEnd type="none" w="med" len="med"/>
+                          <a:tailEnd type="none" w="med" len="med"/>
+                        </a:lnT>
+                        <a:lnB w="12700" cap="flat" cmpd="sng" algn="ctr">
+                          <a:noFill/>
+                          <a:prstDash val="solid"/>
+                          <a:round/>
+                          <a:headEnd type="none" w="med" len="med"/>
+                          <a:tailEnd type="none" w="med" len="med"/>
+                        </a:lnB>
+                        <a:lnTlToBr w="12700" cmpd="sng">
+                          <a:noFill/>
+                          <a:prstDash val="solid"/>
+                        </a:lnTlToBr>
+                        <a:lnBlToTr w="12700" cmpd="sng">
+                          <a:noFill/>
+                          <a:prstDash val="solid"/>
+                        </a:lnBlToTr>
+                        <a:noFill/>
+                      </a:tcPr>
+                    </a:tc>
+                    <a:tc>
+                      <a:txBody>
+                        <a:bodyPr/>
+                        <a:lstStyle/>
+                        <a:p>
+                          <a:pPr algn="ctr"/>
+                          <a:r>
+                            <a:rPr lang="es-CO" sz="2800" dirty="0">
+                              <a:solidFill>
+                                <a:schemeClr val="tx1"/>
+                              </a:solidFill>
+                            </a:rPr>
+                            <a:t>9,5244</a:t>
+                          </a:r>
+                        </a:p>
+                      </a:txBody>
+                      <a:tcPr>
+                        <a:lnL w="12700" cap="flat" cmpd="sng" algn="ctr">
+                          <a:noFill/>
+                          <a:prstDash val="solid"/>
+                          <a:round/>
+                          <a:headEnd type="none" w="med" len="med"/>
+                          <a:tailEnd type="none" w="med" len="med"/>
+                        </a:lnL>
+                        <a:lnR w="12700" cap="flat" cmpd="sng" algn="ctr">
+                          <a:noFill/>
+                          <a:prstDash val="solid"/>
+                          <a:round/>
+                          <a:headEnd type="none" w="med" len="med"/>
+                          <a:tailEnd type="none" w="med" len="med"/>
+                        </a:lnR>
+                        <a:lnT w="12700" cap="flat" cmpd="sng" algn="ctr">
+                          <a:noFill/>
+                          <a:prstDash val="solid"/>
+                          <a:round/>
+                          <a:headEnd type="none" w="med" len="med"/>
+                          <a:tailEnd type="none" w="med" len="med"/>
+                        </a:lnT>
+                        <a:lnB w="12700" cap="flat" cmpd="sng" algn="ctr">
+                          <a:noFill/>
+                          <a:prstDash val="solid"/>
+                          <a:round/>
+                          <a:headEnd type="none" w="med" len="med"/>
+                          <a:tailEnd type="none" w="med" len="med"/>
+                        </a:lnB>
+                        <a:lnTlToBr w="12700" cmpd="sng">
+                          <a:noFill/>
+                          <a:prstDash val="solid"/>
+                        </a:lnTlToBr>
+                        <a:lnBlToTr w="12700" cmpd="sng">
+                          <a:noFill/>
+                          <a:prstDash val="solid"/>
+                        </a:lnBlToTr>
+                        <a:noFill/>
+                      </a:tcPr>
+                    </a:tc>
+                    <a:tc>
+                      <a:txBody>
+                        <a:bodyPr/>
+                        <a:lstStyle/>
+                        <a:p>
+                          <a:pPr algn="ctr"/>
+                          <a:r>
+                            <a:rPr lang="es-ES" sz="2800" dirty="0">
+                              <a:solidFill>
+                                <a:schemeClr val="tx1"/>
+                              </a:solidFill>
+                            </a:rPr>
+                            <a:t>-</a:t>
+                          </a:r>
+                          <a:endParaRPr lang="es-CO" sz="2800" dirty="0">
+                            <a:solidFill>
+                              <a:schemeClr val="tx1"/>
+                            </a:solidFill>
+                          </a:endParaRPr>
+                        </a:p>
+                      </a:txBody>
+                      <a:tcPr>
+                        <a:lnL w="12700" cap="flat" cmpd="sng" algn="ctr">
+                          <a:noFill/>
+                          <a:prstDash val="solid"/>
+                          <a:round/>
+                          <a:headEnd type="none" w="med" len="med"/>
+                          <a:tailEnd type="none" w="med" len="med"/>
+                        </a:lnL>
+                        <a:lnR w="12700" cap="flat" cmpd="sng" algn="ctr">
+                          <a:noFill/>
+                          <a:prstDash val="solid"/>
+                          <a:round/>
+                          <a:headEnd type="none" w="med" len="med"/>
+                          <a:tailEnd type="none" w="med" len="med"/>
+                        </a:lnR>
+                        <a:lnT w="12700" cap="flat" cmpd="sng" algn="ctr">
+                          <a:noFill/>
+                          <a:prstDash val="solid"/>
+                          <a:round/>
+                          <a:headEnd type="none" w="med" len="med"/>
+                          <a:tailEnd type="none" w="med" len="med"/>
+                        </a:lnT>
+                        <a:lnB w="12700" cap="flat" cmpd="sng" algn="ctr">
+                          <a:noFill/>
+                          <a:prstDash val="solid"/>
+                          <a:round/>
+                          <a:headEnd type="none" w="med" len="med"/>
+                          <a:tailEnd type="none" w="med" len="med"/>
+                        </a:lnB>
+                        <a:lnTlToBr w="12700" cmpd="sng">
+                          <a:noFill/>
+                          <a:prstDash val="solid"/>
+                        </a:lnTlToBr>
+                        <a:lnBlToTr w="12700" cmpd="sng">
+                          <a:noFill/>
+                          <a:prstDash val="solid"/>
+                        </a:lnBlToTr>
+                        <a:noFill/>
+                      </a:tcPr>
+                    </a:tc>
+                    <a:extLst>
+                      <a:ext uri="{0D108BD9-81ED-4DB2-BD59-A6C34878D82A}">
+                        <a16:rowId xmlns:a16="http://schemas.microsoft.com/office/drawing/2014/main" val="10226221"/>
+                      </a:ext>
+                    </a:extLst>
+                  </a:tr>
+                  <a:tr h="605782">
+                    <a:tc>
+                      <a:txBody>
+                        <a:bodyPr/>
+                        <a:lstStyle/>
+                        <a:p>
+                          <a:r>
+                            <a:rPr lang="es-ES" sz="2800" dirty="0">
+                              <a:solidFill>
+                                <a:schemeClr val="tx1"/>
+                              </a:solidFill>
+                            </a:rPr>
+                            <a:t>2015</a:t>
+                          </a:r>
+                          <a:endParaRPr lang="es-CO" sz="2800" dirty="0">
+                            <a:solidFill>
+                              <a:schemeClr val="tx1"/>
+                            </a:solidFill>
+                          </a:endParaRPr>
+                        </a:p>
+                      </a:txBody>
+                      <a:tcPr>
+                        <a:lnL w="12700" cap="flat" cmpd="sng" algn="ctr">
+                          <a:noFill/>
+                          <a:prstDash val="solid"/>
+                          <a:round/>
+                          <a:headEnd type="none" w="med" len="med"/>
+                          <a:tailEnd type="none" w="med" len="med"/>
+                        </a:lnL>
+                        <a:lnR w="12700" cap="flat" cmpd="sng" algn="ctr">
+                          <a:noFill/>
+                          <a:prstDash val="solid"/>
+                          <a:round/>
+                          <a:headEnd type="none" w="med" len="med"/>
+                          <a:tailEnd type="none" w="med" len="med"/>
+                        </a:lnR>
+                        <a:lnT w="12700" cap="flat" cmpd="sng" algn="ctr">
+                          <a:noFill/>
+                          <a:prstDash val="solid"/>
+                          <a:round/>
+                          <a:headEnd type="none" w="med" len="med"/>
+                          <a:tailEnd type="none" w="med" len="med"/>
+                        </a:lnT>
+                        <a:lnB w="12700" cap="flat" cmpd="sng" algn="ctr">
+                          <a:noFill/>
+                          <a:prstDash val="solid"/>
+                          <a:round/>
+                          <a:headEnd type="none" w="med" len="med"/>
+                          <a:tailEnd type="none" w="med" len="med"/>
+                        </a:lnB>
+                        <a:lnTlToBr w="12700" cmpd="sng">
+                          <a:noFill/>
+                          <a:prstDash val="solid"/>
+                        </a:lnTlToBr>
+                        <a:lnBlToTr w="12700" cmpd="sng">
+                          <a:noFill/>
+                          <a:prstDash val="solid"/>
+                        </a:lnBlToTr>
+                        <a:noFill/>
+                      </a:tcPr>
+                    </a:tc>
+                    <a:tc>
+                      <a:txBody>
+                        <a:bodyPr/>
+                        <a:lstStyle/>
+                        <a:p>
+                          <a:pPr algn="ctr"/>
+                          <a:r>
+                            <a:rPr lang="es-CO" sz="2800" dirty="0">
+                              <a:solidFill>
+                                <a:schemeClr val="tx1"/>
+                              </a:solidFill>
+                            </a:rPr>
+                            <a:t>8,55459</a:t>
+                          </a:r>
+                        </a:p>
+                      </a:txBody>
+                      <a:tcPr>
+                        <a:lnL w="12700" cap="flat" cmpd="sng" algn="ctr">
+                          <a:noFill/>
+                          <a:prstDash val="solid"/>
+                          <a:round/>
+                          <a:headEnd type="none" w="med" len="med"/>
+                          <a:tailEnd type="none" w="med" len="med"/>
+                        </a:lnL>
+                        <a:lnR w="12700" cap="flat" cmpd="sng" algn="ctr">
+                          <a:noFill/>
+                          <a:prstDash val="solid"/>
+                          <a:round/>
+                          <a:headEnd type="none" w="med" len="med"/>
+                          <a:tailEnd type="none" w="med" len="med"/>
+                        </a:lnR>
+                        <a:lnT w="12700" cap="flat" cmpd="sng" algn="ctr">
+                          <a:noFill/>
+                          <a:prstDash val="solid"/>
+                          <a:round/>
+                          <a:headEnd type="none" w="med" len="med"/>
+                          <a:tailEnd type="none" w="med" len="med"/>
+                        </a:lnT>
+                        <a:lnB w="12700" cap="flat" cmpd="sng" algn="ctr">
+                          <a:noFill/>
+                          <a:prstDash val="solid"/>
+                          <a:round/>
+                          <a:headEnd type="none" w="med" len="med"/>
+                          <a:tailEnd type="none" w="med" len="med"/>
+                        </a:lnB>
+                        <a:lnTlToBr w="12700" cmpd="sng">
+                          <a:noFill/>
+                          <a:prstDash val="solid"/>
+                        </a:lnTlToBr>
+                        <a:lnBlToTr w="12700" cmpd="sng">
+                          <a:noFill/>
+                          <a:prstDash val="solid"/>
+                        </a:lnBlToTr>
+                        <a:noFill/>
+                      </a:tcPr>
+                    </a:tc>
+                    <a:tc>
+                      <a:txBody>
+                        <a:bodyPr/>
+                        <a:lstStyle/>
+                        <a:p>
+                          <a:pPr algn="ctr"/>
+                          <a:r>
+                            <a:rPr lang="es-CO" sz="2800" dirty="0">
+                              <a:solidFill>
+                                <a:schemeClr val="tx1"/>
+                              </a:solidFill>
+                            </a:rPr>
+                            <a:t>29,14878</a:t>
+                          </a:r>
+                        </a:p>
+                      </a:txBody>
+                      <a:tcPr>
+                        <a:lnL w="12700" cap="flat" cmpd="sng" algn="ctr">
+                          <a:noFill/>
+                          <a:prstDash val="solid"/>
+                          <a:round/>
+                          <a:headEnd type="none" w="med" len="med"/>
+                          <a:tailEnd type="none" w="med" len="med"/>
+                        </a:lnL>
+                        <a:lnR w="12700" cap="flat" cmpd="sng" algn="ctr">
+                          <a:noFill/>
+                          <a:prstDash val="solid"/>
+                          <a:round/>
+                          <a:headEnd type="none" w="med" len="med"/>
+                          <a:tailEnd type="none" w="med" len="med"/>
+                        </a:lnR>
+                        <a:lnT w="12700" cap="flat" cmpd="sng" algn="ctr">
+                          <a:noFill/>
+                          <a:prstDash val="solid"/>
+                          <a:round/>
+                          <a:headEnd type="none" w="med" len="med"/>
+                          <a:tailEnd type="none" w="med" len="med"/>
+                        </a:lnT>
+                        <a:lnB w="12700" cap="flat" cmpd="sng" algn="ctr">
+                          <a:noFill/>
+                          <a:prstDash val="solid"/>
+                          <a:round/>
+                          <a:headEnd type="none" w="med" len="med"/>
+                          <a:tailEnd type="none" w="med" len="med"/>
+                        </a:lnB>
+                        <a:lnTlToBr w="12700" cmpd="sng">
+                          <a:noFill/>
+                          <a:prstDash val="solid"/>
+                        </a:lnTlToBr>
+                        <a:lnBlToTr w="12700" cmpd="sng">
+                          <a:noFill/>
+                          <a:prstDash val="solid"/>
+                        </a:lnBlToTr>
+                        <a:noFill/>
+                      </a:tcPr>
+                    </a:tc>
+                    <a:extLst>
+                      <a:ext uri="{0D108BD9-81ED-4DB2-BD59-A6C34878D82A}">
+                        <a16:rowId xmlns:a16="http://schemas.microsoft.com/office/drawing/2014/main" val="3430069668"/>
+                      </a:ext>
+                    </a:extLst>
+                  </a:tr>
+                  <a:tr h="810243">
+                    <a:tc>
+                      <a:txBody>
+                        <a:bodyPr/>
+                        <a:lstStyle/>
+                        <a:p>
+                          <a:r>
+                            <a:rPr lang="es-ES" sz="2800" dirty="0">
+                              <a:solidFill>
+                                <a:schemeClr val="tx1"/>
+                              </a:solidFill>
+                            </a:rPr>
+                            <a:t>2020</a:t>
+                          </a:r>
+                          <a:endParaRPr lang="es-CO" sz="2800" dirty="0">
+                            <a:solidFill>
+                              <a:schemeClr val="tx1"/>
+                            </a:solidFill>
+                          </a:endParaRPr>
+                        </a:p>
+                      </a:txBody>
+                      <a:tcPr>
+                        <a:lnL w="12700" cap="flat" cmpd="sng" algn="ctr">
+                          <a:noFill/>
+                          <a:prstDash val="solid"/>
+                          <a:round/>
+                          <a:headEnd type="none" w="med" len="med"/>
+                          <a:tailEnd type="none" w="med" len="med"/>
+                        </a:lnL>
+                        <a:lnR w="12700" cap="flat" cmpd="sng" algn="ctr">
+                          <a:noFill/>
+                          <a:prstDash val="solid"/>
+                          <a:round/>
+                          <a:headEnd type="none" w="med" len="med"/>
+                          <a:tailEnd type="none" w="med" len="med"/>
+                        </a:lnR>
+                        <a:lnT w="12700" cap="flat" cmpd="sng" algn="ctr">
+                          <a:noFill/>
+                          <a:prstDash val="solid"/>
+                          <a:round/>
+                          <a:headEnd type="none" w="med" len="med"/>
+                          <a:tailEnd type="none" w="med" len="med"/>
+                        </a:lnT>
+                        <a:lnB w="12700" cap="flat" cmpd="sng" algn="ctr">
+                          <a:noFill/>
+                          <a:prstDash val="solid"/>
+                          <a:round/>
+                          <a:headEnd type="none" w="med" len="med"/>
+                          <a:tailEnd type="none" w="med" len="med"/>
+                        </a:lnB>
+                        <a:lnTlToBr w="12700" cmpd="sng">
+                          <a:noFill/>
+                          <a:prstDash val="solid"/>
+                        </a:lnTlToBr>
+                        <a:lnBlToTr w="12700" cmpd="sng">
+                          <a:noFill/>
+                          <a:prstDash val="solid"/>
+                        </a:lnBlToTr>
+                        <a:noFill/>
+                      </a:tcPr>
+                    </a:tc>
+                    <a:tc>
+                      <a:txBody>
+                        <a:bodyPr/>
+                        <a:lstStyle/>
+                        <a:p>
+                          <a:pPr algn="ctr"/>
+                          <a:r>
+                            <a:rPr lang="es-CO" sz="2800" dirty="0">
+                              <a:solidFill>
+                                <a:schemeClr val="tx1"/>
+                              </a:solidFill>
+                            </a:rPr>
+                            <a:t>10,64378</a:t>
+                          </a:r>
+                        </a:p>
+                      </a:txBody>
+                      <a:tcPr>
+                        <a:lnL w="12700" cap="flat" cmpd="sng" algn="ctr">
+                          <a:noFill/>
+                          <a:prstDash val="solid"/>
+                          <a:round/>
+                          <a:headEnd type="none" w="med" len="med"/>
+                          <a:tailEnd type="none" w="med" len="med"/>
+                        </a:lnL>
+                        <a:lnR w="12700" cap="flat" cmpd="sng" algn="ctr">
+                          <a:noFill/>
+                          <a:prstDash val="solid"/>
+                          <a:round/>
+                          <a:headEnd type="none" w="med" len="med"/>
+                          <a:tailEnd type="none" w="med" len="med"/>
+                        </a:lnR>
+                        <a:lnT w="12700" cap="flat" cmpd="sng" algn="ctr">
+                          <a:noFill/>
+                          <a:prstDash val="solid"/>
+                          <a:round/>
+                          <a:headEnd type="none" w="med" len="med"/>
+                          <a:tailEnd type="none" w="med" len="med"/>
+                        </a:lnT>
+                        <a:lnB w="12700" cap="flat" cmpd="sng" algn="ctr">
+                          <a:noFill/>
+                          <a:prstDash val="solid"/>
+                          <a:round/>
+                          <a:headEnd type="none" w="med" len="med"/>
+                          <a:tailEnd type="none" w="med" len="med"/>
+                        </a:lnB>
+                        <a:lnTlToBr w="12700" cmpd="sng">
+                          <a:noFill/>
+                          <a:prstDash val="solid"/>
+                        </a:lnTlToBr>
+                        <a:lnBlToTr w="12700" cmpd="sng">
+                          <a:noFill/>
+                          <a:prstDash val="solid"/>
+                        </a:lnBlToTr>
+                        <a:noFill/>
+                      </a:tcPr>
+                    </a:tc>
+                    <a:tc>
+                      <a:txBody>
+                        <a:bodyPr/>
+                        <a:lstStyle/>
+                        <a:p>
+                          <a:pPr algn="ctr"/>
+                          <a:r>
+                            <a:rPr lang="es-CO" sz="2800" dirty="0">
+                              <a:solidFill>
+                                <a:schemeClr val="tx1"/>
+                              </a:solidFill>
+                            </a:rPr>
+                            <a:t>24,9807</a:t>
+                          </a:r>
+                        </a:p>
+                      </a:txBody>
+                      <a:tcPr>
+                        <a:lnL w="12700" cap="flat" cmpd="sng" algn="ctr">
+                          <a:noFill/>
+                          <a:prstDash val="solid"/>
+                          <a:round/>
+                          <a:headEnd type="none" w="med" len="med"/>
+                          <a:tailEnd type="none" w="med" len="med"/>
+                        </a:lnL>
+                        <a:lnR w="12700" cap="flat" cmpd="sng" algn="ctr">
+                          <a:noFill/>
+                          <a:prstDash val="solid"/>
+                          <a:round/>
+                          <a:headEnd type="none" w="med" len="med"/>
+                          <a:tailEnd type="none" w="med" len="med"/>
+                        </a:lnR>
+                        <a:lnT w="12700" cap="flat" cmpd="sng" algn="ctr">
+                          <a:noFill/>
+                          <a:prstDash val="solid"/>
+                          <a:round/>
+                          <a:headEnd type="none" w="med" len="med"/>
+                          <a:tailEnd type="none" w="med" len="med"/>
+                        </a:lnT>
+                        <a:lnB w="12700" cap="flat" cmpd="sng" algn="ctr">
+                          <a:noFill/>
+                          <a:prstDash val="solid"/>
+                          <a:round/>
+                          <a:headEnd type="none" w="med" len="med"/>
+                          <a:tailEnd type="none" w="med" len="med"/>
+                        </a:lnB>
+                        <a:lnTlToBr w="12700" cmpd="sng">
+                          <a:noFill/>
+                          <a:prstDash val="solid"/>
+                        </a:lnTlToBr>
+                        <a:lnBlToTr w="12700" cmpd="sng">
+                          <a:noFill/>
+                          <a:prstDash val="solid"/>
+                        </a:lnBlToTr>
+                        <a:noFill/>
+                      </a:tcPr>
+                    </a:tc>
+                    <a:extLst>
+                      <a:ext uri="{0D108BD9-81ED-4DB2-BD59-A6C34878D82A}">
+                        <a16:rowId xmlns:a16="http://schemas.microsoft.com/office/drawing/2014/main" val="3379194494"/>
+                      </a:ext>
+                    </a:extLst>
+                  </a:tr>
+                  <a:tr h="605782">
+                    <a:tc>
+                      <a:txBody>
+                        <a:bodyPr/>
+                        <a:lstStyle/>
+                        <a:p>
+                          <a:r>
+                            <a:rPr lang="es-CO" sz="2800" dirty="0">
+                              <a:solidFill>
+                                <a:schemeClr val="tx1"/>
+                              </a:solidFill>
+                            </a:rPr>
+                            <a:t>2023</a:t>
+                          </a:r>
+                        </a:p>
+                      </a:txBody>
+                      <a:tcPr>
+                        <a:lnL w="12700" cap="flat" cmpd="sng" algn="ctr">
+                          <a:noFill/>
+                          <a:prstDash val="solid"/>
+                          <a:round/>
+                          <a:headEnd type="none" w="med" len="med"/>
+                          <a:tailEnd type="none" w="med" len="med"/>
+                        </a:lnL>
+                        <a:lnR w="12700" cap="flat" cmpd="sng" algn="ctr">
+                          <a:noFill/>
+                          <a:prstDash val="solid"/>
+                          <a:round/>
+                          <a:headEnd type="none" w="med" len="med"/>
+                          <a:tailEnd type="none" w="med" len="med"/>
+                        </a:lnR>
+                        <a:lnT w="12700" cap="flat" cmpd="sng" algn="ctr">
+                          <a:noFill/>
+                          <a:prstDash val="solid"/>
+                          <a:round/>
+                          <a:headEnd type="none" w="med" len="med"/>
+                          <a:tailEnd type="none" w="med" len="med"/>
+                        </a:lnT>
+                        <a:lnB w="12700" cap="flat" cmpd="sng" algn="ctr">
+                          <a:solidFill>
+                            <a:schemeClr val="tx1"/>
+                          </a:solidFill>
+                          <a:prstDash val="solid"/>
+                          <a:round/>
+                          <a:headEnd type="none" w="med" len="med"/>
+                          <a:tailEnd type="none" w="med" len="med"/>
+                        </a:lnB>
+                        <a:lnTlToBr w="12700" cmpd="sng">
+                          <a:noFill/>
+                          <a:prstDash val="solid"/>
+                        </a:lnTlToBr>
+                        <a:lnBlToTr w="12700" cmpd="sng">
+                          <a:noFill/>
+                          <a:prstDash val="solid"/>
+                        </a:lnBlToTr>
+                        <a:noFill/>
+                      </a:tcPr>
+                    </a:tc>
+                    <a:tc>
+                      <a:txBody>
+                        <a:bodyPr/>
+                        <a:lstStyle/>
+                        <a:p>
+                          <a:pPr algn="ctr"/>
+                          <a:r>
+                            <a:rPr lang="es-CO" sz="2800" dirty="0">
+                              <a:solidFill>
+                                <a:schemeClr val="tx1"/>
+                              </a:solidFill>
+                            </a:rPr>
+                            <a:t>5,934</a:t>
+                          </a:r>
+                        </a:p>
+                      </a:txBody>
+                      <a:tcPr>
+                        <a:lnL w="12700" cap="flat" cmpd="sng" algn="ctr">
+                          <a:noFill/>
+                          <a:prstDash val="solid"/>
+                          <a:round/>
+                          <a:headEnd type="none" w="med" len="med"/>
+                          <a:tailEnd type="none" w="med" len="med"/>
+                        </a:lnL>
+                        <a:lnR w="12700" cap="flat" cmpd="sng" algn="ctr">
+                          <a:noFill/>
+                          <a:prstDash val="solid"/>
+                          <a:round/>
+                          <a:headEnd type="none" w="med" len="med"/>
+                          <a:tailEnd type="none" w="med" len="med"/>
+                        </a:lnR>
+                        <a:lnT w="12700" cap="flat" cmpd="sng" algn="ctr">
+                          <a:noFill/>
+                          <a:prstDash val="solid"/>
+                          <a:round/>
+                          <a:headEnd type="none" w="med" len="med"/>
+                          <a:tailEnd type="none" w="med" len="med"/>
+                        </a:lnT>
+                        <a:lnB w="12700" cap="flat" cmpd="sng" algn="ctr">
+                          <a:solidFill>
+                            <a:schemeClr val="tx1"/>
+                          </a:solidFill>
+                          <a:prstDash val="solid"/>
+                          <a:round/>
+                          <a:headEnd type="none" w="med" len="med"/>
+                          <a:tailEnd type="none" w="med" len="med"/>
+                        </a:lnB>
+                        <a:lnTlToBr w="12700" cmpd="sng">
+                          <a:noFill/>
+                          <a:prstDash val="solid"/>
+                        </a:lnTlToBr>
+                        <a:lnBlToTr w="12700" cmpd="sng">
+                          <a:noFill/>
+                          <a:prstDash val="solid"/>
+                        </a:lnBlToTr>
+                        <a:noFill/>
+                      </a:tcPr>
+                    </a:tc>
+                    <a:tc>
+                      <a:txBody>
+                        <a:bodyPr/>
+                        <a:lstStyle/>
+                        <a:p>
+                          <a:pPr algn="ctr"/>
+                          <a:r>
+                            <a:rPr lang="es-CO" sz="2800" dirty="0">
+                              <a:solidFill>
+                                <a:schemeClr val="tx1"/>
+                              </a:solidFill>
+                            </a:rPr>
+                            <a:t>23,29683</a:t>
+                          </a:r>
+                        </a:p>
+                      </a:txBody>
+                      <a:tcPr>
+                        <a:lnL w="12700" cap="flat" cmpd="sng" algn="ctr">
+                          <a:noFill/>
+                          <a:prstDash val="solid"/>
+                          <a:round/>
+                          <a:headEnd type="none" w="med" len="med"/>
+                          <a:tailEnd type="none" w="med" len="med"/>
+                        </a:lnL>
+                        <a:lnR w="12700" cap="flat" cmpd="sng" algn="ctr">
+                          <a:noFill/>
+                          <a:prstDash val="solid"/>
+                          <a:round/>
+                          <a:headEnd type="none" w="med" len="med"/>
+                          <a:tailEnd type="none" w="med" len="med"/>
+                        </a:lnR>
+                        <a:lnT w="12700" cap="flat" cmpd="sng" algn="ctr">
+                          <a:noFill/>
+                          <a:prstDash val="solid"/>
+                          <a:round/>
+                          <a:headEnd type="none" w="med" len="med"/>
+                          <a:tailEnd type="none" w="med" len="med"/>
+                        </a:lnT>
+                        <a:lnB w="12700" cap="flat" cmpd="sng" algn="ctr">
+                          <a:solidFill>
+                            <a:schemeClr val="tx1"/>
+                          </a:solidFill>
+                          <a:prstDash val="solid"/>
+                          <a:round/>
+                          <a:headEnd type="none" w="med" len="med"/>
+                          <a:tailEnd type="none" w="med" len="med"/>
+                        </a:lnB>
+                        <a:lnTlToBr w="12700" cmpd="sng">
+                          <a:noFill/>
+                          <a:prstDash val="solid"/>
+                        </a:lnTlToBr>
+                        <a:lnBlToTr w="12700" cmpd="sng">
+                          <a:noFill/>
+                          <a:prstDash val="solid"/>
+                        </a:lnBlToTr>
+                        <a:noFill/>
+                      </a:tcPr>
+                    </a:tc>
+                    <a:extLst>
+                      <a:ext uri="{0D108BD9-81ED-4DB2-BD59-A6C34878D82A}">
+                        <a16:rowId xmlns:a16="http://schemas.microsoft.com/office/drawing/2014/main" val="3280955987"/>
+                      </a:ext>
+                    </a:extLst>
+                  </a:tr>
+                </a:tbl>
+              </a:graphicData>
+            </a:graphic>
+          </p:graphicFrame>
+        </mc:Fallback>
+      </mc:AlternateContent>
+      <p:sp>
+        <p:nvSpPr>
+          <p:cNvPr id="16" name="CuadroTexto 15">
+            <a:extLst>
+              <a:ext uri="{FF2B5EF4-FFF2-40B4-BE49-F238E27FC236}">
+                <a16:creationId xmlns:a16="http://schemas.microsoft.com/office/drawing/2014/main" id="{E20B5E1B-4538-7574-8953-76583577E212}"/>
+              </a:ext>
+            </a:extLst>
+          </p:cNvPr>
+          <p:cNvSpPr txBox="1"/>
+          <p:nvPr/>
+        </p:nvSpPr>
+        <p:spPr>
+          <a:xfrm>
+            <a:off x="670534" y="36362767"/>
+            <a:ext cx="17234288" cy="615553"/>
           </a:xfrm>
           <a:prstGeom prst="rect">
             <a:avLst/>
@@ -16958,791 +22097,78 @@
             <a:pPr algn="just"/>
             <a:r>
               <a:rPr lang="es-MX" sz="3400" dirty="0"/>
-              <a:t>Figura 1. </a:t>
-            </a:r>
-            <a:r>
-              <a:rPr lang="es-MX" sz="3400" dirty="0" err="1"/>
-              <a:t>xxxxxxc</a:t>
+              <a:t>Tabla 1. Área de cobertura de hielo en lo Nevados. Fuente: Elaboración propia (2024).</a:t>
             </a:r>
             <a:endParaRPr lang="es-CO" sz="3400" dirty="0"/>
           </a:p>
         </p:txBody>
       </p:sp>
-      <p:graphicFrame>
-        <p:nvGraphicFramePr>
-          <p:cNvPr id="15" name="Tabla 15">
+      <p:pic>
+        <p:nvPicPr>
+          <p:cNvPr id="5" name="Imagen 4" descr="Mapa&#10;&#10;Descripción generada automáticamente">
             <a:extLst>
               <a:ext uri="{FF2B5EF4-FFF2-40B4-BE49-F238E27FC236}">
-                <a16:creationId xmlns:a16="http://schemas.microsoft.com/office/drawing/2014/main" id="{6185C5B6-1BC3-C1B4-2B66-66264F7455F7}"/>
+                <a16:creationId xmlns:a16="http://schemas.microsoft.com/office/drawing/2014/main" id="{E3AAF6B0-7217-4402-3A7D-042F06753E4B}"/>
               </a:ext>
             </a:extLst>
           </p:cNvPr>
-          <p:cNvGraphicFramePr>
-            <a:graphicFrameLocks noGrp="1"/>
-          </p:cNvGraphicFramePr>
-          <p:nvPr>
-            <p:extLst>
-              <p:ext uri="{D42A27DB-BD31-4B8C-83A1-F6EECF244321}">
-                <p14:modId xmlns:p14="http://schemas.microsoft.com/office/powerpoint/2010/main" val="570142431"/>
-              </p:ext>
-            </p:extLst>
-          </p:nvPr>
-        </p:nvGraphicFramePr>
-        <p:xfrm>
-          <a:off x="19131298" y="28453112"/>
-          <a:ext cx="12381900" cy="2423128"/>
-        </p:xfrm>
-        <a:graphic>
-          <a:graphicData uri="http://schemas.openxmlformats.org/drawingml/2006/table">
-            <a:tbl>
-              <a:tblPr firstRow="1" bandRow="1">
-                <a:tableStyleId>{5C22544A-7EE6-4342-B048-85BDC9FD1C3A}</a:tableStyleId>
-              </a:tblPr>
-              <a:tblGrid>
-                <a:gridCol w="4127300">
-                  <a:extLst>
-                    <a:ext uri="{9D8B030D-6E8A-4147-A177-3AD203B41FA5}">
-                      <a16:colId xmlns:a16="http://schemas.microsoft.com/office/drawing/2014/main" val="1968373173"/>
-                    </a:ext>
-                  </a:extLst>
-                </a:gridCol>
-                <a:gridCol w="4127300">
-                  <a:extLst>
-                    <a:ext uri="{9D8B030D-6E8A-4147-A177-3AD203B41FA5}">
-                      <a16:colId xmlns:a16="http://schemas.microsoft.com/office/drawing/2014/main" val="4077059054"/>
-                    </a:ext>
-                  </a:extLst>
-                </a:gridCol>
-                <a:gridCol w="4127300">
-                  <a:extLst>
-                    <a:ext uri="{9D8B030D-6E8A-4147-A177-3AD203B41FA5}">
-                      <a16:colId xmlns:a16="http://schemas.microsoft.com/office/drawing/2014/main" val="3029900308"/>
-                    </a:ext>
-                  </a:extLst>
-                </a:gridCol>
-              </a:tblGrid>
-              <a:tr h="605782">
-                <a:tc>
-                  <a:txBody>
-                    <a:bodyPr/>
-                    <a:lstStyle/>
-                    <a:p>
-                      <a:r>
-                        <a:rPr lang="es-CO" sz="2800" dirty="0">
-                          <a:solidFill>
-                            <a:schemeClr val="tx1"/>
-                          </a:solidFill>
-                        </a:rPr>
-                        <a:t>Columna 1</a:t>
-                      </a:r>
-                    </a:p>
-                  </a:txBody>
-                  <a:tcPr>
-                    <a:lnL w="12700" cap="flat" cmpd="sng" algn="ctr">
-                      <a:noFill/>
-                      <a:prstDash val="solid"/>
-                      <a:round/>
-                      <a:headEnd type="none" w="med" len="med"/>
-                      <a:tailEnd type="none" w="med" len="med"/>
-                    </a:lnL>
-                    <a:lnR w="12700" cap="flat" cmpd="sng" algn="ctr">
-                      <a:noFill/>
-                      <a:prstDash val="solid"/>
-                      <a:round/>
-                      <a:headEnd type="none" w="med" len="med"/>
-                      <a:tailEnd type="none" w="med" len="med"/>
-                    </a:lnR>
-                    <a:lnT w="12700" cap="flat" cmpd="sng" algn="ctr">
-                      <a:solidFill>
-                        <a:schemeClr val="tx1"/>
-                      </a:solidFill>
-                      <a:prstDash val="solid"/>
-                      <a:round/>
-                      <a:headEnd type="none" w="med" len="med"/>
-                      <a:tailEnd type="none" w="med" len="med"/>
-                    </a:lnT>
-                    <a:lnB w="12700" cap="flat" cmpd="sng" algn="ctr">
-                      <a:solidFill>
-                        <a:schemeClr val="tx1"/>
-                      </a:solidFill>
-                      <a:prstDash val="solid"/>
-                      <a:round/>
-                      <a:headEnd type="none" w="med" len="med"/>
-                      <a:tailEnd type="none" w="med" len="med"/>
-                    </a:lnB>
-                    <a:lnTlToBr w="12700" cmpd="sng">
-                      <a:noFill/>
-                      <a:prstDash val="solid"/>
-                    </a:lnTlToBr>
-                    <a:lnBlToTr w="12700" cmpd="sng">
-                      <a:noFill/>
-                      <a:prstDash val="solid"/>
-                    </a:lnBlToTr>
-                    <a:noFill/>
-                  </a:tcPr>
-                </a:tc>
-                <a:tc>
-                  <a:txBody>
-                    <a:bodyPr/>
-                    <a:lstStyle/>
-                    <a:p>
-                      <a:r>
-                        <a:rPr lang="es-CO" sz="2800" dirty="0">
-                          <a:solidFill>
-                            <a:schemeClr val="tx1"/>
-                          </a:solidFill>
-                        </a:rPr>
-                        <a:t>Columna 2</a:t>
-                      </a:r>
-                    </a:p>
-                  </a:txBody>
-                  <a:tcPr>
-                    <a:lnL w="12700" cap="flat" cmpd="sng" algn="ctr">
-                      <a:noFill/>
-                      <a:prstDash val="solid"/>
-                      <a:round/>
-                      <a:headEnd type="none" w="med" len="med"/>
-                      <a:tailEnd type="none" w="med" len="med"/>
-                    </a:lnL>
-                    <a:lnR w="12700" cap="flat" cmpd="sng" algn="ctr">
-                      <a:noFill/>
-                      <a:prstDash val="solid"/>
-                      <a:round/>
-                      <a:headEnd type="none" w="med" len="med"/>
-                      <a:tailEnd type="none" w="med" len="med"/>
-                    </a:lnR>
-                    <a:lnT w="12700" cap="flat" cmpd="sng" algn="ctr">
-                      <a:solidFill>
-                        <a:schemeClr val="tx1"/>
-                      </a:solidFill>
-                      <a:prstDash val="solid"/>
-                      <a:round/>
-                      <a:headEnd type="none" w="med" len="med"/>
-                      <a:tailEnd type="none" w="med" len="med"/>
-                    </a:lnT>
-                    <a:lnB w="12700" cap="flat" cmpd="sng" algn="ctr">
-                      <a:solidFill>
-                        <a:schemeClr val="tx1"/>
-                      </a:solidFill>
-                      <a:prstDash val="solid"/>
-                      <a:round/>
-                      <a:headEnd type="none" w="med" len="med"/>
-                      <a:tailEnd type="none" w="med" len="med"/>
-                    </a:lnB>
-                    <a:lnTlToBr w="12700" cmpd="sng">
-                      <a:noFill/>
-                      <a:prstDash val="solid"/>
-                    </a:lnTlToBr>
-                    <a:lnBlToTr w="12700" cmpd="sng">
-                      <a:noFill/>
-                      <a:prstDash val="solid"/>
-                    </a:lnBlToTr>
-                    <a:noFill/>
-                  </a:tcPr>
-                </a:tc>
-                <a:tc>
-                  <a:txBody>
-                    <a:bodyPr/>
-                    <a:lstStyle/>
-                    <a:p>
-                      <a:r>
-                        <a:rPr lang="es-CO" sz="2800" dirty="0">
-                          <a:solidFill>
-                            <a:schemeClr val="tx1"/>
-                          </a:solidFill>
-                        </a:rPr>
-                        <a:t>Columna 3</a:t>
-                      </a:r>
-                    </a:p>
-                  </a:txBody>
-                  <a:tcPr>
-                    <a:lnL w="12700" cap="flat" cmpd="sng" algn="ctr">
-                      <a:noFill/>
-                      <a:prstDash val="solid"/>
-                      <a:round/>
-                      <a:headEnd type="none" w="med" len="med"/>
-                      <a:tailEnd type="none" w="med" len="med"/>
-                    </a:lnL>
-                    <a:lnR w="12700" cap="flat" cmpd="sng" algn="ctr">
-                      <a:noFill/>
-                      <a:prstDash val="solid"/>
-                      <a:round/>
-                      <a:headEnd type="none" w="med" len="med"/>
-                      <a:tailEnd type="none" w="med" len="med"/>
-                    </a:lnR>
-                    <a:lnT w="12700" cap="flat" cmpd="sng" algn="ctr">
-                      <a:solidFill>
-                        <a:schemeClr val="tx1"/>
-                      </a:solidFill>
-                      <a:prstDash val="solid"/>
-                      <a:round/>
-                      <a:headEnd type="none" w="med" len="med"/>
-                      <a:tailEnd type="none" w="med" len="med"/>
-                    </a:lnT>
-                    <a:lnB w="12700" cap="flat" cmpd="sng" algn="ctr">
-                      <a:solidFill>
-                        <a:schemeClr val="tx1"/>
-                      </a:solidFill>
-                      <a:prstDash val="solid"/>
-                      <a:round/>
-                      <a:headEnd type="none" w="med" len="med"/>
-                      <a:tailEnd type="none" w="med" len="med"/>
-                    </a:lnB>
-                    <a:lnTlToBr w="12700" cmpd="sng">
-                      <a:noFill/>
-                      <a:prstDash val="solid"/>
-                    </a:lnTlToBr>
-                    <a:lnBlToTr w="12700" cmpd="sng">
-                      <a:noFill/>
-                      <a:prstDash val="solid"/>
-                    </a:lnBlToTr>
-                    <a:noFill/>
-                  </a:tcPr>
-                </a:tc>
-                <a:extLst>
-                  <a:ext uri="{0D108BD9-81ED-4DB2-BD59-A6C34878D82A}">
-                    <a16:rowId xmlns:a16="http://schemas.microsoft.com/office/drawing/2014/main" val="800405218"/>
-                  </a:ext>
-                </a:extLst>
-              </a:tr>
-              <a:tr h="605782">
-                <a:tc>
-                  <a:txBody>
-                    <a:bodyPr/>
-                    <a:lstStyle/>
-                    <a:p>
-                      <a:r>
-                        <a:rPr lang="es-CO" sz="2800" dirty="0">
-                          <a:solidFill>
-                            <a:schemeClr val="tx1"/>
-                          </a:solidFill>
-                        </a:rPr>
-                        <a:t>-----</a:t>
-                      </a:r>
-                    </a:p>
-                  </a:txBody>
-                  <a:tcPr>
-                    <a:lnL w="12700" cap="flat" cmpd="sng" algn="ctr">
-                      <a:noFill/>
-                      <a:prstDash val="solid"/>
-                      <a:round/>
-                      <a:headEnd type="none" w="med" len="med"/>
-                      <a:tailEnd type="none" w="med" len="med"/>
-                    </a:lnL>
-                    <a:lnR w="12700" cap="flat" cmpd="sng" algn="ctr">
-                      <a:noFill/>
-                      <a:prstDash val="solid"/>
-                      <a:round/>
-                      <a:headEnd type="none" w="med" len="med"/>
-                      <a:tailEnd type="none" w="med" len="med"/>
-                    </a:lnR>
-                    <a:lnT w="12700" cap="flat" cmpd="sng" algn="ctr">
-                      <a:solidFill>
-                        <a:schemeClr val="tx1"/>
-                      </a:solidFill>
-                      <a:prstDash val="solid"/>
-                      <a:round/>
-                      <a:headEnd type="none" w="med" len="med"/>
-                      <a:tailEnd type="none" w="med" len="med"/>
-                    </a:lnT>
-                    <a:lnB w="12700" cap="flat" cmpd="sng" algn="ctr">
-                      <a:noFill/>
-                      <a:prstDash val="solid"/>
-                      <a:round/>
-                      <a:headEnd type="none" w="med" len="med"/>
-                      <a:tailEnd type="none" w="med" len="med"/>
-                    </a:lnB>
-                    <a:lnTlToBr w="12700" cmpd="sng">
-                      <a:noFill/>
-                      <a:prstDash val="solid"/>
-                    </a:lnTlToBr>
-                    <a:lnBlToTr w="12700" cmpd="sng">
-                      <a:noFill/>
-                      <a:prstDash val="solid"/>
-                    </a:lnBlToTr>
-                    <a:noFill/>
-                  </a:tcPr>
-                </a:tc>
-                <a:tc>
-                  <a:txBody>
-                    <a:bodyPr/>
-                    <a:lstStyle/>
-                    <a:p>
-                      <a:r>
-                        <a:rPr lang="es-CO" sz="2800" dirty="0">
-                          <a:solidFill>
-                            <a:schemeClr val="tx1"/>
-                          </a:solidFill>
-                        </a:rPr>
-                        <a:t>-----</a:t>
-                      </a:r>
-                    </a:p>
-                  </a:txBody>
-                  <a:tcPr>
-                    <a:lnL w="12700" cap="flat" cmpd="sng" algn="ctr">
-                      <a:noFill/>
-                      <a:prstDash val="solid"/>
-                      <a:round/>
-                      <a:headEnd type="none" w="med" len="med"/>
-                      <a:tailEnd type="none" w="med" len="med"/>
-                    </a:lnL>
-                    <a:lnR w="12700" cap="flat" cmpd="sng" algn="ctr">
-                      <a:noFill/>
-                      <a:prstDash val="solid"/>
-                      <a:round/>
-                      <a:headEnd type="none" w="med" len="med"/>
-                      <a:tailEnd type="none" w="med" len="med"/>
-                    </a:lnR>
-                    <a:lnT w="12700" cap="flat" cmpd="sng" algn="ctr">
-                      <a:solidFill>
-                        <a:schemeClr val="tx1"/>
-                      </a:solidFill>
-                      <a:prstDash val="solid"/>
-                      <a:round/>
-                      <a:headEnd type="none" w="med" len="med"/>
-                      <a:tailEnd type="none" w="med" len="med"/>
-                    </a:lnT>
-                    <a:lnB w="12700" cap="flat" cmpd="sng" algn="ctr">
-                      <a:noFill/>
-                      <a:prstDash val="solid"/>
-                      <a:round/>
-                      <a:headEnd type="none" w="med" len="med"/>
-                      <a:tailEnd type="none" w="med" len="med"/>
-                    </a:lnB>
-                    <a:lnTlToBr w="12700" cmpd="sng">
-                      <a:noFill/>
-                      <a:prstDash val="solid"/>
-                    </a:lnTlToBr>
-                    <a:lnBlToTr w="12700" cmpd="sng">
-                      <a:noFill/>
-                      <a:prstDash val="solid"/>
-                    </a:lnBlToTr>
-                    <a:noFill/>
-                  </a:tcPr>
-                </a:tc>
-                <a:tc>
-                  <a:txBody>
-                    <a:bodyPr/>
-                    <a:lstStyle/>
-                    <a:p>
-                      <a:r>
-                        <a:rPr lang="es-CO" sz="2800" dirty="0">
-                          <a:solidFill>
-                            <a:schemeClr val="tx1"/>
-                          </a:solidFill>
-                        </a:rPr>
-                        <a:t>-----</a:t>
-                      </a:r>
-                    </a:p>
-                  </a:txBody>
-                  <a:tcPr>
-                    <a:lnL w="12700" cap="flat" cmpd="sng" algn="ctr">
-                      <a:noFill/>
-                      <a:prstDash val="solid"/>
-                      <a:round/>
-                      <a:headEnd type="none" w="med" len="med"/>
-                      <a:tailEnd type="none" w="med" len="med"/>
-                    </a:lnL>
-                    <a:lnR w="12700" cap="flat" cmpd="sng" algn="ctr">
-                      <a:noFill/>
-                      <a:prstDash val="solid"/>
-                      <a:round/>
-                      <a:headEnd type="none" w="med" len="med"/>
-                      <a:tailEnd type="none" w="med" len="med"/>
-                    </a:lnR>
-                    <a:lnT w="12700" cap="flat" cmpd="sng" algn="ctr">
-                      <a:solidFill>
-                        <a:schemeClr val="tx1"/>
-                      </a:solidFill>
-                      <a:prstDash val="solid"/>
-                      <a:round/>
-                      <a:headEnd type="none" w="med" len="med"/>
-                      <a:tailEnd type="none" w="med" len="med"/>
-                    </a:lnT>
-                    <a:lnB w="12700" cap="flat" cmpd="sng" algn="ctr">
-                      <a:noFill/>
-                      <a:prstDash val="solid"/>
-                      <a:round/>
-                      <a:headEnd type="none" w="med" len="med"/>
-                      <a:tailEnd type="none" w="med" len="med"/>
-                    </a:lnB>
-                    <a:lnTlToBr w="12700" cmpd="sng">
-                      <a:noFill/>
-                      <a:prstDash val="solid"/>
-                    </a:lnTlToBr>
-                    <a:lnBlToTr w="12700" cmpd="sng">
-                      <a:noFill/>
-                      <a:prstDash val="solid"/>
-                    </a:lnBlToTr>
-                    <a:noFill/>
-                  </a:tcPr>
-                </a:tc>
-                <a:extLst>
-                  <a:ext uri="{0D108BD9-81ED-4DB2-BD59-A6C34878D82A}">
-                    <a16:rowId xmlns:a16="http://schemas.microsoft.com/office/drawing/2014/main" val="4156057461"/>
-                  </a:ext>
-                </a:extLst>
-              </a:tr>
-              <a:tr h="605782">
-                <a:tc>
-                  <a:txBody>
-                    <a:bodyPr/>
-                    <a:lstStyle/>
-                    <a:p>
-                      <a:r>
-                        <a:rPr lang="es-CO" sz="2800" dirty="0">
-                          <a:solidFill>
-                            <a:schemeClr val="tx1"/>
-                          </a:solidFill>
-                        </a:rPr>
-                        <a:t>-----</a:t>
-                      </a:r>
-                    </a:p>
-                  </a:txBody>
-                  <a:tcPr>
-                    <a:lnL w="12700" cap="flat" cmpd="sng" algn="ctr">
-                      <a:noFill/>
-                      <a:prstDash val="solid"/>
-                      <a:round/>
-                      <a:headEnd type="none" w="med" len="med"/>
-                      <a:tailEnd type="none" w="med" len="med"/>
-                    </a:lnL>
-                    <a:lnR w="12700" cap="flat" cmpd="sng" algn="ctr">
-                      <a:noFill/>
-                      <a:prstDash val="solid"/>
-                      <a:round/>
-                      <a:headEnd type="none" w="med" len="med"/>
-                      <a:tailEnd type="none" w="med" len="med"/>
-                    </a:lnR>
-                    <a:lnT w="12700" cap="flat" cmpd="sng" algn="ctr">
-                      <a:noFill/>
-                      <a:prstDash val="solid"/>
-                      <a:round/>
-                      <a:headEnd type="none" w="med" len="med"/>
-                      <a:tailEnd type="none" w="med" len="med"/>
-                    </a:lnT>
-                    <a:lnB w="12700" cap="flat" cmpd="sng" algn="ctr">
-                      <a:noFill/>
-                      <a:prstDash val="solid"/>
-                      <a:round/>
-                      <a:headEnd type="none" w="med" len="med"/>
-                      <a:tailEnd type="none" w="med" len="med"/>
-                    </a:lnB>
-                    <a:lnTlToBr w="12700" cmpd="sng">
-                      <a:noFill/>
-                      <a:prstDash val="solid"/>
-                    </a:lnTlToBr>
-                    <a:lnBlToTr w="12700" cmpd="sng">
-                      <a:noFill/>
-                      <a:prstDash val="solid"/>
-                    </a:lnBlToTr>
-                    <a:noFill/>
-                  </a:tcPr>
-                </a:tc>
-                <a:tc>
-                  <a:txBody>
-                    <a:bodyPr/>
-                    <a:lstStyle/>
-                    <a:p>
-                      <a:r>
-                        <a:rPr lang="es-CO" sz="2800" dirty="0">
-                          <a:solidFill>
-                            <a:schemeClr val="tx1"/>
-                          </a:solidFill>
-                        </a:rPr>
-                        <a:t>-----</a:t>
-                      </a:r>
-                    </a:p>
-                  </a:txBody>
-                  <a:tcPr>
-                    <a:lnL w="12700" cap="flat" cmpd="sng" algn="ctr">
-                      <a:noFill/>
-                      <a:prstDash val="solid"/>
-                      <a:round/>
-                      <a:headEnd type="none" w="med" len="med"/>
-                      <a:tailEnd type="none" w="med" len="med"/>
-                    </a:lnL>
-                    <a:lnR w="12700" cap="flat" cmpd="sng" algn="ctr">
-                      <a:noFill/>
-                      <a:prstDash val="solid"/>
-                      <a:round/>
-                      <a:headEnd type="none" w="med" len="med"/>
-                      <a:tailEnd type="none" w="med" len="med"/>
-                    </a:lnR>
-                    <a:lnT w="12700" cap="flat" cmpd="sng" algn="ctr">
-                      <a:noFill/>
-                      <a:prstDash val="solid"/>
-                      <a:round/>
-                      <a:headEnd type="none" w="med" len="med"/>
-                      <a:tailEnd type="none" w="med" len="med"/>
-                    </a:lnT>
-                    <a:lnB w="12700" cap="flat" cmpd="sng" algn="ctr">
-                      <a:noFill/>
-                      <a:prstDash val="solid"/>
-                      <a:round/>
-                      <a:headEnd type="none" w="med" len="med"/>
-                      <a:tailEnd type="none" w="med" len="med"/>
-                    </a:lnB>
-                    <a:lnTlToBr w="12700" cmpd="sng">
-                      <a:noFill/>
-                      <a:prstDash val="solid"/>
-                    </a:lnTlToBr>
-                    <a:lnBlToTr w="12700" cmpd="sng">
-                      <a:noFill/>
-                      <a:prstDash val="solid"/>
-                    </a:lnBlToTr>
-                    <a:noFill/>
-                  </a:tcPr>
-                </a:tc>
-                <a:tc>
-                  <a:txBody>
-                    <a:bodyPr/>
-                    <a:lstStyle/>
-                    <a:p>
-                      <a:r>
-                        <a:rPr lang="es-CO" sz="2800" dirty="0">
-                          <a:solidFill>
-                            <a:schemeClr val="tx1"/>
-                          </a:solidFill>
-                        </a:rPr>
-                        <a:t>-----</a:t>
-                      </a:r>
-                    </a:p>
-                  </a:txBody>
-                  <a:tcPr>
-                    <a:lnL w="12700" cap="flat" cmpd="sng" algn="ctr">
-                      <a:noFill/>
-                      <a:prstDash val="solid"/>
-                      <a:round/>
-                      <a:headEnd type="none" w="med" len="med"/>
-                      <a:tailEnd type="none" w="med" len="med"/>
-                    </a:lnL>
-                    <a:lnR w="12700" cap="flat" cmpd="sng" algn="ctr">
-                      <a:noFill/>
-                      <a:prstDash val="solid"/>
-                      <a:round/>
-                      <a:headEnd type="none" w="med" len="med"/>
-                      <a:tailEnd type="none" w="med" len="med"/>
-                    </a:lnR>
-                    <a:lnT w="12700" cap="flat" cmpd="sng" algn="ctr">
-                      <a:noFill/>
-                      <a:prstDash val="solid"/>
-                      <a:round/>
-                      <a:headEnd type="none" w="med" len="med"/>
-                      <a:tailEnd type="none" w="med" len="med"/>
-                    </a:lnT>
-                    <a:lnB w="12700" cap="flat" cmpd="sng" algn="ctr">
-                      <a:noFill/>
-                      <a:prstDash val="solid"/>
-                      <a:round/>
-                      <a:headEnd type="none" w="med" len="med"/>
-                      <a:tailEnd type="none" w="med" len="med"/>
-                    </a:lnB>
-                    <a:lnTlToBr w="12700" cmpd="sng">
-                      <a:noFill/>
-                      <a:prstDash val="solid"/>
-                    </a:lnTlToBr>
-                    <a:lnBlToTr w="12700" cmpd="sng">
-                      <a:noFill/>
-                      <a:prstDash val="solid"/>
-                    </a:lnBlToTr>
-                    <a:noFill/>
-                  </a:tcPr>
-                </a:tc>
-                <a:extLst>
-                  <a:ext uri="{0D108BD9-81ED-4DB2-BD59-A6C34878D82A}">
-                    <a16:rowId xmlns:a16="http://schemas.microsoft.com/office/drawing/2014/main" val="1505560932"/>
-                  </a:ext>
-                </a:extLst>
-              </a:tr>
-              <a:tr h="605782">
-                <a:tc>
-                  <a:txBody>
-                    <a:bodyPr/>
-                    <a:lstStyle/>
-                    <a:p>
-                      <a:r>
-                        <a:rPr lang="es-CO" sz="2800" dirty="0">
-                          <a:solidFill>
-                            <a:schemeClr val="tx1"/>
-                          </a:solidFill>
-                        </a:rPr>
-                        <a:t>-----</a:t>
-                      </a:r>
-                    </a:p>
-                  </a:txBody>
-                  <a:tcPr>
-                    <a:lnL w="12700" cap="flat" cmpd="sng" algn="ctr">
-                      <a:noFill/>
-                      <a:prstDash val="solid"/>
-                      <a:round/>
-                      <a:headEnd type="none" w="med" len="med"/>
-                      <a:tailEnd type="none" w="med" len="med"/>
-                    </a:lnL>
-                    <a:lnR w="12700" cap="flat" cmpd="sng" algn="ctr">
-                      <a:noFill/>
-                      <a:prstDash val="solid"/>
-                      <a:round/>
-                      <a:headEnd type="none" w="med" len="med"/>
-                      <a:tailEnd type="none" w="med" len="med"/>
-                    </a:lnR>
-                    <a:lnT w="12700" cap="flat" cmpd="sng" algn="ctr">
-                      <a:noFill/>
-                      <a:prstDash val="solid"/>
-                      <a:round/>
-                      <a:headEnd type="none" w="med" len="med"/>
-                      <a:tailEnd type="none" w="med" len="med"/>
-                    </a:lnT>
-                    <a:lnB w="12700" cap="flat" cmpd="sng" algn="ctr">
-                      <a:solidFill>
-                        <a:schemeClr val="tx1"/>
-                      </a:solidFill>
-                      <a:prstDash val="solid"/>
-                      <a:round/>
-                      <a:headEnd type="none" w="med" len="med"/>
-                      <a:tailEnd type="none" w="med" len="med"/>
-                    </a:lnB>
-                    <a:lnTlToBr w="12700" cmpd="sng">
-                      <a:noFill/>
-                      <a:prstDash val="solid"/>
-                    </a:lnTlToBr>
-                    <a:lnBlToTr w="12700" cmpd="sng">
-                      <a:noFill/>
-                      <a:prstDash val="solid"/>
-                    </a:lnBlToTr>
-                    <a:noFill/>
-                  </a:tcPr>
-                </a:tc>
-                <a:tc>
-                  <a:txBody>
-                    <a:bodyPr/>
-                    <a:lstStyle/>
-                    <a:p>
-                      <a:r>
-                        <a:rPr lang="es-CO" sz="2800" dirty="0">
-                          <a:solidFill>
-                            <a:schemeClr val="tx1"/>
-                          </a:solidFill>
-                        </a:rPr>
-                        <a:t>-----</a:t>
-                      </a:r>
-                    </a:p>
-                  </a:txBody>
-                  <a:tcPr>
-                    <a:lnL w="12700" cap="flat" cmpd="sng" algn="ctr">
-                      <a:noFill/>
-                      <a:prstDash val="solid"/>
-                      <a:round/>
-                      <a:headEnd type="none" w="med" len="med"/>
-                      <a:tailEnd type="none" w="med" len="med"/>
-                    </a:lnL>
-                    <a:lnR w="12700" cap="flat" cmpd="sng" algn="ctr">
-                      <a:noFill/>
-                      <a:prstDash val="solid"/>
-                      <a:round/>
-                      <a:headEnd type="none" w="med" len="med"/>
-                      <a:tailEnd type="none" w="med" len="med"/>
-                    </a:lnR>
-                    <a:lnT w="12700" cap="flat" cmpd="sng" algn="ctr">
-                      <a:noFill/>
-                      <a:prstDash val="solid"/>
-                      <a:round/>
-                      <a:headEnd type="none" w="med" len="med"/>
-                      <a:tailEnd type="none" w="med" len="med"/>
-                    </a:lnT>
-                    <a:lnB w="12700" cap="flat" cmpd="sng" algn="ctr">
-                      <a:solidFill>
-                        <a:schemeClr val="tx1"/>
-                      </a:solidFill>
-                      <a:prstDash val="solid"/>
-                      <a:round/>
-                      <a:headEnd type="none" w="med" len="med"/>
-                      <a:tailEnd type="none" w="med" len="med"/>
-                    </a:lnB>
-                    <a:lnTlToBr w="12700" cmpd="sng">
-                      <a:noFill/>
-                      <a:prstDash val="solid"/>
-                    </a:lnTlToBr>
-                    <a:lnBlToTr w="12700" cmpd="sng">
-                      <a:noFill/>
-                      <a:prstDash val="solid"/>
-                    </a:lnBlToTr>
-                    <a:noFill/>
-                  </a:tcPr>
-                </a:tc>
-                <a:tc>
-                  <a:txBody>
-                    <a:bodyPr/>
-                    <a:lstStyle/>
-                    <a:p>
-                      <a:r>
-                        <a:rPr lang="es-CO" sz="2800" dirty="0">
-                          <a:solidFill>
-                            <a:schemeClr val="tx1"/>
-                          </a:solidFill>
-                        </a:rPr>
-                        <a:t>-----</a:t>
-                      </a:r>
-                    </a:p>
-                  </a:txBody>
-                  <a:tcPr>
-                    <a:lnL w="12700" cap="flat" cmpd="sng" algn="ctr">
-                      <a:noFill/>
-                      <a:prstDash val="solid"/>
-                      <a:round/>
-                      <a:headEnd type="none" w="med" len="med"/>
-                      <a:tailEnd type="none" w="med" len="med"/>
-                    </a:lnL>
-                    <a:lnR w="12700" cap="flat" cmpd="sng" algn="ctr">
-                      <a:noFill/>
-                      <a:prstDash val="solid"/>
-                      <a:round/>
-                      <a:headEnd type="none" w="med" len="med"/>
-                      <a:tailEnd type="none" w="med" len="med"/>
-                    </a:lnR>
-                    <a:lnT w="12700" cap="flat" cmpd="sng" algn="ctr">
-                      <a:noFill/>
-                      <a:prstDash val="solid"/>
-                      <a:round/>
-                      <a:headEnd type="none" w="med" len="med"/>
-                      <a:tailEnd type="none" w="med" len="med"/>
-                    </a:lnT>
-                    <a:lnB w="12700" cap="flat" cmpd="sng" algn="ctr">
-                      <a:solidFill>
-                        <a:schemeClr val="tx1"/>
-                      </a:solidFill>
-                      <a:prstDash val="solid"/>
-                      <a:round/>
-                      <a:headEnd type="none" w="med" len="med"/>
-                      <a:tailEnd type="none" w="med" len="med"/>
-                    </a:lnB>
-                    <a:lnTlToBr w="12700" cmpd="sng">
-                      <a:noFill/>
-                      <a:prstDash val="solid"/>
-                    </a:lnTlToBr>
-                    <a:lnBlToTr w="12700" cmpd="sng">
-                      <a:noFill/>
-                      <a:prstDash val="solid"/>
-                    </a:lnBlToTr>
-                    <a:noFill/>
-                  </a:tcPr>
-                </a:tc>
-                <a:extLst>
-                  <a:ext uri="{0D108BD9-81ED-4DB2-BD59-A6C34878D82A}">
-                    <a16:rowId xmlns:a16="http://schemas.microsoft.com/office/drawing/2014/main" val="3280955987"/>
-                  </a:ext>
-                </a:extLst>
-              </a:tr>
-            </a:tbl>
-          </a:graphicData>
-        </a:graphic>
-      </p:graphicFrame>
+          <p:cNvPicPr>
+            <a:picLocks noChangeAspect="1"/>
+          </p:cNvPicPr>
+          <p:nvPr/>
+        </p:nvPicPr>
+        <p:blipFill>
+          <a:blip r:embed="rId5"/>
+          <a:stretch>
+            <a:fillRect/>
+          </a:stretch>
+        </p:blipFill>
+        <p:spPr>
+          <a:xfrm>
+            <a:off x="535500" y="14089810"/>
+            <a:ext cx="8389300" cy="12103808"/>
+          </a:xfrm>
+          <a:prstGeom prst="rect">
+            <a:avLst/>
+          </a:prstGeom>
+        </p:spPr>
+      </p:pic>
+      <p:pic>
+        <p:nvPicPr>
+          <p:cNvPr id="17" name="Imagen 16" descr="Imagen que contiene Gráfico&#10;&#10;Descripción generada automáticamente">
+            <a:extLst>
+              <a:ext uri="{FF2B5EF4-FFF2-40B4-BE49-F238E27FC236}">
+                <a16:creationId xmlns:a16="http://schemas.microsoft.com/office/drawing/2014/main" id="{CCCAF1ED-408C-011C-A6C4-8597E2447EB3}"/>
+              </a:ext>
+            </a:extLst>
+          </p:cNvPr>
+          <p:cNvPicPr>
+            <a:picLocks noChangeAspect="1"/>
+          </p:cNvPicPr>
+          <p:nvPr/>
+        </p:nvPicPr>
+        <p:blipFill>
+          <a:blip r:embed="rId6"/>
+          <a:stretch>
+            <a:fillRect/>
+          </a:stretch>
+        </p:blipFill>
+        <p:spPr>
+          <a:xfrm>
+            <a:off x="20059427" y="21295356"/>
+            <a:ext cx="11350111" cy="8149393"/>
+          </a:xfrm>
+          <a:prstGeom prst="rect">
+            <a:avLst/>
+          </a:prstGeom>
+        </p:spPr>
+      </p:pic>
       <p:sp>
         <p:nvSpPr>
-          <p:cNvPr id="16" name="CuadroTexto 15">
+          <p:cNvPr id="18" name="CuadroTexto 17">
             <a:extLst>
               <a:ext uri="{FF2B5EF4-FFF2-40B4-BE49-F238E27FC236}">
-                <a16:creationId xmlns:a16="http://schemas.microsoft.com/office/drawing/2014/main" id="{E20B5E1B-4538-7574-8953-76583577E212}"/>
+                <a16:creationId xmlns:a16="http://schemas.microsoft.com/office/drawing/2014/main" id="{42A2F3C7-4E78-F00D-2954-9B3AF6D2D01B}"/>
               </a:ext>
             </a:extLst>
           </p:cNvPr>
@@ -17751,8 +22177,112 @@
         </p:nvSpPr>
         <p:spPr>
           <a:xfrm>
-            <a:off x="19131298" y="27825871"/>
-            <a:ext cx="8662579" cy="615553"/>
+            <a:off x="20612100" y="30002611"/>
+            <a:ext cx="10501049" cy="1138773"/>
+          </a:xfrm>
+          <a:prstGeom prst="rect">
+            <a:avLst/>
+          </a:prstGeom>
+          <a:noFill/>
+        </p:spPr>
+        <p:txBody>
+          <a:bodyPr wrap="square" lIns="91440" tIns="45720" rIns="91440" bIns="45720" rtlCol="0" anchor="t">
+            <a:spAutoFit/>
+          </a:bodyPr>
+          <a:lstStyle/>
+          <a:p>
+            <a:pPr algn="ctr"/>
+            <a:r>
+              <a:rPr lang="es-MX" sz="3400" dirty="0"/>
+              <a:t>Figura 3. Comportamiento de la Sierra Nevada de Santa Marta. Fuente: Elaboración propia (2024).</a:t>
+            </a:r>
+            <a:endParaRPr lang="es-CO" sz="3400" dirty="0"/>
+          </a:p>
+        </p:txBody>
+      </p:sp>
+      <p:pic>
+        <p:nvPicPr>
+          <p:cNvPr id="22" name="Imagen 21">
+            <a:extLst>
+              <a:ext uri="{FF2B5EF4-FFF2-40B4-BE49-F238E27FC236}">
+                <a16:creationId xmlns:a16="http://schemas.microsoft.com/office/drawing/2014/main" id="{7CE12EB2-0CA3-7259-63A0-08BA22C9E09F}"/>
+              </a:ext>
+            </a:extLst>
+          </p:cNvPr>
+          <p:cNvPicPr>
+            <a:picLocks noChangeAspect="1"/>
+          </p:cNvPicPr>
+          <p:nvPr/>
+        </p:nvPicPr>
+        <p:blipFill>
+          <a:blip r:embed="rId7"/>
+          <a:stretch>
+            <a:fillRect/>
+          </a:stretch>
+        </p:blipFill>
+        <p:spPr>
+          <a:xfrm>
+            <a:off x="9379798" y="15382573"/>
+            <a:ext cx="10138842" cy="4950024"/>
+          </a:xfrm>
+          <a:prstGeom prst="rect">
+            <a:avLst/>
+          </a:prstGeom>
+        </p:spPr>
+      </p:pic>
+      <p:sp>
+        <p:nvSpPr>
+          <p:cNvPr id="23" name="CuadroTexto 22">
+            <a:extLst>
+              <a:ext uri="{FF2B5EF4-FFF2-40B4-BE49-F238E27FC236}">
+                <a16:creationId xmlns:a16="http://schemas.microsoft.com/office/drawing/2014/main" id="{948E0066-FE0D-6E07-C1B9-14B89884108E}"/>
+              </a:ext>
+            </a:extLst>
+          </p:cNvPr>
+          <p:cNvSpPr txBox="1"/>
+          <p:nvPr/>
+        </p:nvSpPr>
+        <p:spPr>
+          <a:xfrm>
+            <a:off x="10000838" y="20495705"/>
+            <a:ext cx="8662579" cy="1661993"/>
+          </a:xfrm>
+          <a:prstGeom prst="rect">
+            <a:avLst/>
+          </a:prstGeom>
+          <a:noFill/>
+        </p:spPr>
+        <p:txBody>
+          <a:bodyPr wrap="square" lIns="91440" tIns="45720" rIns="91440" bIns="45720" rtlCol="0" anchor="t">
+            <a:spAutoFit/>
+          </a:bodyPr>
+          <a:lstStyle/>
+          <a:p>
+            <a:pPr algn="ctr"/>
+            <a:r>
+              <a:rPr lang="es-MX" sz="3400" dirty="0"/>
+              <a:t>Figura 2. Variabilidad de temperatura del Nevado del Cocuy. Fuente: Elaboración propia (2023).</a:t>
+            </a:r>
+            <a:endParaRPr lang="es-CO" sz="3400" dirty="0"/>
+          </a:p>
+        </p:txBody>
+      </p:sp>
+      <p:sp>
+        <p:nvSpPr>
+          <p:cNvPr id="24" name="CuadroTexto 23">
+            <a:extLst>
+              <a:ext uri="{FF2B5EF4-FFF2-40B4-BE49-F238E27FC236}">
+                <a16:creationId xmlns:a16="http://schemas.microsoft.com/office/drawing/2014/main" id="{A56751BF-8695-1562-491C-777F17F19A2E}"/>
+              </a:ext>
+            </a:extLst>
+          </p:cNvPr>
+          <p:cNvSpPr txBox="1"/>
+          <p:nvPr/>
+        </p:nvSpPr>
+        <p:spPr>
+          <a:xfrm>
+            <a:off x="20059427" y="15572201"/>
+            <a:ext cx="11606393" cy="5262979"/>
           </a:xfrm>
           <a:prstGeom prst="rect">
             <a:avLst/>
@@ -17767,14 +22297,124 @@
           <a:p>
             <a:pPr algn="just"/>
             <a:r>
-              <a:rPr lang="es-MX" sz="3400" dirty="0"/>
-              <a:t>Tabla 1. </a:t>
+              <a:rPr lang="es-ES" sz="2800" dirty="0"/>
+              <a:t>En 1990, Sierra Nevada exhibió una extensa cobertura de hielo, abarcando un área de 30.81 kilómetros cuadrados. Este valor sugiere la presencia de condiciones glaciares sustanciales en la región durante ese año. Sin embargo, a medida que avanzamos en el tiempo, observamos una tendencia preocupante de disminución en la cobertura de hielo. En 2005, la extensión de hielo se redujo significativamente a 9.52 kilómetros cuadrados, señalando un marcado retroceso glacial. Aunque hubo una pequeña recuperación en 2020, con 10.64 kilómetros cuadrados de hielo, la cifra disminuyó nuevamente en 2023 a 5.934 kilómetros cuadrados. Esta tendencia indicaría una continua pérdida de hielo en Sierra Nevada durante el período estudiado, posiblemente influenciada por cambios climáticos y ambientales.</a:t>
             </a:r>
+            <a:endParaRPr lang="es-MX" sz="2800" dirty="0"/>
+          </a:p>
+        </p:txBody>
+      </p:sp>
+      <p:sp>
+        <p:nvSpPr>
+          <p:cNvPr id="25" name="CuadroTexto 24">
+            <a:extLst>
+              <a:ext uri="{FF2B5EF4-FFF2-40B4-BE49-F238E27FC236}">
+                <a16:creationId xmlns:a16="http://schemas.microsoft.com/office/drawing/2014/main" id="{0F782C98-0793-47F6-478A-3343FE3A740D}"/>
+              </a:ext>
+            </a:extLst>
+          </p:cNvPr>
+          <p:cNvSpPr txBox="1"/>
+          <p:nvPr/>
+        </p:nvSpPr>
+        <p:spPr>
+          <a:xfrm>
+            <a:off x="9198079" y="22331392"/>
+            <a:ext cx="10685639" cy="5693866"/>
+          </a:xfrm>
+          <a:prstGeom prst="rect">
+            <a:avLst/>
+          </a:prstGeom>
+          <a:noFill/>
+        </p:spPr>
+        <p:txBody>
+          <a:bodyPr wrap="square" lIns="91440" tIns="45720" rIns="91440" bIns="45720" rtlCol="0" anchor="t">
+            <a:spAutoFit/>
+          </a:bodyPr>
+          <a:lstStyle/>
+          <a:p>
+            <a:pPr algn="just"/>
             <a:r>
-              <a:rPr lang="es-MX" sz="3400" dirty="0" err="1"/>
-              <a:t>xxxxxxc</a:t>
+              <a:rPr lang="es-ES" sz="2800" dirty="0"/>
+              <a:t>De acuerdo con la implementación del algoritmo de clasificación, se llevó a cabo la extracción de un total de 140 muestras para cada año de estudio y para cada uno de los nevados bajo consideración. Las métricas obtenidas mostraron un fenómeno de sobreajuste, evidenciado por valores cercanos a 0.99 o incluso 1, lo que indica una alta concordancia entre las predicciones del modelo y los datos de entrenamiento. Sin embargo, una evaluación más detallada de la exactitud temática revela la presencia de considerables confusiones con respecto a la clasificación de nubes. Este fenómeno indica que el modelo no es completamente robusto frente a la presencia de nubes, lo que puede afectar la confiabilidad de las clasificaciones resultantes.</a:t>
             </a:r>
-            <a:endParaRPr lang="es-CO" sz="3400" dirty="0"/>
+          </a:p>
+          <a:p>
+            <a:pPr algn="just"/>
+            <a:endParaRPr lang="es-ES" sz="2800" dirty="0"/>
+          </a:p>
+        </p:txBody>
+      </p:sp>
+      <p:sp>
+        <p:nvSpPr>
+          <p:cNvPr id="26" name="CuadroTexto 25">
+            <a:extLst>
+              <a:ext uri="{FF2B5EF4-FFF2-40B4-BE49-F238E27FC236}">
+                <a16:creationId xmlns:a16="http://schemas.microsoft.com/office/drawing/2014/main" id="{AEB1C322-BCBA-99E6-4A8E-BFC988EAB655}"/>
+              </a:ext>
+            </a:extLst>
+          </p:cNvPr>
+          <p:cNvSpPr txBox="1"/>
+          <p:nvPr/>
+        </p:nvSpPr>
+        <p:spPr>
+          <a:xfrm>
+            <a:off x="18573750" y="31466422"/>
+            <a:ext cx="13458882" cy="5262979"/>
+          </a:xfrm>
+          <a:prstGeom prst="rect">
+            <a:avLst/>
+          </a:prstGeom>
+          <a:noFill/>
+        </p:spPr>
+        <p:txBody>
+          <a:bodyPr wrap="square" lIns="91440" tIns="45720" rIns="91440" bIns="45720" rtlCol="0" anchor="t">
+            <a:spAutoFit/>
+          </a:bodyPr>
+          <a:lstStyle/>
+          <a:p>
+            <a:pPr algn="just"/>
+            <a:r>
+              <a:rPr lang="es-ES" sz="2800" dirty="0"/>
+              <a:t>En el año 2000, el Nevado del Cocuy presentó una extensa cobertura de hielo, ocupando una superficie de 36.61 kilómetros cuadrados. Esta cifra sugiere condiciones glaciares saludables en ese momento. Sin embargo, a medida que avanzamos en el tiempo, observamos una disminución progresiva en la cobertura de hielo. En 2015, la extensión de hielo se redujo a 29.14 kilómetros cuadrados, y en 2020, disminuyó aún más a 24.98 kilómetros cuadrados. Esta tendencia de disminución continúa en 2023, con una cobertura de hielo de 23.29 kilómetros cuadrados. Estos resultados señalan una preocupante pérdida de hielo en el Nevado del Cocuy a lo largo de las últimas décadas, lo que podría ser indicativo de procesos de retroceso glacial y cambios en las condiciones climáticas y medioambientales locales. Es crucial seguir monitoreando estos cambios para comprender mejor el impacto a largo plazo en los nevados.</a:t>
+            </a:r>
+            <a:endParaRPr lang="es-MX" sz="2800" dirty="0"/>
+          </a:p>
+        </p:txBody>
+      </p:sp>
+      <p:sp>
+        <p:nvSpPr>
+          <p:cNvPr id="28" name="CuadroTexto 27">
+            <a:extLst>
+              <a:ext uri="{FF2B5EF4-FFF2-40B4-BE49-F238E27FC236}">
+                <a16:creationId xmlns:a16="http://schemas.microsoft.com/office/drawing/2014/main" id="{8955DC2B-8F8F-44C4-DD28-200DD3CD7861}"/>
+              </a:ext>
+            </a:extLst>
+          </p:cNvPr>
+          <p:cNvSpPr txBox="1"/>
+          <p:nvPr/>
+        </p:nvSpPr>
+        <p:spPr>
+          <a:xfrm>
+            <a:off x="786627" y="27793515"/>
+            <a:ext cx="18466091" cy="3108543"/>
+          </a:xfrm>
+          <a:prstGeom prst="rect">
+            <a:avLst/>
+          </a:prstGeom>
+          <a:noFill/>
+        </p:spPr>
+        <p:txBody>
+          <a:bodyPr wrap="square">
+            <a:spAutoFit/>
+          </a:bodyPr>
+          <a:lstStyle/>
+          <a:p>
+            <a:pPr algn="just"/>
+            <a:r>
+              <a:rPr lang="es-ES" sz="2800" dirty="0"/>
+              <a:t>En el caso particular del Nevado del Cocuy, es importante destacar que en algunos años no se dispone de información debido a la imposibilidad de identificar un conjunto de imágenes libre de nubosidad. Esta limitación puede atribuirse a condiciones climáticas o a la disponibilidad de datos satelitales adecuados en esos períodos específicos. Es crucial abordar estas limitaciones para mejorar la precisión y confiabilidad del modelo, especialmente en entornos montañosos propensos a condiciones atmosféricas cambiantes. Este análisis resalta la importancia de considerar la variabilidad en la calidad de los datos de entrada al desarrollar y aplicar algoritmos de clasificación en el contexto de estudios glaciares.</a:t>
+            </a:r>
+            <a:endParaRPr lang="es-MX" sz="2800" dirty="0"/>
           </a:p>
         </p:txBody>
       </p:sp>
